--- a/SKA-Days/pp.pptx
+++ b/SKA-Days/pp.pptx
@@ -13,11 +13,14 @@
     <p:sldId id="260" r:id="rId7"/>
     <p:sldId id="262" r:id="rId8"/>
     <p:sldId id="265" r:id="rId9"/>
-    <p:sldId id="269" r:id="rId10"/>
-    <p:sldId id="266" r:id="rId11"/>
-    <p:sldId id="268" r:id="rId12"/>
-    <p:sldId id="263" r:id="rId13"/>
-    <p:sldId id="267" r:id="rId14"/>
+    <p:sldId id="266" r:id="rId10"/>
+    <p:sldId id="272" r:id="rId11"/>
+    <p:sldId id="263" r:id="rId12"/>
+    <p:sldId id="267" r:id="rId13"/>
+    <p:sldId id="273" r:id="rId14"/>
+    <p:sldId id="271" r:id="rId15"/>
+    <p:sldId id="270" r:id="rId16"/>
+    <p:sldId id="269" r:id="rId17"/>
   </p:sldIdLst>
   <p:sldSz cx="12192000" cy="6858000"/>
   <p:notesSz cx="6858000" cy="9144000"/>
@@ -129,11 +132,14 @@
             <p14:sldId id="260"/>
             <p14:sldId id="262"/>
             <p14:sldId id="265"/>
-            <p14:sldId id="269"/>
             <p14:sldId id="266"/>
-            <p14:sldId id="268"/>
+            <p14:sldId id="272"/>
             <p14:sldId id="263"/>
             <p14:sldId id="267"/>
+            <p14:sldId id="273"/>
+            <p14:sldId id="271"/>
+            <p14:sldId id="270"/>
+            <p14:sldId id="269"/>
           </p14:sldIdLst>
         </p14:section>
       </p14:sectionLst>
@@ -181,22 +187,19 @@
           <c:invertIfNegative val="0"/>
           <c:cat>
             <c:strRef>
-              <c:f>Tabelle1!$B$2:$B$6</c:f>
+              <c:f>Tabelle1!$B$2:$B$5</c:f>
               <c:strCache>
-                <c:ptCount val="5"/>
+                <c:ptCount val="4"/>
                 <c:pt idx="0">
                   <c:v>eVLA</c:v>
                 </c:pt>
                 <c:pt idx="1">
-                  <c:v>LOFAR (Solar obs)</c:v>
+                  <c:v>ASKAP</c:v>
                 </c:pt>
                 <c:pt idx="2">
-                  <c:v>Pathfinder</c:v>
+                  <c:v>MeerKAT</c:v>
                 </c:pt>
                 <c:pt idx="3">
-                  <c:v>MeerKAT</c:v>
-                </c:pt>
-                <c:pt idx="4">
                   <c:v>MWA</c:v>
                 </c:pt>
               </c:strCache>
@@ -204,23 +207,20 @@
           </c:cat>
           <c:val>
             <c:numRef>
-              <c:f>Tabelle1!$C$2:$C$6</c:f>
+              <c:f>Tabelle1!$C$2:$C$5</c:f>
               <c:numCache>
                 <c:formatCode>General</c:formatCode>
-                <c:ptCount val="5"/>
+                <c:ptCount val="4"/>
                 <c:pt idx="0">
                   <c:v>200</c:v>
                 </c:pt>
                 <c:pt idx="1">
-                  <c:v>360</c:v>
+                  <c:v>4000</c:v>
                 </c:pt>
                 <c:pt idx="2">
-                  <c:v>4000</c:v>
+                  <c:v>4200</c:v>
                 </c:pt>
                 <c:pt idx="3">
-                  <c:v>4200</c:v>
-                </c:pt>
-                <c:pt idx="4">
                   <c:v>8100</c:v>
                 </c:pt>
               </c:numCache>
@@ -228,7 +228,7 @@
           </c:val>
           <c:extLst>
             <c:ext xmlns:c16="http://schemas.microsoft.com/office/drawing/2014/chart" uri="{C3380CC4-5D6E-409C-BE32-E72D297353CC}">
-              <c16:uniqueId val="{00000000-3E4B-46B2-9FD0-44E2C1B42113}"/>
+              <c16:uniqueId val="{00000000-A583-4BD3-A290-E31B5FEF3F63}"/>
             </c:ext>
           </c:extLst>
         </c:ser>
@@ -342,6 +342,7 @@
               </a:p>
             </c:rich>
           </c:tx>
+          <c:layout/>
           <c:overlay val="0"/>
           <c:spPr>
             <a:noFill/>
@@ -467,7 +468,7 @@
           <c:order val="0"/>
           <c:tx>
             <c:strRef>
-              <c:f>Tabelle1!$B$43</c:f>
+              <c:f>Tabelle1!$B$42</c:f>
               <c:strCache>
                 <c:ptCount val="1"/>
                 <c:pt idx="0">
@@ -488,7 +489,7 @@
           <c:invertIfNegative val="0"/>
           <c:cat>
             <c:strRef>
-              <c:f>Tabelle1!$C$42</c:f>
+              <c:f>Tabelle1!$C$41</c:f>
               <c:strCache>
                 <c:ptCount val="1"/>
                 <c:pt idx="0">
@@ -499,19 +500,19 @@
           </c:cat>
           <c:val>
             <c:numRef>
-              <c:f>Tabelle1!$C$43</c:f>
+              <c:f>Tabelle1!$C$42</c:f>
               <c:numCache>
                 <c:formatCode>General</c:formatCode>
                 <c:ptCount val="1"/>
                 <c:pt idx="0">
-                  <c:v>60</c:v>
+                  <c:v>52.68333333333333</c:v>
                 </c:pt>
               </c:numCache>
             </c:numRef>
           </c:val>
           <c:extLst>
             <c:ext xmlns:c16="http://schemas.microsoft.com/office/drawing/2014/chart" uri="{C3380CC4-5D6E-409C-BE32-E72D297353CC}">
-              <c16:uniqueId val="{00000000-A4F9-42E6-9EEB-28F011CF741C}"/>
+              <c16:uniqueId val="{00000000-48F6-41DC-8C90-FC2FFE1AEBDA}"/>
             </c:ext>
           </c:extLst>
         </c:ser>
@@ -520,7 +521,7 @@
           <c:order val="1"/>
           <c:tx>
             <c:strRef>
-              <c:f>Tabelle1!$B$44</c:f>
+              <c:f>Tabelle1!$B$43</c:f>
               <c:strCache>
                 <c:ptCount val="1"/>
                 <c:pt idx="0">
@@ -541,7 +542,7 @@
           <c:invertIfNegative val="0"/>
           <c:cat>
             <c:strRef>
-              <c:f>Tabelle1!$C$42</c:f>
+              <c:f>Tabelle1!$C$41</c:f>
               <c:strCache>
                 <c:ptCount val="1"/>
                 <c:pt idx="0">
@@ -552,19 +553,19 @@
           </c:cat>
           <c:val>
             <c:numRef>
-              <c:f>Tabelle1!$C$44</c:f>
+              <c:f>Tabelle1!$C$43</c:f>
               <c:numCache>
                 <c:formatCode>General</c:formatCode>
                 <c:ptCount val="1"/>
                 <c:pt idx="0">
-                  <c:v>20</c:v>
+                  <c:v>16.566666666666666</c:v>
                 </c:pt>
               </c:numCache>
             </c:numRef>
           </c:val>
           <c:extLst>
             <c:ext xmlns:c16="http://schemas.microsoft.com/office/drawing/2014/chart" uri="{C3380CC4-5D6E-409C-BE32-E72D297353CC}">
-              <c16:uniqueId val="{00000001-A4F9-42E6-9EEB-28F011CF741C}"/>
+              <c16:uniqueId val="{00000001-48F6-41DC-8C90-FC2FFE1AEBDA}"/>
             </c:ext>
           </c:extLst>
         </c:ser>
@@ -679,6 +680,7 @@
               </a:p>
             </c:rich>
           </c:tx>
+          <c:layout/>
           <c:overlay val="0"/>
           <c:spPr>
             <a:noFill/>
@@ -753,6 +755,7 @@
     </c:plotArea>
     <c:legend>
       <c:legendPos val="b"/>
+      <c:layout/>
       <c:overlay val="0"/>
       <c:spPr>
         <a:noFill/>
@@ -835,7 +838,7 @@
           <c:order val="0"/>
           <c:tx>
             <c:strRef>
-              <c:f>Tabelle1!$B$32</c:f>
+              <c:f>Tabelle1!$B$31</c:f>
               <c:strCache>
                 <c:ptCount val="1"/>
                 <c:pt idx="0">
@@ -856,36 +859,36 @@
           <c:invertIfNegative val="0"/>
           <c:cat>
             <c:strRef>
-              <c:f>Tabelle1!$C$31:$D$31</c:f>
+              <c:f>Tabelle1!$C$30:$D$30</c:f>
               <c:strCache>
                 <c:ptCount val="2"/>
                 <c:pt idx="0">
                   <c:v>IDG</c:v>
                 </c:pt>
                 <c:pt idx="1">
-                  <c:v>CD</c:v>
+                  <c:v>CD Deconvolution</c:v>
                 </c:pt>
               </c:strCache>
             </c:strRef>
           </c:cat>
           <c:val>
             <c:numRef>
-              <c:f>Tabelle1!$C$32:$D$32</c:f>
+              <c:f>Tabelle1!$C$31:$D$31</c:f>
               <c:numCache>
                 <c:formatCode>General</c:formatCode>
                 <c:ptCount val="2"/>
                 <c:pt idx="0">
-                  <c:v>60</c:v>
+                  <c:v>52.68333333333333</c:v>
                 </c:pt>
                 <c:pt idx="1">
-                  <c:v>70</c:v>
+                  <c:v>37.883333333333333</c:v>
                 </c:pt>
               </c:numCache>
             </c:numRef>
           </c:val>
           <c:extLst>
             <c:ext xmlns:c16="http://schemas.microsoft.com/office/drawing/2014/chart" uri="{C3380CC4-5D6E-409C-BE32-E72D297353CC}">
-              <c16:uniqueId val="{00000000-71F2-43DE-B794-4ABE7DD1815B}"/>
+              <c16:uniqueId val="{00000000-4CD0-4E4F-9922-14A533F91855}"/>
             </c:ext>
           </c:extLst>
         </c:ser>
@@ -894,7 +897,7 @@
           <c:order val="1"/>
           <c:tx>
             <c:strRef>
-              <c:f>Tabelle1!$B$33</c:f>
+              <c:f>Tabelle1!$B$32</c:f>
               <c:strCache>
                 <c:ptCount val="1"/>
                 <c:pt idx="0">
@@ -915,36 +918,36 @@
           <c:invertIfNegative val="0"/>
           <c:cat>
             <c:strRef>
-              <c:f>Tabelle1!$C$31:$D$31</c:f>
+              <c:f>Tabelle1!$C$30:$D$30</c:f>
               <c:strCache>
                 <c:ptCount val="2"/>
                 <c:pt idx="0">
                   <c:v>IDG</c:v>
                 </c:pt>
                 <c:pt idx="1">
-                  <c:v>CD</c:v>
+                  <c:v>CD Deconvolution</c:v>
                 </c:pt>
               </c:strCache>
             </c:strRef>
           </c:cat>
           <c:val>
             <c:numRef>
-              <c:f>Tabelle1!$C$33:$D$33</c:f>
+              <c:f>Tabelle1!$C$32:$D$32</c:f>
               <c:numCache>
                 <c:formatCode>General</c:formatCode>
                 <c:ptCount val="2"/>
                 <c:pt idx="0">
-                  <c:v>20</c:v>
+                  <c:v>16.566666666666666</c:v>
                 </c:pt>
                 <c:pt idx="1">
-                  <c:v>30</c:v>
+                  <c:v>11.55</c:v>
                 </c:pt>
               </c:numCache>
             </c:numRef>
           </c:val>
           <c:extLst>
             <c:ext xmlns:c16="http://schemas.microsoft.com/office/drawing/2014/chart" uri="{C3380CC4-5D6E-409C-BE32-E72D297353CC}">
-              <c16:uniqueId val="{00000001-71F2-43DE-B794-4ABE7DD1815B}"/>
+              <c16:uniqueId val="{00000001-4CD0-4E4F-9922-14A533F91855}"/>
             </c:ext>
           </c:extLst>
         </c:ser>
@@ -2951,7 +2954,7 @@
           <a:p>
             <a:fld id="{9D44239A-C583-499D-A70F-E9EF0D5B777A}" type="datetimeFigureOut">
               <a:rPr lang="en-GB" smtClean="0"/>
-              <a:t>15/06/2019</a:t>
+              <a:t>17/06/2019</a:t>
             </a:fld>
             <a:endParaRPr lang="en-GB"/>
           </a:p>
@@ -3121,7 +3124,7 @@
           <a:p>
             <a:fld id="{9D44239A-C583-499D-A70F-E9EF0D5B777A}" type="datetimeFigureOut">
               <a:rPr lang="en-GB" smtClean="0"/>
-              <a:t>15/06/2019</a:t>
+              <a:t>17/06/2019</a:t>
             </a:fld>
             <a:endParaRPr lang="en-GB"/>
           </a:p>
@@ -3301,7 +3304,7 @@
           <a:p>
             <a:fld id="{9D44239A-C583-499D-A70F-E9EF0D5B777A}" type="datetimeFigureOut">
               <a:rPr lang="en-GB" smtClean="0"/>
-              <a:t>15/06/2019</a:t>
+              <a:t>17/06/2019</a:t>
             </a:fld>
             <a:endParaRPr lang="en-GB"/>
           </a:p>
@@ -3471,7 +3474,7 @@
           <a:p>
             <a:fld id="{9D44239A-C583-499D-A70F-E9EF0D5B777A}" type="datetimeFigureOut">
               <a:rPr lang="en-GB" smtClean="0"/>
-              <a:t>15/06/2019</a:t>
+              <a:t>17/06/2019</a:t>
             </a:fld>
             <a:endParaRPr lang="en-GB"/>
           </a:p>
@@ -3717,7 +3720,7 @@
           <a:p>
             <a:fld id="{9D44239A-C583-499D-A70F-E9EF0D5B777A}" type="datetimeFigureOut">
               <a:rPr lang="en-GB" smtClean="0"/>
-              <a:t>15/06/2019</a:t>
+              <a:t>17/06/2019</a:t>
             </a:fld>
             <a:endParaRPr lang="en-GB"/>
           </a:p>
@@ -3949,7 +3952,7 @@
           <a:p>
             <a:fld id="{9D44239A-C583-499D-A70F-E9EF0D5B777A}" type="datetimeFigureOut">
               <a:rPr lang="en-GB" smtClean="0"/>
-              <a:t>15/06/2019</a:t>
+              <a:t>17/06/2019</a:t>
             </a:fld>
             <a:endParaRPr lang="en-GB"/>
           </a:p>
@@ -4316,7 +4319,7 @@
           <a:p>
             <a:fld id="{9D44239A-C583-499D-A70F-E9EF0D5B777A}" type="datetimeFigureOut">
               <a:rPr lang="en-GB" smtClean="0"/>
-              <a:t>15/06/2019</a:t>
+              <a:t>17/06/2019</a:t>
             </a:fld>
             <a:endParaRPr lang="en-GB"/>
           </a:p>
@@ -4434,7 +4437,7 @@
           <a:p>
             <a:fld id="{9D44239A-C583-499D-A70F-E9EF0D5B777A}" type="datetimeFigureOut">
               <a:rPr lang="en-GB" smtClean="0"/>
-              <a:t>15/06/2019</a:t>
+              <a:t>17/06/2019</a:t>
             </a:fld>
             <a:endParaRPr lang="en-GB"/>
           </a:p>
@@ -4529,7 +4532,7 @@
           <a:p>
             <a:fld id="{9D44239A-C583-499D-A70F-E9EF0D5B777A}" type="datetimeFigureOut">
               <a:rPr lang="en-GB" smtClean="0"/>
-              <a:t>15/06/2019</a:t>
+              <a:t>17/06/2019</a:t>
             </a:fld>
             <a:endParaRPr lang="en-GB"/>
           </a:p>
@@ -4806,7 +4809,7 @@
           <a:p>
             <a:fld id="{9D44239A-C583-499D-A70F-E9EF0D5B777A}" type="datetimeFigureOut">
               <a:rPr lang="en-GB" smtClean="0"/>
-              <a:t>15/06/2019</a:t>
+              <a:t>17/06/2019</a:t>
             </a:fld>
             <a:endParaRPr lang="en-GB"/>
           </a:p>
@@ -5059,7 +5062,7 @@
           <a:p>
             <a:fld id="{9D44239A-C583-499D-A70F-E9EF0D5B777A}" type="datetimeFigureOut">
               <a:rPr lang="en-GB" smtClean="0"/>
-              <a:t>15/06/2019</a:t>
+              <a:t>17/06/2019</a:t>
             </a:fld>
             <a:endParaRPr lang="en-GB"/>
           </a:p>
@@ -5272,7 +5275,7 @@
           <a:p>
             <a:fld id="{9D44239A-C583-499D-A70F-E9EF0D5B777A}" type="datetimeFigureOut">
               <a:rPr lang="en-GB" smtClean="0"/>
-              <a:t>15/06/2019</a:t>
+              <a:t>17/06/2019</a:t>
             </a:fld>
             <a:endParaRPr lang="en-GB"/>
           </a:p>
@@ -5735,7 +5738,7 @@
           <a:p>
             <a:r>
               <a:rPr lang="en-GB" dirty="0" smtClean="0"/>
-              <a:t>Institute for Data Science @FHNW</a:t>
+              <a:t>Master student @ Institute for Data Science, FHNW</a:t>
             </a:r>
             <a:endParaRPr lang="en-GB" dirty="0"/>
           </a:p>
@@ -5757,6 +5760,14 @@
 <file path=ppt/slides/slide10.xml><?xml version="1.0" encoding="utf-8"?>
 <p:sld xmlns:a="http://schemas.openxmlformats.org/drawingml/2006/main" xmlns:r="http://schemas.openxmlformats.org/officeDocument/2006/relationships" xmlns:p="http://schemas.openxmlformats.org/presentationml/2006/main">
   <p:cSld>
+    <p:bg>
+      <p:bgPr>
+        <a:solidFill>
+          <a:schemeClr val="tx1"/>
+        </a:solidFill>
+        <a:effectLst/>
+      </p:bgPr>
+    </p:bg>
     <p:spTree>
       <p:nvGrpSpPr>
         <p:cNvPr id="1" name=""/>
@@ -5787,10 +5798,33 @@
           <a:lstStyle/>
           <a:p>
             <a:r>
-              <a:rPr lang="en-GB" dirty="0" smtClean="0"/>
-              <a:t>Coordinate Descent</a:t>
-            </a:r>
-            <a:endParaRPr lang="en-GB" dirty="0"/>
+              <a:rPr lang="en-GB" dirty="0" smtClean="0">
+                <a:solidFill>
+                  <a:schemeClr val="bg1"/>
+                </a:solidFill>
+              </a:rPr>
+              <a:t>Distributed Coordinate Descent</a:t>
+            </a:r>
+            <a:br>
+              <a:rPr lang="en-GB" dirty="0" smtClean="0">
+                <a:solidFill>
+                  <a:schemeClr val="bg1"/>
+                </a:solidFill>
+              </a:rPr>
+            </a:br>
+            <a:r>
+              <a:rPr lang="en-GB" dirty="0" smtClean="0">
+                <a:solidFill>
+                  <a:schemeClr val="bg1"/>
+                </a:solidFill>
+              </a:rPr>
+              <a:t>deconvolution</a:t>
+            </a:r>
+            <a:endParaRPr lang="en-GB" dirty="0">
+              <a:solidFill>
+                <a:schemeClr val="bg1"/>
+              </a:solidFill>
+            </a:endParaRPr>
           </a:p>
         </p:txBody>
       </p:sp>
@@ -5804,7 +5838,12 @@
             <p:ph idx="1"/>
           </p:nvPr>
         </p:nvSpPr>
-        <p:spPr/>
+        <p:spPr>
+          <a:xfrm>
+            <a:off x="838200" y="1825625"/>
+            <a:ext cx="5497945" cy="4351338"/>
+          </a:xfrm>
+        </p:spPr>
         <p:txBody>
           <a:bodyPr/>
           <a:lstStyle/>
@@ -5813,34 +5852,139 @@
               <a:buNone/>
             </a:pPr>
             <a:r>
-              <a:rPr lang="en-GB" dirty="0" smtClean="0"/>
-              <a:t>Algorithm:</a:t>
-            </a:r>
-          </a:p>
-          <a:p>
-            <a:r>
-              <a:rPr lang="en-GB" dirty="0" smtClean="0"/>
-              <a:t>Minimize a pixel</a:t>
-            </a:r>
-          </a:p>
-          <a:p>
-            <a:r>
-              <a:rPr lang="en-GB" dirty="0" smtClean="0"/>
-              <a:t>Repeat until converged</a:t>
-            </a:r>
-          </a:p>
-          <a:p>
-            <a:endParaRPr lang="en-GB" dirty="0"/>
-          </a:p>
-          <a:p>
-            <a:endParaRPr lang="en-GB" dirty="0"/>
-          </a:p>
-        </p:txBody>
-      </p:sp>
+              <a:rPr lang="en-GB" dirty="0">
+                <a:solidFill>
+                  <a:schemeClr val="bg1"/>
+                </a:solidFill>
+              </a:rPr>
+              <a:t>Distributed CD:</a:t>
+            </a:r>
+          </a:p>
+          <a:p>
+            <a:r>
+              <a:rPr lang="en-GB" dirty="0">
+                <a:solidFill>
+                  <a:schemeClr val="bg1"/>
+                </a:solidFill>
+              </a:rPr>
+              <a:t>Search best local pixel</a:t>
+            </a:r>
+          </a:p>
+          <a:p>
+            <a:r>
+              <a:rPr lang="en-GB" dirty="0">
+                <a:solidFill>
+                  <a:schemeClr val="bg1"/>
+                </a:solidFill>
+              </a:rPr>
+              <a:t>Decide on the </a:t>
+            </a:r>
+            <a:r>
+              <a:rPr lang="en-GB" dirty="0" smtClean="0">
+                <a:solidFill>
+                  <a:schemeClr val="bg1"/>
+                </a:solidFill>
+              </a:rPr>
+              <a:t>best global </a:t>
+            </a:r>
+            <a:r>
+              <a:rPr lang="en-GB" dirty="0">
+                <a:solidFill>
+                  <a:schemeClr val="bg1"/>
+                </a:solidFill>
+              </a:rPr>
+              <a:t>pixel </a:t>
+            </a:r>
+            <a:r>
+              <a:rPr lang="en-GB" dirty="0" smtClean="0">
+                <a:solidFill>
+                  <a:schemeClr val="bg1"/>
+                </a:solidFill>
+              </a:rPr>
+              <a:t>(</a:t>
+            </a:r>
+            <a:r>
+              <a:rPr lang="en-GB" dirty="0" err="1">
+                <a:solidFill>
+                  <a:schemeClr val="bg1"/>
+                </a:solidFill>
+              </a:rPr>
+              <a:t>MPI_ReduceAll</a:t>
+            </a:r>
+            <a:r>
+              <a:rPr lang="en-GB" dirty="0" smtClean="0">
+                <a:solidFill>
+                  <a:schemeClr val="bg1"/>
+                </a:solidFill>
+              </a:rPr>
+              <a:t>)</a:t>
+            </a:r>
+            <a:endParaRPr lang="en-GB" dirty="0">
+              <a:solidFill>
+                <a:schemeClr val="bg1"/>
+              </a:solidFill>
+            </a:endParaRPr>
+          </a:p>
+          <a:p>
+            <a:r>
+              <a:rPr lang="en-GB" dirty="0" smtClean="0">
+                <a:solidFill>
+                  <a:schemeClr val="bg1"/>
+                </a:solidFill>
+              </a:rPr>
+              <a:t>All nodes update </a:t>
+            </a:r>
+            <a:r>
+              <a:rPr lang="en-GB" dirty="0">
+                <a:solidFill>
+                  <a:schemeClr val="bg1"/>
+                </a:solidFill>
+              </a:rPr>
+              <a:t>local residuals</a:t>
+            </a:r>
+          </a:p>
+          <a:p>
+            <a:endParaRPr lang="en-GB" dirty="0">
+              <a:solidFill>
+                <a:schemeClr val="bg1"/>
+              </a:solidFill>
+            </a:endParaRPr>
+          </a:p>
+        </p:txBody>
+      </p:sp>
+      <p:pic>
+        <p:nvPicPr>
+          <p:cNvPr id="4" name="Inhaltsplatzhalter 3"/>
+          <p:cNvPicPr>
+            <a:picLocks noChangeAspect="1"/>
+          </p:cNvPicPr>
+          <p:nvPr/>
+        </p:nvPicPr>
+        <p:blipFill rotWithShape="1">
+          <a:blip r:embed="rId2">
+            <a:extLst>
+              <a:ext uri="{28A0092B-C50C-407E-A947-70E740481C1C}">
+                <a14:useLocalDpi xmlns:a14="http://schemas.microsoft.com/office/drawing/2010/main" val="0"/>
+              </a:ext>
+            </a:extLst>
+          </a:blip>
+          <a:srcRect t="5210"/>
+          <a:stretch/>
+        </p:blipFill>
+        <p:spPr>
+          <a:xfrm>
+            <a:off x="6096000" y="1458957"/>
+            <a:ext cx="5877424" cy="5399043"/>
+          </a:xfrm>
+          <a:prstGeom prst="rect">
+            <a:avLst/>
+          </a:prstGeom>
+        </p:spPr>
+      </p:pic>
     </p:spTree>
     <p:extLst>
       <p:ext uri="{BB962C8B-B14F-4D97-AF65-F5344CB8AC3E}">
-        <p14:creationId xmlns:p14="http://schemas.microsoft.com/office/powerpoint/2010/main" val="4268362493"/>
+        <p14:creationId xmlns:p14="http://schemas.microsoft.com/office/powerpoint/2010/main" val="1768866678"/>
       </p:ext>
     </p:extLst>
   </p:cSld>
@@ -5909,10 +6053,34 @@
           </a:p>
         </p:txBody>
       </p:sp>
+      <p:graphicFrame>
+        <p:nvGraphicFramePr>
+          <p:cNvPr id="5" name="Diagramm 4"/>
+          <p:cNvGraphicFramePr>
+            <a:graphicFrameLocks/>
+          </p:cNvGraphicFramePr>
+          <p:nvPr>
+            <p:extLst>
+              <p:ext uri="{D42A27DB-BD31-4B8C-83A1-F6EECF244321}">
+                <p14:modId xmlns:p14="http://schemas.microsoft.com/office/powerpoint/2010/main" val="1598798415"/>
+              </p:ext>
+            </p:extLst>
+          </p:nvPr>
+        </p:nvGraphicFramePr>
+        <p:xfrm>
+          <a:off x="1513186" y="1416264"/>
+          <a:ext cx="8501965" cy="4916574"/>
+        </p:xfrm>
+        <a:graphic>
+          <a:graphicData uri="http://schemas.openxmlformats.org/drawingml/2006/chart">
+            <c:chart xmlns:c="http://schemas.openxmlformats.org/drawingml/2006/chart" xmlns:r="http://schemas.openxmlformats.org/officeDocument/2006/relationships" r:id="rId2"/>
+          </a:graphicData>
+        </a:graphic>
+      </p:graphicFrame>
     </p:spTree>
     <p:extLst>
       <p:ext uri="{BB962C8B-B14F-4D97-AF65-F5344CB8AC3E}">
-        <p14:creationId xmlns:p14="http://schemas.microsoft.com/office/powerpoint/2010/main" val="3167468641"/>
+        <p14:creationId xmlns:p14="http://schemas.microsoft.com/office/powerpoint/2010/main" val="4045061495"/>
       </p:ext>
     </p:extLst>
   </p:cSld>
@@ -5956,7 +6124,7 @@
           <a:p>
             <a:r>
               <a:rPr lang="en-GB" dirty="0" smtClean="0"/>
-              <a:t>Distributed deconvolution</a:t>
+              <a:t>Distributed gridding + deconvolution</a:t>
             </a:r>
             <a:endParaRPr lang="en-GB" dirty="0"/>
           </a:p>
@@ -5977,38 +6145,76 @@
           <a:bodyPr/>
           <a:lstStyle/>
           <a:p>
-            <a:endParaRPr lang="en-GB"/>
-          </a:p>
-        </p:txBody>
-      </p:sp>
-      <p:graphicFrame>
-        <p:nvGraphicFramePr>
-          <p:cNvPr id="4" name="Diagramm 3"/>
-          <p:cNvGraphicFramePr>
-            <a:graphicFrameLocks/>
-          </p:cNvGraphicFramePr>
-          <p:nvPr>
-            <p:extLst>
-              <p:ext uri="{D42A27DB-BD31-4B8C-83A1-F6EECF244321}">
-                <p14:modId xmlns:p14="http://schemas.microsoft.com/office/powerpoint/2010/main" val="187856428"/>
-              </p:ext>
-            </p:extLst>
-          </p:nvPr>
-        </p:nvGraphicFramePr>
-        <p:xfrm>
-          <a:off x="1308433" y="1980447"/>
-          <a:ext cx="9038725" cy="4196516"/>
-        </p:xfrm>
-        <a:graphic>
-          <a:graphicData uri="http://schemas.openxmlformats.org/drawingml/2006/chart">
-            <c:chart xmlns:c="http://schemas.openxmlformats.org/drawingml/2006/chart" xmlns:r="http://schemas.openxmlformats.org/officeDocument/2006/relationships" r:id="rId2"/>
-          </a:graphicData>
-        </a:graphic>
-      </p:graphicFrame>
+            <a:r>
+              <a:rPr lang="en-GB" dirty="0" smtClean="0"/>
+              <a:t>Distributed gridding: More effective with more input data</a:t>
+            </a:r>
+          </a:p>
+          <a:p>
+            <a:r>
+              <a:rPr lang="en-GB" dirty="0"/>
+              <a:t>Distributed deconvolution: Communication is difficult </a:t>
+            </a:r>
+          </a:p>
+          <a:p>
+            <a:pPr lvl="1"/>
+            <a:r>
+              <a:rPr lang="en-GB" dirty="0"/>
+              <a:t>But we have many unexplored CD variants:</a:t>
+            </a:r>
+          </a:p>
+          <a:p>
+            <a:pPr lvl="2"/>
+            <a:r>
+              <a:rPr lang="en-GB" dirty="0"/>
+              <a:t>Shotgun</a:t>
+            </a:r>
+          </a:p>
+          <a:p>
+            <a:pPr lvl="2"/>
+            <a:r>
+              <a:rPr lang="en-GB" dirty="0"/>
+              <a:t>PCDM</a:t>
+            </a:r>
+          </a:p>
+          <a:p>
+            <a:pPr lvl="2"/>
+            <a:r>
+              <a:rPr lang="en-GB" dirty="0"/>
+              <a:t>Hydra</a:t>
+            </a:r>
+          </a:p>
+          <a:p>
+            <a:pPr lvl="2"/>
+            <a:r>
+              <a:rPr lang="en-GB" dirty="0" smtClean="0"/>
+              <a:t>…</a:t>
+            </a:r>
+            <a:endParaRPr lang="en-GB" dirty="0" smtClean="0"/>
+          </a:p>
+          <a:p>
+            <a:r>
+              <a:rPr lang="en-GB" dirty="0"/>
+              <a:t>IDG and CD </a:t>
+            </a:r>
+            <a:r>
+              <a:rPr lang="en-GB" dirty="0" smtClean="0"/>
+              <a:t>benefit </a:t>
+            </a:r>
+            <a:r>
+              <a:rPr lang="en-GB" dirty="0"/>
+              <a:t>from GPU acceleration</a:t>
+            </a:r>
+          </a:p>
+          <a:p>
+            <a:endParaRPr lang="en-GB" dirty="0"/>
+          </a:p>
+        </p:txBody>
+      </p:sp>
     </p:spTree>
     <p:extLst>
       <p:ext uri="{BB962C8B-B14F-4D97-AF65-F5344CB8AC3E}">
-        <p14:creationId xmlns:p14="http://schemas.microsoft.com/office/powerpoint/2010/main" val="4045061495"/>
+        <p14:creationId xmlns:p14="http://schemas.microsoft.com/office/powerpoint/2010/main" val="1075553389"/>
       </p:ext>
     </p:extLst>
   </p:cSld>
@@ -6050,7 +6256,7 @@
           <a:bodyPr/>
           <a:lstStyle/>
           <a:p>
-            <a:endParaRPr lang="en-GB" dirty="0"/>
+            <a:endParaRPr lang="en-GB"/>
           </a:p>
         </p:txBody>
       </p:sp>
@@ -6069,24 +6275,563 @@
           <a:bodyPr/>
           <a:lstStyle/>
           <a:p>
-            <a:r>
-              <a:rPr lang="en-GB" dirty="0" smtClean="0"/>
-              <a:t>Distributed gridding: </a:t>
-            </a:r>
-          </a:p>
-          <a:p>
-            <a:r>
-              <a:rPr lang="en-GB" smtClean="0"/>
-              <a:t>Distributed deconvolution:</a:t>
-            </a:r>
-            <a:endParaRPr lang="en-GB" dirty="0"/>
+            <a:endParaRPr lang="en-GB"/>
           </a:p>
         </p:txBody>
       </p:sp>
     </p:spTree>
     <p:extLst>
       <p:ext uri="{BB962C8B-B14F-4D97-AF65-F5344CB8AC3E}">
-        <p14:creationId xmlns:p14="http://schemas.microsoft.com/office/powerpoint/2010/main" val="1075553389"/>
+        <p14:creationId xmlns:p14="http://schemas.microsoft.com/office/powerpoint/2010/main" val="2911105066"/>
+      </p:ext>
+    </p:extLst>
+  </p:cSld>
+  <p:clrMapOvr>
+    <a:masterClrMapping/>
+  </p:clrMapOvr>
+</p:sld>
+</file>
+
+<file path=ppt/slides/slide14.xml><?xml version="1.0" encoding="utf-8"?>
+<p:sld xmlns:a="http://schemas.openxmlformats.org/drawingml/2006/main" xmlns:r="http://schemas.openxmlformats.org/officeDocument/2006/relationships" xmlns:p="http://schemas.openxmlformats.org/presentationml/2006/main">
+  <p:cSld>
+    <p:spTree>
+      <p:nvGrpSpPr>
+        <p:cNvPr id="1" name=""/>
+        <p:cNvGrpSpPr/>
+        <p:nvPr/>
+      </p:nvGrpSpPr>
+      <p:grpSpPr>
+        <a:xfrm>
+          <a:off x="0" y="0"/>
+          <a:ext cx="0" cy="0"/>
+          <a:chOff x="0" y="0"/>
+          <a:chExt cx="0" cy="0"/>
+        </a:xfrm>
+      </p:grpSpPr>
+      <p:sp>
+        <p:nvSpPr>
+          <p:cNvPr id="2" name="Titel 1"/>
+          <p:cNvSpPr>
+            <a:spLocks noGrp="1"/>
+          </p:cNvSpPr>
+          <p:nvPr>
+            <p:ph type="title"/>
+          </p:nvPr>
+        </p:nvSpPr>
+        <p:spPr/>
+        <p:txBody>
+          <a:bodyPr/>
+          <a:lstStyle/>
+          <a:p>
+            <a:endParaRPr lang="en-GB" dirty="0"/>
+          </a:p>
+        </p:txBody>
+      </p:sp>
+      <p:sp>
+        <p:nvSpPr>
+          <p:cNvPr id="3" name="Inhaltsplatzhalter 2"/>
+          <p:cNvSpPr>
+            <a:spLocks noGrp="1"/>
+          </p:cNvSpPr>
+          <p:nvPr>
+            <p:ph idx="1"/>
+          </p:nvPr>
+        </p:nvSpPr>
+        <p:spPr/>
+        <p:txBody>
+          <a:bodyPr/>
+          <a:lstStyle/>
+          <a:p>
+            <a:endParaRPr lang="en-GB"/>
+          </a:p>
+        </p:txBody>
+      </p:sp>
+    </p:spTree>
+    <p:extLst>
+      <p:ext uri="{BB962C8B-B14F-4D97-AF65-F5344CB8AC3E}">
+        <p14:creationId xmlns:p14="http://schemas.microsoft.com/office/powerpoint/2010/main" val="4286409001"/>
+      </p:ext>
+    </p:extLst>
+  </p:cSld>
+  <p:clrMapOvr>
+    <a:masterClrMapping/>
+  </p:clrMapOvr>
+</p:sld>
+</file>
+
+<file path=ppt/slides/slide15.xml><?xml version="1.0" encoding="utf-8"?>
+<p:sld xmlns:a="http://schemas.openxmlformats.org/drawingml/2006/main" xmlns:r="http://schemas.openxmlformats.org/officeDocument/2006/relationships" xmlns:p="http://schemas.openxmlformats.org/presentationml/2006/main">
+  <p:cSld>
+    <p:spTree>
+      <p:nvGrpSpPr>
+        <p:cNvPr id="1" name=""/>
+        <p:cNvGrpSpPr/>
+        <p:nvPr/>
+      </p:nvGrpSpPr>
+      <p:grpSpPr>
+        <a:xfrm>
+          <a:off x="0" y="0"/>
+          <a:ext cx="0" cy="0"/>
+          <a:chOff x="0" y="0"/>
+          <a:chExt cx="0" cy="0"/>
+        </a:xfrm>
+      </p:grpSpPr>
+      <p:sp>
+        <p:nvSpPr>
+          <p:cNvPr id="2" name="Titel 1"/>
+          <p:cNvSpPr>
+            <a:spLocks noGrp="1"/>
+          </p:cNvSpPr>
+          <p:nvPr>
+            <p:ph type="title"/>
+          </p:nvPr>
+        </p:nvSpPr>
+        <p:spPr/>
+        <p:txBody>
+          <a:bodyPr/>
+          <a:lstStyle/>
+          <a:p>
+            <a:r>
+              <a:rPr lang="en-GB" dirty="0" smtClean="0"/>
+              <a:t>Comparison CLEAN with </a:t>
+            </a:r>
+            <a:r>
+              <a:rPr lang="en-GB" dirty="0" err="1" smtClean="0"/>
+              <a:t>CD+ElasticNet</a:t>
+            </a:r>
+            <a:endParaRPr lang="en-GB" dirty="0"/>
+          </a:p>
+        </p:txBody>
+      </p:sp>
+      <p:sp>
+        <p:nvSpPr>
+          <p:cNvPr id="3" name="Inhaltsplatzhalter 2"/>
+          <p:cNvSpPr>
+            <a:spLocks noGrp="1"/>
+          </p:cNvSpPr>
+          <p:nvPr>
+            <p:ph idx="1"/>
+          </p:nvPr>
+        </p:nvSpPr>
+        <p:spPr/>
+        <p:txBody>
+          <a:bodyPr/>
+          <a:lstStyle/>
+          <a:p>
+            <a:endParaRPr lang="en-GB" dirty="0" smtClean="0"/>
+          </a:p>
+          <a:p>
+            <a:endParaRPr lang="en-GB" dirty="0"/>
+          </a:p>
+          <a:p>
+            <a:endParaRPr lang="en-GB" dirty="0" smtClean="0"/>
+          </a:p>
+          <a:p>
+            <a:endParaRPr lang="en-GB" dirty="0"/>
+          </a:p>
+          <a:p>
+            <a:r>
+              <a:rPr lang="en-GB" dirty="0" smtClean="0"/>
+              <a:t>Noise Regularization:</a:t>
+            </a:r>
+          </a:p>
+          <a:p>
+            <a:pPr marL="0" indent="0">
+              <a:buNone/>
+            </a:pPr>
+            <a:r>
+              <a:rPr lang="en-GB" dirty="0" err="1" smtClean="0"/>
+              <a:t>ElasticNet</a:t>
+            </a:r>
+            <a:endParaRPr lang="en-GB" dirty="0"/>
+          </a:p>
+        </p:txBody>
+      </p:sp>
+      <p:pic>
+        <p:nvPicPr>
+          <p:cNvPr id="4" name="Grafik 3"/>
+          <p:cNvPicPr>
+            <a:picLocks noChangeAspect="1"/>
+          </p:cNvPicPr>
+          <p:nvPr/>
+        </p:nvPicPr>
+        <p:blipFill>
+          <a:blip r:embed="rId2">
+            <a:extLst>
+              <a:ext uri="{28A0092B-C50C-407E-A947-70E740481C1C}">
+                <a14:useLocalDpi xmlns:a14="http://schemas.microsoft.com/office/drawing/2010/main" val="0"/>
+              </a:ext>
+            </a:extLst>
+          </a:blip>
+          <a:stretch>
+            <a:fillRect/>
+          </a:stretch>
+        </p:blipFill>
+        <p:spPr>
+          <a:xfrm>
+            <a:off x="9012387" y="3850414"/>
+            <a:ext cx="2993617" cy="2993617"/>
+          </a:xfrm>
+          <a:prstGeom prst="rect">
+            <a:avLst/>
+          </a:prstGeom>
+        </p:spPr>
+      </p:pic>
+      <p:pic>
+        <p:nvPicPr>
+          <p:cNvPr id="5" name="Grafik 4"/>
+          <p:cNvPicPr>
+            <a:picLocks noChangeAspect="1"/>
+          </p:cNvPicPr>
+          <p:nvPr/>
+        </p:nvPicPr>
+        <p:blipFill>
+          <a:blip r:embed="rId3">
+            <a:extLst>
+              <a:ext uri="{28A0092B-C50C-407E-A947-70E740481C1C}">
+                <a14:useLocalDpi xmlns:a14="http://schemas.microsoft.com/office/drawing/2010/main" val="0"/>
+              </a:ext>
+            </a:extLst>
+          </a:blip>
+          <a:stretch>
+            <a:fillRect/>
+          </a:stretch>
+        </p:blipFill>
+        <p:spPr>
+          <a:xfrm>
+            <a:off x="4753965" y="3850414"/>
+            <a:ext cx="2993199" cy="2993199"/>
+          </a:xfrm>
+          <a:prstGeom prst="rect">
+            <a:avLst/>
+          </a:prstGeom>
+        </p:spPr>
+      </p:pic>
+      <p:sp>
+        <p:nvSpPr>
+          <p:cNvPr id="6" name="Textfeld 5"/>
+          <p:cNvSpPr txBox="1"/>
+          <p:nvPr/>
+        </p:nvSpPr>
+        <p:spPr>
+          <a:xfrm>
+            <a:off x="5815371" y="3481082"/>
+            <a:ext cx="1004599" cy="369332"/>
+          </a:xfrm>
+          <a:prstGeom prst="rect">
+            <a:avLst/>
+          </a:prstGeom>
+          <a:noFill/>
+        </p:spPr>
+        <p:txBody>
+          <a:bodyPr wrap="square" rtlCol="0">
+            <a:spAutoFit/>
+          </a:bodyPr>
+          <a:lstStyle/>
+          <a:p>
+            <a:r>
+              <a:rPr lang="en-GB" dirty="0" smtClean="0"/>
+              <a:t>L1 Norm</a:t>
+            </a:r>
+            <a:endParaRPr lang="en-GB" dirty="0"/>
+          </a:p>
+        </p:txBody>
+      </p:sp>
+      <p:sp>
+        <p:nvSpPr>
+          <p:cNvPr id="7" name="Textfeld 6"/>
+          <p:cNvSpPr txBox="1"/>
+          <p:nvPr/>
+        </p:nvSpPr>
+        <p:spPr>
+          <a:xfrm>
+            <a:off x="10013823" y="3481082"/>
+            <a:ext cx="990744" cy="369332"/>
+          </a:xfrm>
+          <a:prstGeom prst="rect">
+            <a:avLst/>
+          </a:prstGeom>
+          <a:noFill/>
+        </p:spPr>
+        <p:txBody>
+          <a:bodyPr wrap="square" rtlCol="0">
+            <a:spAutoFit/>
+          </a:bodyPr>
+          <a:lstStyle/>
+          <a:p>
+            <a:r>
+              <a:rPr lang="en-GB" dirty="0" smtClean="0"/>
+              <a:t>L2 Norm</a:t>
+            </a:r>
+            <a:endParaRPr lang="en-GB" dirty="0"/>
+          </a:p>
+        </p:txBody>
+      </p:sp>
+      <p:sp>
+        <p:nvSpPr>
+          <p:cNvPr id="8" name="Textfeld 7"/>
+          <p:cNvSpPr txBox="1"/>
+          <p:nvPr/>
+        </p:nvSpPr>
+        <p:spPr>
+          <a:xfrm>
+            <a:off x="7980467" y="4488031"/>
+            <a:ext cx="798617" cy="1569660"/>
+          </a:xfrm>
+          <a:prstGeom prst="rect">
+            <a:avLst/>
+          </a:prstGeom>
+          <a:noFill/>
+        </p:spPr>
+        <p:txBody>
+          <a:bodyPr wrap="none" rtlCol="0">
+            <a:spAutoFit/>
+          </a:bodyPr>
+          <a:lstStyle/>
+          <a:p>
+            <a:r>
+              <a:rPr lang="en-GB" sz="9600" dirty="0" smtClean="0"/>
+              <a:t>+</a:t>
+            </a:r>
+            <a:endParaRPr lang="en-GB" sz="9600" dirty="0"/>
+          </a:p>
+        </p:txBody>
+      </p:sp>
+    </p:spTree>
+    <p:extLst>
+      <p:ext uri="{BB962C8B-B14F-4D97-AF65-F5344CB8AC3E}">
+        <p14:creationId xmlns:p14="http://schemas.microsoft.com/office/powerpoint/2010/main" val="642130697"/>
+      </p:ext>
+    </p:extLst>
+  </p:cSld>
+  <p:clrMapOvr>
+    <a:masterClrMapping/>
+  </p:clrMapOvr>
+</p:sld>
+</file>
+
+<file path=ppt/slides/slide16.xml><?xml version="1.0" encoding="utf-8"?>
+<p:sld xmlns:a="http://schemas.openxmlformats.org/drawingml/2006/main" xmlns:r="http://schemas.openxmlformats.org/officeDocument/2006/relationships" xmlns:p="http://schemas.openxmlformats.org/presentationml/2006/main">
+  <p:cSld>
+    <p:bg>
+      <p:bgPr>
+        <a:solidFill>
+          <a:schemeClr val="tx1"/>
+        </a:solidFill>
+        <a:effectLst/>
+      </p:bgPr>
+    </p:bg>
+    <p:spTree>
+      <p:nvGrpSpPr>
+        <p:cNvPr id="1" name=""/>
+        <p:cNvGrpSpPr/>
+        <p:nvPr/>
+      </p:nvGrpSpPr>
+      <p:grpSpPr>
+        <a:xfrm>
+          <a:off x="0" y="0"/>
+          <a:ext cx="0" cy="0"/>
+          <a:chOff x="0" y="0"/>
+          <a:chExt cx="0" cy="0"/>
+        </a:xfrm>
+      </p:grpSpPr>
+      <p:sp>
+        <p:nvSpPr>
+          <p:cNvPr id="2" name="Titel 1"/>
+          <p:cNvSpPr>
+            <a:spLocks noGrp="1"/>
+          </p:cNvSpPr>
+          <p:nvPr>
+            <p:ph type="title"/>
+          </p:nvPr>
+        </p:nvSpPr>
+        <p:spPr/>
+        <p:txBody>
+          <a:bodyPr/>
+          <a:lstStyle/>
+          <a:p>
+            <a:r>
+              <a:rPr lang="en-GB" dirty="0" smtClean="0">
+                <a:solidFill>
+                  <a:schemeClr val="bg1"/>
+                </a:solidFill>
+              </a:rPr>
+              <a:t>Comparison</a:t>
+            </a:r>
+            <a:endParaRPr lang="en-GB" dirty="0">
+              <a:solidFill>
+                <a:schemeClr val="bg1"/>
+              </a:solidFill>
+            </a:endParaRPr>
+          </a:p>
+        </p:txBody>
+      </p:sp>
+      <p:sp>
+        <p:nvSpPr>
+          <p:cNvPr id="3" name="Inhaltsplatzhalter 2"/>
+          <p:cNvSpPr>
+            <a:spLocks noGrp="1"/>
+          </p:cNvSpPr>
+          <p:nvPr>
+            <p:ph idx="1"/>
+          </p:nvPr>
+        </p:nvSpPr>
+        <p:spPr/>
+        <p:txBody>
+          <a:bodyPr/>
+          <a:lstStyle/>
+          <a:p>
+            <a:endParaRPr lang="en-GB" dirty="0"/>
+          </a:p>
+        </p:txBody>
+      </p:sp>
+      <p:pic>
+        <p:nvPicPr>
+          <p:cNvPr id="9" name="Grafik 8"/>
+          <p:cNvPicPr>
+            <a:picLocks noChangeAspect="1"/>
+          </p:cNvPicPr>
+          <p:nvPr/>
+        </p:nvPicPr>
+        <p:blipFill rotWithShape="1">
+          <a:blip r:embed="rId2">
+            <a:extLst>
+              <a:ext uri="{28A0092B-C50C-407E-A947-70E740481C1C}">
+                <a14:useLocalDpi xmlns:a14="http://schemas.microsoft.com/office/drawing/2010/main" val="0"/>
+              </a:ext>
+            </a:extLst>
+          </a:blip>
+          <a:srcRect l="5849" t="7514" r="37960" b="40839"/>
+          <a:stretch/>
+        </p:blipFill>
+        <p:spPr>
+          <a:xfrm>
+            <a:off x="1311038" y="2075202"/>
+            <a:ext cx="3743422" cy="3440704"/>
+          </a:xfrm>
+          <a:prstGeom prst="rect">
+            <a:avLst/>
+          </a:prstGeom>
+        </p:spPr>
+      </p:pic>
+      <p:pic>
+        <p:nvPicPr>
+          <p:cNvPr id="10" name="Inhaltsplatzhalter 3"/>
+          <p:cNvPicPr>
+            <a:picLocks noChangeAspect="1"/>
+          </p:cNvPicPr>
+          <p:nvPr/>
+        </p:nvPicPr>
+        <p:blipFill rotWithShape="1">
+          <a:blip r:embed="rId3">
+            <a:extLst>
+              <a:ext uri="{28A0092B-C50C-407E-A947-70E740481C1C}">
+                <a14:useLocalDpi xmlns:a14="http://schemas.microsoft.com/office/drawing/2010/main" val="0"/>
+              </a:ext>
+            </a:extLst>
+          </a:blip>
+          <a:srcRect l="9589" t="8669" r="41896" b="43804"/>
+          <a:stretch/>
+        </p:blipFill>
+        <p:spPr>
+          <a:xfrm>
+            <a:off x="6685572" y="2133956"/>
+            <a:ext cx="3452291" cy="3381950"/>
+          </a:xfrm>
+          <a:prstGeom prst="rect">
+            <a:avLst/>
+          </a:prstGeom>
+        </p:spPr>
+      </p:pic>
+      <p:sp>
+        <p:nvSpPr>
+          <p:cNvPr id="4" name="Textfeld 3"/>
+          <p:cNvSpPr txBox="1"/>
+          <p:nvPr/>
+        </p:nvSpPr>
+        <p:spPr>
+          <a:xfrm>
+            <a:off x="2783889" y="1993872"/>
+            <a:ext cx="797719" cy="369332"/>
+          </a:xfrm>
+          <a:prstGeom prst="rect">
+            <a:avLst/>
+          </a:prstGeom>
+          <a:noFill/>
+        </p:spPr>
+        <p:txBody>
+          <a:bodyPr wrap="none" rtlCol="0">
+            <a:spAutoFit/>
+          </a:bodyPr>
+          <a:lstStyle/>
+          <a:p>
+            <a:r>
+              <a:rPr lang="en-GB" dirty="0" smtClean="0">
+                <a:solidFill>
+                  <a:schemeClr val="bg1"/>
+                </a:solidFill>
+              </a:rPr>
+              <a:t>CLEAN</a:t>
+            </a:r>
+            <a:endParaRPr lang="en-GB" dirty="0">
+              <a:solidFill>
+                <a:schemeClr val="bg1"/>
+              </a:solidFill>
+            </a:endParaRPr>
+          </a:p>
+        </p:txBody>
+      </p:sp>
+      <p:sp>
+        <p:nvSpPr>
+          <p:cNvPr id="11" name="Textfeld 10"/>
+          <p:cNvSpPr txBox="1"/>
+          <p:nvPr/>
+        </p:nvSpPr>
+        <p:spPr>
+          <a:xfrm>
+            <a:off x="7242571" y="1823068"/>
+            <a:ext cx="2737031" cy="369332"/>
+          </a:xfrm>
+          <a:prstGeom prst="rect">
+            <a:avLst/>
+          </a:prstGeom>
+          <a:noFill/>
+        </p:spPr>
+        <p:txBody>
+          <a:bodyPr wrap="none" rtlCol="0">
+            <a:spAutoFit/>
+          </a:bodyPr>
+          <a:lstStyle/>
+          <a:p>
+            <a:r>
+              <a:rPr lang="en-GB" dirty="0" smtClean="0">
+                <a:solidFill>
+                  <a:schemeClr val="bg1"/>
+                </a:solidFill>
+              </a:rPr>
+              <a:t>Distributed CD + </a:t>
+            </a:r>
+            <a:r>
+              <a:rPr lang="en-GB" dirty="0" err="1" smtClean="0">
+                <a:solidFill>
+                  <a:schemeClr val="bg1"/>
+                </a:solidFill>
+              </a:rPr>
+              <a:t>ElasticNET</a:t>
+            </a:r>
+            <a:endParaRPr lang="en-GB" dirty="0">
+              <a:solidFill>
+                <a:schemeClr val="bg1"/>
+              </a:solidFill>
+            </a:endParaRPr>
+          </a:p>
+        </p:txBody>
+      </p:sp>
+    </p:spTree>
+    <p:extLst>
+      <p:ext uri="{BB962C8B-B14F-4D97-AF65-F5344CB8AC3E}">
+        <p14:creationId xmlns:p14="http://schemas.microsoft.com/office/powerpoint/2010/main" val="524465083"/>
       </p:ext>
     </p:extLst>
   </p:cSld>
@@ -6130,7 +6875,7 @@
           <a:p>
             <a:r>
               <a:rPr lang="en-GB" dirty="0" smtClean="0"/>
-              <a:t>Radio interferometric image reconstruction</a:t>
+              <a:t>Image reconstruction problem</a:t>
             </a:r>
             <a:endParaRPr lang="en-GB" dirty="0"/>
           </a:p>
@@ -6160,7 +6905,7 @@
         </p:blipFill>
         <p:spPr>
           <a:xfrm>
-            <a:off x="157902" y="1491916"/>
+            <a:off x="26018" y="1491916"/>
             <a:ext cx="3540292" cy="3510542"/>
           </a:xfrm>
         </p:spPr>
@@ -6183,6 +6928,35 @@
           <a:xfrm>
             <a:off x="157902" y="5002458"/>
             <a:ext cx="12057982" cy="1855542"/>
+          </a:xfrm>
+          <a:prstGeom prst="rect">
+            <a:avLst/>
+          </a:prstGeom>
+        </p:spPr>
+      </p:pic>
+      <p:pic>
+        <p:nvPicPr>
+          <p:cNvPr id="4" name="Grafik 3"/>
+          <p:cNvPicPr>
+            <a:picLocks noChangeAspect="1"/>
+          </p:cNvPicPr>
+          <p:nvPr/>
+        </p:nvPicPr>
+        <p:blipFill rotWithShape="1">
+          <a:blip r:embed="rId4">
+            <a:extLst>
+              <a:ext uri="{28A0092B-C50C-407E-A947-70E740481C1C}">
+                <a14:useLocalDpi xmlns:a14="http://schemas.microsoft.com/office/drawing/2010/main" val="0"/>
+              </a:ext>
+            </a:extLst>
+          </a:blip>
+          <a:srcRect l="13804" t="5129" b="8461"/>
+          <a:stretch/>
+        </p:blipFill>
+        <p:spPr>
+          <a:xfrm>
+            <a:off x="8502162" y="1417770"/>
+            <a:ext cx="3689838" cy="3584687"/>
           </a:xfrm>
           <a:prstGeom prst="rect">
             <a:avLst/>
@@ -6263,21 +7037,21 @@
       </p:sp>
       <p:graphicFrame>
         <p:nvGraphicFramePr>
-          <p:cNvPr id="6" name="Diagramm 5"/>
+          <p:cNvPr id="7" name="Diagramm 6"/>
           <p:cNvGraphicFramePr>
             <a:graphicFrameLocks/>
           </p:cNvGraphicFramePr>
           <p:nvPr>
             <p:extLst>
               <p:ext uri="{D42A27DB-BD31-4B8C-83A1-F6EECF244321}">
-                <p14:modId xmlns:p14="http://schemas.microsoft.com/office/powerpoint/2010/main" val="4068237331"/>
+                <p14:modId xmlns:p14="http://schemas.microsoft.com/office/powerpoint/2010/main" val="4240320917"/>
               </p:ext>
             </p:extLst>
           </p:nvPr>
         </p:nvGraphicFramePr>
         <p:xfrm>
-          <a:off x="1643438" y="1576388"/>
-          <a:ext cx="8270583" cy="5032959"/>
+          <a:off x="1759743" y="1825625"/>
+          <a:ext cx="8008511" cy="4601552"/>
         </p:xfrm>
         <a:graphic>
           <a:graphicData uri="http://schemas.openxmlformats.org/drawingml/2006/chart">
@@ -6355,12 +7129,6 @@
           <a:p>
             <a:r>
               <a:rPr lang="en-GB" dirty="0" smtClean="0"/>
-              <a:t>Simple distributed gridding and distributed deconvolution</a:t>
-            </a:r>
-          </a:p>
-          <a:p>
-            <a:r>
-              <a:rPr lang="en-GB" dirty="0" smtClean="0"/>
               <a:t>Implementation: .</a:t>
             </a:r>
             <a:r>
@@ -6369,13 +7137,19 @@
             </a:r>
             <a:r>
               <a:rPr lang="en-GB" dirty="0" smtClean="0"/>
-              <a:t>(C#) and MPI for communication</a:t>
+              <a:t> (C#) </a:t>
             </a:r>
           </a:p>
           <a:p>
             <a:r>
               <a:rPr lang="en-GB" dirty="0" smtClean="0"/>
-              <a:t>Test on 1GB real-world </a:t>
+              <a:t>MPI for node-communication</a:t>
+            </a:r>
+          </a:p>
+          <a:p>
+            <a:r>
+              <a:rPr lang="en-GB" dirty="0" smtClean="0"/>
+              <a:t>Tested speedup on 1GB real-world </a:t>
             </a:r>
             <a:r>
               <a:rPr lang="en-GB" dirty="0" err="1" smtClean="0"/>
@@ -6398,7 +7172,7 @@
             </a:pPr>
             <a:r>
               <a:rPr lang="en-GB" dirty="0" smtClean="0"/>
-              <a:t>Preliminary results</a:t>
+              <a:t>Preliminary results and algorithms</a:t>
             </a:r>
             <a:endParaRPr lang="en-GB" dirty="0"/>
           </a:p>
@@ -6451,7 +7225,7 @@
           <a:p>
             <a:r>
               <a:rPr lang="en-GB" dirty="0" smtClean="0"/>
-              <a:t>Image Domain Gridding</a:t>
+              <a:t>Image Domain Gridding (IDG)</a:t>
             </a:r>
             <a:endParaRPr lang="en-GB" dirty="0"/>
           </a:p>
@@ -6533,7 +7307,7 @@
           <a:p>
             <a:r>
               <a:rPr lang="en-GB" dirty="0" smtClean="0"/>
-              <a:t>Distributed Gridding</a:t>
+              <a:t>Distributed gridding</a:t>
             </a:r>
             <a:endParaRPr lang="en-GB" dirty="0"/>
           </a:p>
@@ -6566,8 +7340,8 @@
         </p:nvSpPr>
         <p:spPr>
           <a:xfrm>
-            <a:off x="3978444" y="5068967"/>
-            <a:ext cx="1604210" cy="400110"/>
+            <a:off x="6409130" y="5011771"/>
+            <a:ext cx="1934769" cy="461665"/>
           </a:xfrm>
           <a:prstGeom prst="rect">
             <a:avLst/>
@@ -6581,7 +7355,7 @@
           <a:lstStyle/>
           <a:p>
             <a:r>
-              <a:rPr lang="en-GB" sz="2000" dirty="0" err="1" smtClean="0"/>
+              <a:rPr lang="en-GB" sz="2400" dirty="0" err="1" smtClean="0"/>
               <a:t>MPI_Reduce</a:t>
             </a:r>
             <a:endParaRPr lang="en-GB" sz="2000" dirty="0"/>
@@ -6596,8 +7370,8 @@
         </p:nvSpPr>
         <p:spPr>
           <a:xfrm>
-            <a:off x="460041" y="5846073"/>
-            <a:ext cx="1604210" cy="400110"/>
+            <a:off x="2922441" y="5692185"/>
+            <a:ext cx="1604210" cy="461665"/>
           </a:xfrm>
           <a:prstGeom prst="rect">
             <a:avLst/>
@@ -6612,9 +7386,21 @@
           <a:p>
             <a:r>
               <a:rPr lang="en-GB" sz="2000" dirty="0" smtClean="0"/>
-              <a:t>~1000 MB</a:t>
-            </a:r>
-            <a:endParaRPr lang="en-GB" sz="2000" dirty="0"/>
+              <a:t>~</a:t>
+            </a:r>
+            <a:r>
+              <a:rPr lang="en-GB" sz="2400" dirty="0" smtClean="0"/>
+              <a:t>1000</a:t>
+            </a:r>
+            <a:r>
+              <a:rPr lang="en-GB" sz="2000" dirty="0" smtClean="0"/>
+              <a:t> </a:t>
+            </a:r>
+            <a:r>
+              <a:rPr lang="en-GB" sz="2400" dirty="0" smtClean="0"/>
+              <a:t>MB</a:t>
+            </a:r>
+            <a:endParaRPr lang="en-GB" sz="2400" dirty="0"/>
           </a:p>
         </p:txBody>
       </p:sp>
@@ -6626,8 +7412,8 @@
         </p:nvSpPr>
         <p:spPr>
           <a:xfrm>
-            <a:off x="3978444" y="5692185"/>
-            <a:ext cx="2021304" cy="707886"/>
+            <a:off x="6409131" y="5692185"/>
+            <a:ext cx="2260084" cy="830997"/>
           </a:xfrm>
           <a:prstGeom prst="rect">
             <a:avLst/>
@@ -6641,16 +7427,16 @@
           <a:lstStyle/>
           <a:p>
             <a:r>
-              <a:rPr lang="en-GB" sz="2000" dirty="0" smtClean="0"/>
+              <a:rPr lang="en-GB" sz="2400" dirty="0" smtClean="0"/>
               <a:t>Grid 1024 *1024</a:t>
             </a:r>
           </a:p>
           <a:p>
             <a:r>
-              <a:rPr lang="en-GB" sz="2000" dirty="0" smtClean="0"/>
+              <a:rPr lang="en-GB" sz="2400" dirty="0" smtClean="0"/>
               <a:t>~8 MB</a:t>
             </a:r>
-            <a:endParaRPr lang="en-GB" sz="2000" dirty="0"/>
+            <a:endParaRPr lang="en-GB" sz="2400" dirty="0"/>
           </a:p>
         </p:txBody>
       </p:sp>
@@ -6662,16 +7448,15 @@
           </p:cNvPicPr>
           <p:nvPr/>
         </p:nvPicPr>
-        <p:blipFill>
+        <p:blipFill rotWithShape="1">
           <a:blip r:embed="rId2"/>
-          <a:stretch>
-            <a:fillRect/>
-          </a:stretch>
+          <a:srcRect l="1" r="32569"/>
+          <a:stretch/>
         </p:blipFill>
         <p:spPr>
           <a:xfrm>
-            <a:off x="-1" y="1825624"/>
-            <a:ext cx="11892381" cy="3389103"/>
+            <a:off x="2523392" y="1577546"/>
+            <a:ext cx="8019102" cy="3389103"/>
           </a:xfrm>
           <a:prstGeom prst="rect">
             <a:avLst/>
@@ -6752,21 +7537,21 @@
       </p:sp>
       <p:graphicFrame>
         <p:nvGraphicFramePr>
-          <p:cNvPr id="5" name="Diagramm 4"/>
+          <p:cNvPr id="6" name="Diagramm 5"/>
           <p:cNvGraphicFramePr>
             <a:graphicFrameLocks/>
           </p:cNvGraphicFramePr>
           <p:nvPr>
             <p:extLst>
               <p:ext uri="{D42A27DB-BD31-4B8C-83A1-F6EECF244321}">
-                <p14:modId xmlns:p14="http://schemas.microsoft.com/office/powerpoint/2010/main" val="1805420260"/>
+                <p14:modId xmlns:p14="http://schemas.microsoft.com/office/powerpoint/2010/main" val="2241446028"/>
               </p:ext>
             </p:extLst>
           </p:nvPr>
         </p:nvGraphicFramePr>
         <p:xfrm>
-          <a:off x="1815426" y="1825625"/>
-          <a:ext cx="8050469" cy="4206207"/>
+          <a:off x="1784968" y="1690688"/>
+          <a:ext cx="8273432" cy="4760048"/>
         </p:xfrm>
         <a:graphic>
           <a:graphicData uri="http://schemas.openxmlformats.org/drawingml/2006/chart">
@@ -6790,6 +7575,14 @@
 <file path=ppt/slides/slide8.xml><?xml version="1.0" encoding="utf-8"?>
 <p:sld xmlns:a="http://schemas.openxmlformats.org/drawingml/2006/main" xmlns:r="http://schemas.openxmlformats.org/officeDocument/2006/relationships" xmlns:p="http://schemas.openxmlformats.org/presentationml/2006/main">
   <p:cSld>
+    <p:bg>
+      <p:bgPr>
+        <a:solidFill>
+          <a:schemeClr val="tx1"/>
+        </a:solidFill>
+        <a:effectLst/>
+      </p:bgPr>
+    </p:bg>
     <p:spTree>
       <p:nvGrpSpPr>
         <p:cNvPr id="1" name=""/>
@@ -6820,49 +7613,78 @@
           <a:lstStyle/>
           <a:p>
             <a:r>
-              <a:rPr lang="en-GB" dirty="0" smtClean="0"/>
+              <a:rPr lang="en-GB" dirty="0" smtClean="0">
+                <a:solidFill>
+                  <a:schemeClr val="bg1"/>
+                </a:solidFill>
+              </a:rPr>
               <a:t>Distributed deconvolution</a:t>
             </a:r>
-            <a:endParaRPr lang="en-GB" dirty="0"/>
-          </a:p>
-        </p:txBody>
-      </p:sp>
-      <p:sp>
-        <p:nvSpPr>
-          <p:cNvPr id="3" name="Inhaltsplatzhalter 2"/>
-          <p:cNvSpPr>
-            <a:spLocks noGrp="1"/>
-          </p:cNvSpPr>
+            <a:endParaRPr lang="en-GB" dirty="0">
+              <a:solidFill>
+                <a:schemeClr val="bg1"/>
+              </a:solidFill>
+            </a:endParaRPr>
+          </a:p>
+        </p:txBody>
+      </p:sp>
+      <p:pic>
+        <p:nvPicPr>
+          <p:cNvPr id="4" name="Inhaltsplatzhalter 3"/>
+          <p:cNvPicPr>
+            <a:picLocks noGrp="1" noChangeAspect="1"/>
+          </p:cNvPicPr>
           <p:nvPr>
             <p:ph idx="1"/>
           </p:nvPr>
-        </p:nvSpPr>
-        <p:spPr/>
-        <p:txBody>
-          <a:bodyPr/>
-          <a:lstStyle/>
-          <a:p>
-            <a:r>
-              <a:rPr lang="en-GB" dirty="0" smtClean="0"/>
-              <a:t>Difficult to separate</a:t>
-            </a:r>
-          </a:p>
-          <a:p>
-            <a:r>
-              <a:rPr lang="en-GB" dirty="0" smtClean="0"/>
-              <a:t>Always noisy, </a:t>
-            </a:r>
-            <a:r>
-              <a:rPr lang="en-GB" smtClean="0"/>
-              <a:t>we require </a:t>
-            </a:r>
-            <a:endParaRPr lang="en-GB" dirty="0" smtClean="0"/>
-          </a:p>
-          <a:p>
-            <a:endParaRPr lang="en-GB" dirty="0"/>
-          </a:p>
-        </p:txBody>
-      </p:sp>
+        </p:nvPicPr>
+        <p:blipFill rotWithShape="1">
+          <a:blip r:embed="rId2">
+            <a:extLst>
+              <a:ext uri="{28A0092B-C50C-407E-A947-70E740481C1C}">
+                <a14:useLocalDpi xmlns:a14="http://schemas.microsoft.com/office/drawing/2010/main" val="0"/>
+              </a:ext>
+            </a:extLst>
+          </a:blip>
+          <a:srcRect t="5210"/>
+          <a:stretch/>
+        </p:blipFill>
+        <p:spPr>
+          <a:xfrm>
+            <a:off x="218577" y="1721344"/>
+            <a:ext cx="5877424" cy="5399043"/>
+          </a:xfrm>
+        </p:spPr>
+      </p:pic>
+      <p:pic>
+        <p:nvPicPr>
+          <p:cNvPr id="6" name="Grafik 5"/>
+          <p:cNvPicPr>
+            <a:picLocks noChangeAspect="1"/>
+          </p:cNvPicPr>
+          <p:nvPr/>
+        </p:nvPicPr>
+        <p:blipFill rotWithShape="1">
+          <a:blip r:embed="rId3">
+            <a:extLst>
+              <a:ext uri="{28A0092B-C50C-407E-A947-70E740481C1C}">
+                <a14:useLocalDpi xmlns:a14="http://schemas.microsoft.com/office/drawing/2010/main" val="0"/>
+              </a:ext>
+            </a:extLst>
+          </a:blip>
+          <a:srcRect l="9233" r="-1803" b="8353"/>
+          <a:stretch/>
+        </p:blipFill>
+        <p:spPr>
+          <a:xfrm>
+            <a:off x="6422064" y="1414509"/>
+            <a:ext cx="5457151" cy="5235740"/>
+          </a:xfrm>
+          <a:prstGeom prst="rect">
+            <a:avLst/>
+          </a:prstGeom>
+        </p:spPr>
+      </p:pic>
     </p:spTree>
     <p:extLst>
       <p:ext uri="{BB962C8B-B14F-4D97-AF65-F5344CB8AC3E}">
@@ -6873,6 +7695,13 @@
   <p:clrMapOvr>
     <a:masterClrMapping/>
   </p:clrMapOvr>
+  <p:timing>
+    <p:tnLst>
+      <p:par>
+        <p:cTn id="1" dur="indefinite" restart="never" nodeType="tmRoot"/>
+      </p:par>
+    </p:tnLst>
+  </p:timing>
 </p:sld>
 </file>
 
@@ -6909,46 +7738,79 @@
           <a:lstStyle/>
           <a:p>
             <a:r>
+              <a:rPr lang="en-GB" dirty="0" smtClean="0"/>
+              <a:t>Coordinate Descent deconvolution</a:t>
+            </a:r>
+            <a:endParaRPr lang="en-GB" dirty="0"/>
+          </a:p>
+        </p:txBody>
+      </p:sp>
+      <p:sp>
+        <p:nvSpPr>
+          <p:cNvPr id="3" name="Inhaltsplatzhalter 2"/>
+          <p:cNvSpPr>
+            <a:spLocks noGrp="1"/>
+          </p:cNvSpPr>
+          <p:nvPr>
+            <p:ph idx="1"/>
+          </p:nvPr>
+        </p:nvSpPr>
+        <p:spPr/>
+        <p:txBody>
+          <a:bodyPr>
+            <a:normAutofit/>
+          </a:bodyPr>
+          <a:lstStyle/>
+          <a:p>
+            <a:r>
+              <a:rPr lang="en-GB" dirty="0" smtClean="0"/>
+              <a:t>Search the best pixel to </a:t>
+            </a:r>
+            <a:r>
               <a:rPr lang="en-GB" dirty="0" err="1" smtClean="0"/>
-              <a:t>ElasticNet</a:t>
-            </a:r>
+              <a:t>deconvolve</a:t>
+            </a:r>
+            <a:endParaRPr lang="en-GB" dirty="0" smtClean="0"/>
+          </a:p>
+          <a:p>
             <a:r>
               <a:rPr lang="en-GB" dirty="0" smtClean="0"/>
-              <a:t> Regularization</a:t>
+              <a:t>Calculate the optimum for the pixel(reduces to parabola fitting –b/2a)</a:t>
+            </a:r>
+          </a:p>
+          <a:p>
+            <a:r>
+              <a:rPr lang="en-GB" dirty="0" smtClean="0"/>
+              <a:t>Repeat until </a:t>
+            </a:r>
+            <a:r>
+              <a:rPr lang="en-GB" dirty="0" smtClean="0"/>
+              <a:t>converged</a:t>
             </a:r>
             <a:endParaRPr lang="en-GB" dirty="0"/>
           </a:p>
-        </p:txBody>
-      </p:sp>
-      <p:sp>
-        <p:nvSpPr>
-          <p:cNvPr id="3" name="Inhaltsplatzhalter 2"/>
-          <p:cNvSpPr>
-            <a:spLocks noGrp="1"/>
-          </p:cNvSpPr>
-          <p:nvPr>
-            <p:ph idx="1"/>
-          </p:nvPr>
-        </p:nvSpPr>
-        <p:spPr/>
-        <p:txBody>
-          <a:bodyPr/>
-          <a:lstStyle/>
-          <a:p>
-            <a:endParaRPr lang="en-GB"/>
+          <a:p>
+            <a:endParaRPr lang="en-GB" dirty="0"/>
           </a:p>
         </p:txBody>
       </p:sp>
     </p:spTree>
     <p:extLst>
       <p:ext uri="{BB962C8B-B14F-4D97-AF65-F5344CB8AC3E}">
-        <p14:creationId xmlns:p14="http://schemas.microsoft.com/office/powerpoint/2010/main" val="524465083"/>
+        <p14:creationId xmlns:p14="http://schemas.microsoft.com/office/powerpoint/2010/main" val="4268362493"/>
       </p:ext>
     </p:extLst>
   </p:cSld>
   <p:clrMapOvr>
     <a:masterClrMapping/>
   </p:clrMapOvr>
+  <p:timing>
+    <p:tnLst>
+      <p:par>
+        <p:cTn id="1" dur="indefinite" restart="never" nodeType="tmRoot"/>
+      </p:par>
+    </p:tnLst>
+  </p:timing>
 </p:sld>
 </file>
 

--- a/SKA-Days/pp.pptx
+++ b/SKA-Days/pp.pptx
@@ -13,14 +13,17 @@
     <p:sldId id="260" r:id="rId7"/>
     <p:sldId id="262" r:id="rId8"/>
     <p:sldId id="265" r:id="rId9"/>
-    <p:sldId id="266" r:id="rId10"/>
-    <p:sldId id="272" r:id="rId11"/>
-    <p:sldId id="263" r:id="rId12"/>
-    <p:sldId id="267" r:id="rId13"/>
-    <p:sldId id="273" r:id="rId14"/>
+    <p:sldId id="274" r:id="rId10"/>
+    <p:sldId id="266" r:id="rId11"/>
+    <p:sldId id="272" r:id="rId12"/>
+    <p:sldId id="263" r:id="rId13"/>
+    <p:sldId id="267" r:id="rId14"/>
     <p:sldId id="271" r:id="rId15"/>
-    <p:sldId id="270" r:id="rId16"/>
-    <p:sldId id="269" r:id="rId17"/>
+    <p:sldId id="277" r:id="rId16"/>
+    <p:sldId id="276" r:id="rId17"/>
+    <p:sldId id="275" r:id="rId18"/>
+    <p:sldId id="270" r:id="rId19"/>
+    <p:sldId id="269" r:id="rId20"/>
   </p:sldIdLst>
   <p:sldSz cx="12192000" cy="6858000"/>
   <p:notesSz cx="6858000" cy="9144000"/>
@@ -132,12 +135,15 @@
             <p14:sldId id="260"/>
             <p14:sldId id="262"/>
             <p14:sldId id="265"/>
+            <p14:sldId id="274"/>
             <p14:sldId id="266"/>
             <p14:sldId id="272"/>
             <p14:sldId id="263"/>
             <p14:sldId id="267"/>
-            <p14:sldId id="273"/>
             <p14:sldId id="271"/>
+            <p14:sldId id="277"/>
+            <p14:sldId id="276"/>
+            <p14:sldId id="275"/>
             <p14:sldId id="270"/>
             <p14:sldId id="269"/>
           </p14:sldIdLst>
@@ -191,7 +197,7 @@
               <c:strCache>
                 <c:ptCount val="4"/>
                 <c:pt idx="0">
-                  <c:v>eVLA</c:v>
+                  <c:v>VLA</c:v>
                 </c:pt>
                 <c:pt idx="1">
                   <c:v>ASKAP</c:v>
@@ -207,28 +213,28 @@
           </c:cat>
           <c:val>
             <c:numRef>
-              <c:f>Tabelle1!$C$2:$C$5</c:f>
+              <c:f>Tabelle1!$E$2:$E$5</c:f>
               <c:numCache>
                 <c:formatCode>General</c:formatCode>
                 <c:ptCount val="4"/>
                 <c:pt idx="0">
-                  <c:v>200</c:v>
+                  <c:v>0.2</c:v>
                 </c:pt>
                 <c:pt idx="1">
-                  <c:v>4000</c:v>
+                  <c:v>4</c:v>
                 </c:pt>
                 <c:pt idx="2">
-                  <c:v>4200</c:v>
+                  <c:v>4.2</c:v>
                 </c:pt>
                 <c:pt idx="3">
-                  <c:v>8100</c:v>
+                  <c:v>8.1</c:v>
                 </c:pt>
               </c:numCache>
             </c:numRef>
           </c:val>
           <c:extLst>
             <c:ext xmlns:c16="http://schemas.microsoft.com/office/drawing/2014/chart" uri="{C3380CC4-5D6E-409C-BE32-E72D297353CC}">
-              <c16:uniqueId val="{00000000-A583-4BD3-A290-E31B5FEF3F63}"/>
+              <c16:uniqueId val="{00000000-5D3E-49DA-91CD-67A93BDBDB92}"/>
             </c:ext>
           </c:extLst>
         </c:ser>
@@ -337,7 +343,7 @@
                 </a:pPr>
                 <a:r>
                   <a:rPr lang="en-GB"/>
-                  <a:t>GB / hr</a:t>
+                  <a:t>TB / hr</a:t>
                 </a:r>
               </a:p>
             </c:rich>
@@ -680,7 +686,6 @@
               </a:p>
             </c:rich>
           </c:tx>
-          <c:layout/>
           <c:overlay val="0"/>
           <c:spPr>
             <a:noFill/>
@@ -755,7 +760,6 @@
     </c:plotArea>
     <c:legend>
       <c:legendPos val="b"/>
-      <c:layout/>
       <c:overlay val="0"/>
       <c:spPr>
         <a:noFill/>
@@ -1062,7 +1066,6 @@
               </a:p>
             </c:rich>
           </c:tx>
-          <c:layout/>
           <c:overlay val="0"/>
           <c:spPr>
             <a:noFill/>
@@ -1137,7 +1140,6 @@
     </c:plotArea>
     <c:legend>
       <c:legendPos val="b"/>
-      <c:layout/>
       <c:overlay val="0"/>
       <c:spPr>
         <a:noFill/>
@@ -5754,10 +5756,273 @@
   <p:clrMapOvr>
     <a:masterClrMapping/>
   </p:clrMapOvr>
+  <p:timing>
+    <p:tnLst>
+      <p:par>
+        <p:cTn id="1" dur="indefinite" restart="never" nodeType="tmRoot"/>
+      </p:par>
+    </p:tnLst>
+  </p:timing>
 </p:sld>
 </file>
 
 <file path=ppt/slides/slide10.xml><?xml version="1.0" encoding="utf-8"?>
+<p:sld xmlns:a="http://schemas.openxmlformats.org/drawingml/2006/main" xmlns:r="http://schemas.openxmlformats.org/officeDocument/2006/relationships" xmlns:p="http://schemas.openxmlformats.org/presentationml/2006/main">
+  <p:cSld>
+    <p:spTree>
+      <p:nvGrpSpPr>
+        <p:cNvPr id="1" name=""/>
+        <p:cNvGrpSpPr/>
+        <p:nvPr/>
+      </p:nvGrpSpPr>
+      <p:grpSpPr>
+        <a:xfrm>
+          <a:off x="0" y="0"/>
+          <a:ext cx="0" cy="0"/>
+          <a:chOff x="0" y="0"/>
+          <a:chExt cx="0" cy="0"/>
+        </a:xfrm>
+      </p:grpSpPr>
+      <p:sp>
+        <p:nvSpPr>
+          <p:cNvPr id="2" name="Titel 1"/>
+          <p:cNvSpPr>
+            <a:spLocks noGrp="1"/>
+          </p:cNvSpPr>
+          <p:nvPr>
+            <p:ph type="title"/>
+          </p:nvPr>
+        </p:nvSpPr>
+        <p:spPr/>
+        <p:txBody>
+          <a:bodyPr/>
+          <a:lstStyle/>
+          <a:p>
+            <a:r>
+              <a:rPr lang="en-GB" dirty="0" smtClean="0"/>
+              <a:t>Coordinate Descent deconvolution</a:t>
+            </a:r>
+            <a:endParaRPr lang="en-GB" dirty="0"/>
+          </a:p>
+        </p:txBody>
+      </p:sp>
+      <mc:AlternateContent xmlns:mc="http://schemas.openxmlformats.org/markup-compatibility/2006" xmlns:a14="http://schemas.microsoft.com/office/drawing/2010/main">
+        <mc:Choice Requires="a14">
+          <p:sp>
+            <p:nvSpPr>
+              <p:cNvPr id="3" name="Inhaltsplatzhalter 2"/>
+              <p:cNvSpPr>
+                <a:spLocks noGrp="1"/>
+              </p:cNvSpPr>
+              <p:nvPr>
+                <p:ph idx="1"/>
+              </p:nvPr>
+            </p:nvSpPr>
+            <p:spPr/>
+            <p:txBody>
+              <a:bodyPr>
+                <a:normAutofit/>
+              </a:bodyPr>
+              <a:lstStyle/>
+              <a:p>
+                <a:pPr marL="0" indent="0">
+                  <a:buNone/>
+                </a:pPr>
+                <a:r>
+                  <a:rPr lang="en-GB" i="1" dirty="0" smtClean="0">
+                    <a:latin typeface="Bell MT" panose="02020503060305020303" pitchFamily="18" charset="0"/>
+                  </a:rPr>
+                  <a:t>residuals </a:t>
+                </a:r>
+                <a:r>
+                  <a:rPr lang="en-GB" i="1" dirty="0">
+                    <a:latin typeface="Bell MT" panose="02020503060305020303" pitchFamily="18" charset="0"/>
+                  </a:rPr>
+                  <a:t>= dirty image</a:t>
+                </a:r>
+              </a:p>
+              <a:p>
+                <a:pPr marL="514350" indent="-514350">
+                  <a:buFont typeface="+mj-lt"/>
+                  <a:buAutoNum type="arabicPeriod"/>
+                </a:pPr>
+                <a:r>
+                  <a:rPr lang="en-GB" dirty="0" smtClean="0"/>
+                  <a:t>Find </a:t>
+                </a:r>
+                <a:r>
+                  <a:rPr lang="en-GB" dirty="0"/>
+                  <a:t>the maximum pixel of </a:t>
+                </a:r>
+                <a:r>
+                  <a:rPr lang="en-GB" dirty="0" smtClean="0"/>
+                  <a:t>[</a:t>
+                </a:r>
+                <a:r>
+                  <a:rPr lang="en-GB" i="1" dirty="0">
+                    <a:latin typeface="Bell MT" panose="02020503060305020303" pitchFamily="18" charset="0"/>
+                  </a:rPr>
+                  <a:t>residuals</a:t>
+                </a:r>
+                <a:r>
+                  <a:rPr lang="en-GB" dirty="0" smtClean="0"/>
+                  <a:t> </a:t>
+                </a:r>
+                <a14:m>
+                  <m:oMath xmlns:m="http://schemas.openxmlformats.org/officeDocument/2006/math">
+                    <m:r>
+                      <a:rPr lang="en-GB" i="1" smtClean="0">
+                        <a:latin typeface="Cambria Math" panose="02040503050406030204" pitchFamily="18" charset="0"/>
+                      </a:rPr>
+                      <m:t>⋆</m:t>
+                    </m:r>
+                  </m:oMath>
+                </a14:m>
+                <a:r>
+                  <a:rPr lang="en-GB" dirty="0" smtClean="0"/>
+                  <a:t> </a:t>
+                </a:r>
+                <a:r>
+                  <a:rPr lang="en-GB" i="1" dirty="0" smtClean="0">
+                    <a:latin typeface="Bell MT" panose="02020503060305020303" pitchFamily="18" charset="0"/>
+                  </a:rPr>
+                  <a:t>PSF</a:t>
+                </a:r>
+                <a:r>
+                  <a:rPr lang="en-GB" dirty="0" smtClean="0"/>
+                  <a:t>]</a:t>
+                </a:r>
+                <a:endParaRPr lang="en-GB" dirty="0"/>
+              </a:p>
+              <a:p>
+                <a:pPr marL="514350" lvl="0" indent="-514350">
+                  <a:buFont typeface="+mj-lt"/>
+                  <a:buAutoNum type="arabicPeriod"/>
+                </a:pPr>
+                <a:r>
+                  <a:rPr lang="en-GB" dirty="0" smtClean="0"/>
+                  <a:t>Fix all other pixels, calculate </a:t>
+                </a:r>
+                <a:r>
+                  <a:rPr lang="en-GB" dirty="0"/>
+                  <a:t>the optimum value for this pixel (optimum of a parabola)</a:t>
+                </a:r>
+              </a:p>
+              <a:p>
+                <a:pPr marL="514350" lvl="0" indent="-514350">
+                  <a:buFont typeface="+mj-lt"/>
+                  <a:buAutoNum type="arabicPeriod"/>
+                </a:pPr>
+                <a:r>
+                  <a:rPr lang="en-GB" dirty="0"/>
+                  <a:t>Update </a:t>
+                </a:r>
+                <a:r>
+                  <a:rPr lang="en-GB" i="1" dirty="0" smtClean="0">
+                    <a:latin typeface="Bell MT" panose="02020503060305020303" pitchFamily="18" charset="0"/>
+                  </a:rPr>
+                  <a:t>residuals</a:t>
+                </a:r>
+                <a:endParaRPr lang="en-GB" i="1" dirty="0" smtClean="0"/>
+              </a:p>
+              <a:p>
+                <a:pPr marL="514350" indent="-514350">
+                  <a:buFont typeface="+mj-lt"/>
+                  <a:buAutoNum type="arabicPeriod"/>
+                </a:pPr>
+                <a:r>
+                  <a:rPr lang="en-GB" dirty="0" smtClean="0"/>
+                  <a:t>Repeat until </a:t>
+                </a:r>
+                <a:r>
+                  <a:rPr lang="en-GB" i="1" dirty="0" smtClean="0">
+                    <a:latin typeface="Bell MT" panose="02020503060305020303" pitchFamily="18" charset="0"/>
+                  </a:rPr>
+                  <a:t>residuals</a:t>
+                </a:r>
+                <a:r>
+                  <a:rPr lang="en-GB" dirty="0" smtClean="0"/>
+                  <a:t> are </a:t>
+                </a:r>
+                <a:r>
+                  <a:rPr lang="en-GB" dirty="0"/>
+                  <a:t>small</a:t>
+                </a:r>
+              </a:p>
+              <a:p>
+                <a:pPr marL="0" indent="0">
+                  <a:buNone/>
+                </a:pPr>
+                <a:endParaRPr lang="en-GB" dirty="0"/>
+              </a:p>
+              <a:p>
+                <a:pPr marL="0" indent="0">
+                  <a:buNone/>
+                </a:pPr>
+                <a:r>
+                  <a:rPr lang="en-GB" dirty="0" smtClean="0"/>
+                  <a:t>More sophisticated CD variants, but that is the core algorithm</a:t>
+                </a:r>
+                <a:endParaRPr lang="en-GB" dirty="0"/>
+              </a:p>
+            </p:txBody>
+          </p:sp>
+        </mc:Choice>
+        <mc:Fallback xmlns="">
+          <p:sp>
+            <p:nvSpPr>
+              <p:cNvPr id="3" name="Inhaltsplatzhalter 2"/>
+              <p:cNvSpPr>
+                <a:spLocks noGrp="1" noRot="1" noChangeAspect="1" noMove="1" noResize="1" noEditPoints="1" noAdjustHandles="1" noChangeArrowheads="1" noChangeShapeType="1" noTextEdit="1"/>
+              </p:cNvSpPr>
+              <p:nvPr>
+                <p:ph idx="1"/>
+              </p:nvPr>
+            </p:nvSpPr>
+            <p:spPr>
+              <a:blipFill>
+                <a:blip r:embed="rId2"/>
+                <a:stretch>
+                  <a:fillRect l="-1217" t="-2241"/>
+                </a:stretch>
+              </a:blipFill>
+            </p:spPr>
+            <p:txBody>
+              <a:bodyPr/>
+              <a:lstStyle/>
+              <a:p>
+                <a:r>
+                  <a:rPr lang="en-GB">
+                    <a:noFill/>
+                  </a:rPr>
+                  <a:t> </a:t>
+                </a:r>
+              </a:p>
+            </p:txBody>
+          </p:sp>
+        </mc:Fallback>
+      </mc:AlternateContent>
+    </p:spTree>
+    <p:extLst>
+      <p:ext uri="{BB962C8B-B14F-4D97-AF65-F5344CB8AC3E}">
+        <p14:creationId xmlns:p14="http://schemas.microsoft.com/office/powerpoint/2010/main" val="4268362493"/>
+      </p:ext>
+    </p:extLst>
+  </p:cSld>
+  <p:clrMapOvr>
+    <a:masterClrMapping/>
+  </p:clrMapOvr>
+  <p:timing>
+    <p:tnLst>
+      <p:par>
+        <p:cTn id="1" dur="indefinite" restart="never" nodeType="tmRoot"/>
+      </p:par>
+    </p:tnLst>
+  </p:timing>
+</p:sld>
+</file>
+
+<file path=ppt/slides/slide11.xml><?xml version="1.0" encoding="utf-8"?>
 <p:sld xmlns:a="http://schemas.openxmlformats.org/drawingml/2006/main" xmlns:r="http://schemas.openxmlformats.org/officeDocument/2006/relationships" xmlns:p="http://schemas.openxmlformats.org/presentationml/2006/main">
   <p:cSld>
     <p:bg>
@@ -5861,31 +6126,39 @@
             </a:r>
           </a:p>
           <a:p>
+            <a:pPr marL="514350" indent="-514350">
+              <a:buFont typeface="+mj-lt"/>
+              <a:buAutoNum type="arabicPeriod"/>
+            </a:pPr>
+            <a:r>
+              <a:rPr lang="en-GB" dirty="0" smtClean="0">
+                <a:solidFill>
+                  <a:schemeClr val="bg1"/>
+                </a:solidFill>
+              </a:rPr>
+              <a:t>Find maximum </a:t>
+            </a:r>
             <a:r>
               <a:rPr lang="en-GB" dirty="0">
                 <a:solidFill>
                   <a:schemeClr val="bg1"/>
                 </a:solidFill>
               </a:rPr>
-              <a:t>Search best local pixel</a:t>
-            </a:r>
-          </a:p>
-          <a:p>
-            <a:r>
-              <a:rPr lang="en-GB" dirty="0">
-                <a:solidFill>
-                  <a:schemeClr val="bg1"/>
-                </a:solidFill>
-              </a:rPr>
-              <a:t>Decide on the </a:t>
-            </a:r>
+              <a:t>local pixel</a:t>
+            </a:r>
+          </a:p>
+          <a:p>
+            <a:pPr marL="514350" indent="-514350">
+              <a:buFont typeface="+mj-lt"/>
+              <a:buAutoNum type="arabicPeriod"/>
+            </a:pPr>
             <a:r>
               <a:rPr lang="en-GB" dirty="0" smtClean="0">
                 <a:solidFill>
                   <a:schemeClr val="bg1"/>
                 </a:solidFill>
               </a:rPr>
-              <a:t>best global </a:t>
+              <a:t>Find maximum global </a:t>
             </a:r>
             <a:r>
               <a:rPr lang="en-GB" dirty="0">
@@ -5926,22 +6199,37 @@
             </a:endParaRPr>
           </a:p>
           <a:p>
+            <a:pPr marL="514350" indent="-514350">
+              <a:buFont typeface="+mj-lt"/>
+              <a:buAutoNum type="arabicPeriod"/>
+            </a:pPr>
             <a:r>
               <a:rPr lang="en-GB" dirty="0" smtClean="0">
                 <a:solidFill>
                   <a:schemeClr val="bg1"/>
                 </a:solidFill>
               </a:rPr>
-              <a:t>All nodes update </a:t>
-            </a:r>
-            <a:r>
-              <a:rPr lang="en-GB" dirty="0">
+              <a:t>Update dirty image patch</a:t>
+            </a:r>
+          </a:p>
+          <a:p>
+            <a:pPr marL="514350" indent="-514350">
+              <a:buFont typeface="+mj-lt"/>
+              <a:buAutoNum type="arabicPeriod"/>
+            </a:pPr>
+            <a:r>
+              <a:rPr lang="en-GB" dirty="0" smtClean="0">
                 <a:solidFill>
                   <a:schemeClr val="bg1"/>
                 </a:solidFill>
               </a:rPr>
-              <a:t>local residuals</a:t>
-            </a:r>
+              <a:t>Repeat</a:t>
+            </a:r>
+            <a:endParaRPr lang="en-GB" dirty="0">
+              <a:solidFill>
+                <a:schemeClr val="bg1"/>
+              </a:solidFill>
+            </a:endParaRPr>
           </a:p>
           <a:p>
             <a:endParaRPr lang="en-GB" dirty="0">
@@ -5991,10 +6279,17 @@
   <p:clrMapOvr>
     <a:masterClrMapping/>
   </p:clrMapOvr>
+  <p:timing>
+    <p:tnLst>
+      <p:par>
+        <p:cTn id="1" dur="indefinite" restart="never" nodeType="tmRoot"/>
+      </p:par>
+    </p:tnLst>
+  </p:timing>
 </p:sld>
 </file>
 
-<file path=ppt/slides/slide11.xml><?xml version="1.0" encoding="utf-8"?>
+<file path=ppt/slides/slide12.xml><?xml version="1.0" encoding="utf-8"?>
 <p:sld xmlns:a="http://schemas.openxmlformats.org/drawingml/2006/main" xmlns:r="http://schemas.openxmlformats.org/officeDocument/2006/relationships" xmlns:p="http://schemas.openxmlformats.org/presentationml/2006/main">
   <p:cSld>
     <p:spTree>
@@ -6087,140 +6382,13 @@
   <p:clrMapOvr>
     <a:masterClrMapping/>
   </p:clrMapOvr>
-</p:sld>
-</file>
-
-<file path=ppt/slides/slide12.xml><?xml version="1.0" encoding="utf-8"?>
-<p:sld xmlns:a="http://schemas.openxmlformats.org/drawingml/2006/main" xmlns:r="http://schemas.openxmlformats.org/officeDocument/2006/relationships" xmlns:p="http://schemas.openxmlformats.org/presentationml/2006/main">
-  <p:cSld>
-    <p:spTree>
-      <p:nvGrpSpPr>
-        <p:cNvPr id="1" name=""/>
-        <p:cNvGrpSpPr/>
-        <p:nvPr/>
-      </p:nvGrpSpPr>
-      <p:grpSpPr>
-        <a:xfrm>
-          <a:off x="0" y="0"/>
-          <a:ext cx="0" cy="0"/>
-          <a:chOff x="0" y="0"/>
-          <a:chExt cx="0" cy="0"/>
-        </a:xfrm>
-      </p:grpSpPr>
-      <p:sp>
-        <p:nvSpPr>
-          <p:cNvPr id="2" name="Titel 1"/>
-          <p:cNvSpPr>
-            <a:spLocks noGrp="1"/>
-          </p:cNvSpPr>
-          <p:nvPr>
-            <p:ph type="title"/>
-          </p:nvPr>
-        </p:nvSpPr>
-        <p:spPr/>
-        <p:txBody>
-          <a:bodyPr/>
-          <a:lstStyle/>
-          <a:p>
-            <a:r>
-              <a:rPr lang="en-GB" dirty="0" smtClean="0"/>
-              <a:t>Distributed gridding + deconvolution</a:t>
-            </a:r>
-            <a:endParaRPr lang="en-GB" dirty="0"/>
-          </a:p>
-        </p:txBody>
-      </p:sp>
-      <p:sp>
-        <p:nvSpPr>
-          <p:cNvPr id="3" name="Inhaltsplatzhalter 2"/>
-          <p:cNvSpPr>
-            <a:spLocks noGrp="1"/>
-          </p:cNvSpPr>
-          <p:nvPr>
-            <p:ph idx="1"/>
-          </p:nvPr>
-        </p:nvSpPr>
-        <p:spPr/>
-        <p:txBody>
-          <a:bodyPr/>
-          <a:lstStyle/>
-          <a:p>
-            <a:r>
-              <a:rPr lang="en-GB" dirty="0" smtClean="0"/>
-              <a:t>Distributed gridding: More effective with more input data</a:t>
-            </a:r>
-          </a:p>
-          <a:p>
-            <a:r>
-              <a:rPr lang="en-GB" dirty="0"/>
-              <a:t>Distributed deconvolution: Communication is difficult </a:t>
-            </a:r>
-          </a:p>
-          <a:p>
-            <a:pPr lvl="1"/>
-            <a:r>
-              <a:rPr lang="en-GB" dirty="0"/>
-              <a:t>But we have many unexplored CD variants:</a:t>
-            </a:r>
-          </a:p>
-          <a:p>
-            <a:pPr lvl="2"/>
-            <a:r>
-              <a:rPr lang="en-GB" dirty="0"/>
-              <a:t>Shotgun</a:t>
-            </a:r>
-          </a:p>
-          <a:p>
-            <a:pPr lvl="2"/>
-            <a:r>
-              <a:rPr lang="en-GB" dirty="0"/>
-              <a:t>PCDM</a:t>
-            </a:r>
-          </a:p>
-          <a:p>
-            <a:pPr lvl="2"/>
-            <a:r>
-              <a:rPr lang="en-GB" dirty="0"/>
-              <a:t>Hydra</a:t>
-            </a:r>
-          </a:p>
-          <a:p>
-            <a:pPr lvl="2"/>
-            <a:r>
-              <a:rPr lang="en-GB" dirty="0" smtClean="0"/>
-              <a:t>…</a:t>
-            </a:r>
-            <a:endParaRPr lang="en-GB" dirty="0" smtClean="0"/>
-          </a:p>
-          <a:p>
-            <a:r>
-              <a:rPr lang="en-GB" dirty="0"/>
-              <a:t>IDG and CD </a:t>
-            </a:r>
-            <a:r>
-              <a:rPr lang="en-GB" dirty="0" smtClean="0"/>
-              <a:t>benefit </a:t>
-            </a:r>
-            <a:r>
-              <a:rPr lang="en-GB" dirty="0"/>
-              <a:t>from GPU acceleration</a:t>
-            </a:r>
-          </a:p>
-          <a:p>
-            <a:endParaRPr lang="en-GB" dirty="0"/>
-          </a:p>
-        </p:txBody>
-      </p:sp>
-    </p:spTree>
-    <p:extLst>
-      <p:ext uri="{BB962C8B-B14F-4D97-AF65-F5344CB8AC3E}">
-        <p14:creationId xmlns:p14="http://schemas.microsoft.com/office/powerpoint/2010/main" val="1075553389"/>
-      </p:ext>
-    </p:extLst>
-  </p:cSld>
-  <p:clrMapOvr>
-    <a:masterClrMapping/>
-  </p:clrMapOvr>
+  <p:timing>
+    <p:tnLst>
+      <p:par>
+        <p:cTn id="1" dur="indefinite" restart="never" nodeType="tmRoot"/>
+      </p:par>
+    </p:tnLst>
+  </p:timing>
 </p:sld>
 </file>
 
@@ -6256,7 +6424,11 @@
           <a:bodyPr/>
           <a:lstStyle/>
           <a:p>
-            <a:endParaRPr lang="en-GB"/>
+            <a:r>
+              <a:rPr lang="en-GB" dirty="0" smtClean="0"/>
+              <a:t>Distributed gridding + deconvolution</a:t>
+            </a:r>
+            <a:endParaRPr lang="en-GB" dirty="0"/>
           </a:p>
         </p:txBody>
       </p:sp>
@@ -6275,14 +6447,77 @@
           <a:bodyPr/>
           <a:lstStyle/>
           <a:p>
-            <a:endParaRPr lang="en-GB"/>
+            <a:r>
+              <a:rPr lang="en-GB" dirty="0" smtClean="0"/>
+              <a:t>Distributed gridding: More effective with more input data</a:t>
+            </a:r>
+          </a:p>
+          <a:p>
+            <a:r>
+              <a:rPr lang="en-GB" dirty="0" smtClean="0"/>
+              <a:t>Distributed deconvolution: Communication is difficult </a:t>
+            </a:r>
+          </a:p>
+          <a:p>
+            <a:pPr lvl="1"/>
+            <a:r>
+              <a:rPr lang="en-GB" dirty="0" smtClean="0"/>
+              <a:t>But we have more communication efficient CD algorithms to explore:</a:t>
+            </a:r>
+            <a:endParaRPr lang="en-GB" dirty="0"/>
+          </a:p>
+          <a:p>
+            <a:pPr lvl="2"/>
+            <a:r>
+              <a:rPr lang="en-GB" dirty="0" smtClean="0"/>
+              <a:t>Shotgun</a:t>
+            </a:r>
+          </a:p>
+          <a:p>
+            <a:pPr lvl="2"/>
+            <a:r>
+              <a:rPr lang="en-GB" dirty="0" smtClean="0"/>
+              <a:t>PCDM</a:t>
+            </a:r>
+          </a:p>
+          <a:p>
+            <a:pPr lvl="2"/>
+            <a:r>
+              <a:rPr lang="en-GB" dirty="0" smtClean="0"/>
+              <a:t>Hydra</a:t>
+            </a:r>
+          </a:p>
+          <a:p>
+            <a:pPr lvl="2"/>
+            <a:r>
+              <a:rPr lang="en-GB" dirty="0" smtClean="0"/>
+              <a:t>…</a:t>
+            </a:r>
+          </a:p>
+          <a:p>
+            <a:r>
+              <a:rPr lang="en-GB" dirty="0" smtClean="0"/>
+              <a:t>GPU accelerated IDG </a:t>
+            </a:r>
+            <a:r>
+              <a:rPr lang="en-GB" dirty="0"/>
+              <a:t>and </a:t>
+            </a:r>
+            <a:r>
+              <a:rPr lang="en-GB" dirty="0" smtClean="0"/>
+              <a:t>CD exist</a:t>
+            </a:r>
+            <a:endParaRPr lang="en-GB" dirty="0"/>
+          </a:p>
+          <a:p>
+            <a:endParaRPr lang="en-GB" dirty="0"/>
           </a:p>
         </p:txBody>
       </p:sp>
     </p:spTree>
     <p:extLst>
       <p:ext uri="{BB962C8B-B14F-4D97-AF65-F5344CB8AC3E}">
-        <p14:creationId xmlns:p14="http://schemas.microsoft.com/office/powerpoint/2010/main" val="2911105066"/>
+        <p14:creationId xmlns:p14="http://schemas.microsoft.com/office/powerpoint/2010/main" val="1075553389"/>
       </p:ext>
     </p:extLst>
   </p:cSld>
@@ -6324,6 +6559,10 @@
           <a:bodyPr/>
           <a:lstStyle/>
           <a:p>
+            <a:r>
+              <a:rPr lang="en-GB" dirty="0" smtClean="0"/>
+              <a:t>Questions</a:t>
+            </a:r>
             <a:endParaRPr lang="en-GB" dirty="0"/>
           </a:p>
         </p:txBody>
@@ -6343,7 +6582,7 @@
           <a:bodyPr/>
           <a:lstStyle/>
           <a:p>
-            <a:endParaRPr lang="en-GB"/>
+            <a:endParaRPr lang="en-GB" dirty="0"/>
           </a:p>
         </p:txBody>
       </p:sp>
@@ -6361,6 +6600,501 @@
 </file>
 
 <file path=ppt/slides/slide15.xml><?xml version="1.0" encoding="utf-8"?>
+<p:sld xmlns:a="http://schemas.openxmlformats.org/drawingml/2006/main" xmlns:r="http://schemas.openxmlformats.org/officeDocument/2006/relationships" xmlns:p="http://schemas.openxmlformats.org/presentationml/2006/main">
+  <p:cSld>
+    <p:spTree>
+      <p:nvGrpSpPr>
+        <p:cNvPr id="1" name=""/>
+        <p:cNvGrpSpPr/>
+        <p:nvPr/>
+      </p:nvGrpSpPr>
+      <p:grpSpPr>
+        <a:xfrm>
+          <a:off x="0" y="0"/>
+          <a:ext cx="0" cy="0"/>
+          <a:chOff x="0" y="0"/>
+          <a:chExt cx="0" cy="0"/>
+        </a:xfrm>
+      </p:grpSpPr>
+      <p:sp>
+        <p:nvSpPr>
+          <p:cNvPr id="2" name="Titel 1"/>
+          <p:cNvSpPr>
+            <a:spLocks noGrp="1"/>
+          </p:cNvSpPr>
+          <p:nvPr>
+            <p:ph type="title"/>
+          </p:nvPr>
+        </p:nvSpPr>
+        <p:spPr/>
+        <p:txBody>
+          <a:bodyPr/>
+          <a:lstStyle/>
+          <a:p>
+            <a:endParaRPr lang="en-GB"/>
+          </a:p>
+        </p:txBody>
+      </p:sp>
+      <p:sp>
+        <p:nvSpPr>
+          <p:cNvPr id="3" name="Inhaltsplatzhalter 2"/>
+          <p:cNvSpPr>
+            <a:spLocks noGrp="1"/>
+          </p:cNvSpPr>
+          <p:nvPr>
+            <p:ph idx="1"/>
+          </p:nvPr>
+        </p:nvSpPr>
+        <p:spPr/>
+        <p:txBody>
+          <a:bodyPr/>
+          <a:lstStyle/>
+          <a:p>
+            <a:endParaRPr lang="en-GB"/>
+          </a:p>
+        </p:txBody>
+      </p:sp>
+    </p:spTree>
+    <p:extLst>
+      <p:ext uri="{BB962C8B-B14F-4D97-AF65-F5344CB8AC3E}">
+        <p14:creationId xmlns:p14="http://schemas.microsoft.com/office/powerpoint/2010/main" val="616443316"/>
+      </p:ext>
+    </p:extLst>
+  </p:cSld>
+  <p:clrMapOvr>
+    <a:masterClrMapping/>
+  </p:clrMapOvr>
+</p:sld>
+</file>
+
+<file path=ppt/slides/slide16.xml><?xml version="1.0" encoding="utf-8"?>
+<p:sld xmlns:a="http://schemas.openxmlformats.org/drawingml/2006/main" xmlns:r="http://schemas.openxmlformats.org/officeDocument/2006/relationships" xmlns:p="http://schemas.openxmlformats.org/presentationml/2006/main">
+  <p:cSld>
+    <p:spTree>
+      <p:nvGrpSpPr>
+        <p:cNvPr id="1" name=""/>
+        <p:cNvGrpSpPr/>
+        <p:nvPr/>
+      </p:nvGrpSpPr>
+      <p:grpSpPr>
+        <a:xfrm>
+          <a:off x="0" y="0"/>
+          <a:ext cx="0" cy="0"/>
+          <a:chOff x="0" y="0"/>
+          <a:chExt cx="0" cy="0"/>
+        </a:xfrm>
+      </p:grpSpPr>
+      <p:sp>
+        <p:nvSpPr>
+          <p:cNvPr id="2" name="Titel 1"/>
+          <p:cNvSpPr>
+            <a:spLocks noGrp="1"/>
+          </p:cNvSpPr>
+          <p:nvPr>
+            <p:ph type="title"/>
+          </p:nvPr>
+        </p:nvSpPr>
+        <p:spPr/>
+        <p:txBody>
+          <a:bodyPr/>
+          <a:lstStyle/>
+          <a:p>
+            <a:r>
+              <a:rPr lang="en-GB" dirty="0" smtClean="0"/>
+              <a:t>(Alternative </a:t>
+            </a:r>
+            <a:r>
+              <a:rPr lang="en-GB" dirty="0" err="1" smtClean="0"/>
+              <a:t>zu</a:t>
+            </a:r>
+            <a:r>
+              <a:rPr lang="en-GB" dirty="0" smtClean="0"/>
+              <a:t> </a:t>
+            </a:r>
+            <a:r>
+              <a:rPr lang="en-GB" dirty="0" err="1" smtClean="0"/>
+              <a:t>Folie</a:t>
+            </a:r>
+            <a:r>
+              <a:rPr lang="en-GB" dirty="0" smtClean="0"/>
+              <a:t> 13)</a:t>
+            </a:r>
+            <a:br>
+              <a:rPr lang="en-GB" dirty="0" smtClean="0"/>
+            </a:br>
+            <a:r>
+              <a:rPr lang="en-GB" dirty="0" smtClean="0"/>
+              <a:t>Distributed gridding + deconvolution</a:t>
+            </a:r>
+            <a:endParaRPr lang="en-GB" dirty="0"/>
+          </a:p>
+        </p:txBody>
+      </p:sp>
+      <p:sp>
+        <p:nvSpPr>
+          <p:cNvPr id="3" name="Inhaltsplatzhalter 2"/>
+          <p:cNvSpPr>
+            <a:spLocks noGrp="1"/>
+          </p:cNvSpPr>
+          <p:nvPr>
+            <p:ph idx="1"/>
+          </p:nvPr>
+        </p:nvSpPr>
+        <p:spPr/>
+        <p:txBody>
+          <a:bodyPr>
+            <a:normAutofit/>
+          </a:bodyPr>
+          <a:lstStyle/>
+          <a:p>
+            <a:r>
+              <a:rPr lang="en-GB" dirty="0" smtClean="0"/>
+              <a:t>Distributed gridding: </a:t>
+            </a:r>
+          </a:p>
+          <a:p>
+            <a:pPr lvl="1"/>
+            <a:r>
+              <a:rPr lang="en-GB" dirty="0" smtClean="0"/>
+              <a:t>More effective with more input data</a:t>
+            </a:r>
+          </a:p>
+          <a:p>
+            <a:pPr lvl="1"/>
+            <a:r>
+              <a:rPr lang="en-GB" dirty="0" smtClean="0"/>
+              <a:t>Bandwidth limited, well-suited for super computers</a:t>
+            </a:r>
+          </a:p>
+          <a:p>
+            <a:r>
+              <a:rPr lang="en-GB" dirty="0" smtClean="0"/>
+              <a:t>Distributed deconvolution: </a:t>
+            </a:r>
+          </a:p>
+          <a:p>
+            <a:pPr lvl="1"/>
+            <a:r>
+              <a:rPr lang="en-GB" dirty="0" smtClean="0"/>
+              <a:t>Latency limited, not well-suited for super computers</a:t>
+            </a:r>
+          </a:p>
+          <a:p>
+            <a:pPr lvl="1"/>
+            <a:r>
+              <a:rPr lang="en-GB" dirty="0"/>
+              <a:t>W</a:t>
+            </a:r>
+            <a:r>
+              <a:rPr lang="en-GB" dirty="0" smtClean="0"/>
+              <a:t>e </a:t>
+            </a:r>
+            <a:r>
+              <a:rPr lang="en-GB" dirty="0"/>
+              <a:t>have more communication efficient CD algorithms to explore:</a:t>
+            </a:r>
+          </a:p>
+          <a:p>
+            <a:pPr lvl="2"/>
+            <a:r>
+              <a:rPr lang="en-GB" dirty="0" smtClean="0"/>
+              <a:t>Shotgun</a:t>
+            </a:r>
+            <a:endParaRPr lang="en-GB" dirty="0"/>
+          </a:p>
+          <a:p>
+            <a:pPr lvl="2"/>
+            <a:r>
+              <a:rPr lang="en-GB" dirty="0"/>
+              <a:t>PCDM</a:t>
+            </a:r>
+          </a:p>
+          <a:p>
+            <a:pPr lvl="2"/>
+            <a:r>
+              <a:rPr lang="en-GB" dirty="0"/>
+              <a:t>Hydra</a:t>
+            </a:r>
+          </a:p>
+          <a:p>
+            <a:pPr lvl="2"/>
+            <a:r>
+              <a:rPr lang="en-GB" dirty="0" smtClean="0"/>
+              <a:t>…</a:t>
+            </a:r>
+          </a:p>
+          <a:p>
+            <a:pPr lvl="1"/>
+            <a:r>
+              <a:rPr lang="en-GB" dirty="0" smtClean="0"/>
+              <a:t>GPU accelerated CD variants exist</a:t>
+            </a:r>
+          </a:p>
+          <a:p>
+            <a:endParaRPr lang="en-GB" dirty="0"/>
+          </a:p>
+        </p:txBody>
+      </p:sp>
+    </p:spTree>
+    <p:extLst>
+      <p:ext uri="{BB962C8B-B14F-4D97-AF65-F5344CB8AC3E}">
+        <p14:creationId xmlns:p14="http://schemas.microsoft.com/office/powerpoint/2010/main" val="1876525649"/>
+      </p:ext>
+    </p:extLst>
+  </p:cSld>
+  <p:clrMapOvr>
+    <a:masterClrMapping/>
+  </p:clrMapOvr>
+</p:sld>
+</file>
+
+<file path=ppt/slides/slide17.xml><?xml version="1.0" encoding="utf-8"?>
+<p:sld xmlns:a="http://schemas.openxmlformats.org/drawingml/2006/main" xmlns:r="http://schemas.openxmlformats.org/officeDocument/2006/relationships" xmlns:p="http://schemas.openxmlformats.org/presentationml/2006/main">
+  <p:cSld>
+    <p:spTree>
+      <p:nvGrpSpPr>
+        <p:cNvPr id="1" name=""/>
+        <p:cNvGrpSpPr/>
+        <p:nvPr/>
+      </p:nvGrpSpPr>
+      <p:grpSpPr>
+        <a:xfrm>
+          <a:off x="0" y="0"/>
+          <a:ext cx="0" cy="0"/>
+          <a:chOff x="0" y="0"/>
+          <a:chExt cx="0" cy="0"/>
+        </a:xfrm>
+      </p:grpSpPr>
+      <p:sp>
+        <p:nvSpPr>
+          <p:cNvPr id="2" name="Titel 1"/>
+          <p:cNvSpPr>
+            <a:spLocks noGrp="1"/>
+          </p:cNvSpPr>
+          <p:nvPr>
+            <p:ph type="title"/>
+          </p:nvPr>
+        </p:nvSpPr>
+        <p:spPr/>
+        <p:txBody>
+          <a:bodyPr/>
+          <a:lstStyle/>
+          <a:p>
+            <a:r>
+              <a:rPr lang="en-GB" dirty="0" smtClean="0"/>
+              <a:t>(Alternative </a:t>
+            </a:r>
+            <a:r>
+              <a:rPr lang="en-GB" dirty="0" err="1" smtClean="0"/>
+              <a:t>zu</a:t>
+            </a:r>
+            <a:r>
+              <a:rPr lang="en-GB" dirty="0" smtClean="0"/>
+              <a:t> </a:t>
+            </a:r>
+            <a:r>
+              <a:rPr lang="en-GB" dirty="0" err="1" smtClean="0"/>
+              <a:t>Folie</a:t>
+            </a:r>
+            <a:r>
+              <a:rPr lang="en-GB" dirty="0" smtClean="0"/>
+              <a:t> 2)</a:t>
+            </a:r>
+            <a:br>
+              <a:rPr lang="en-GB" dirty="0" smtClean="0"/>
+            </a:br>
+            <a:r>
+              <a:rPr lang="en-GB" dirty="0" smtClean="0"/>
+              <a:t>Image </a:t>
+            </a:r>
+            <a:r>
+              <a:rPr lang="en-GB" dirty="0"/>
+              <a:t>reconstruction </a:t>
+            </a:r>
+            <a:r>
+              <a:rPr lang="en-GB" dirty="0" smtClean="0"/>
+              <a:t>problem</a:t>
+            </a:r>
+            <a:endParaRPr lang="en-GB" dirty="0"/>
+          </a:p>
+        </p:txBody>
+      </p:sp>
+      <p:sp>
+        <p:nvSpPr>
+          <p:cNvPr id="3" name="Inhaltsplatzhalter 2"/>
+          <p:cNvSpPr>
+            <a:spLocks noGrp="1"/>
+          </p:cNvSpPr>
+          <p:nvPr>
+            <p:ph idx="1"/>
+          </p:nvPr>
+        </p:nvSpPr>
+        <p:spPr/>
+        <p:txBody>
+          <a:bodyPr/>
+          <a:lstStyle/>
+          <a:p>
+            <a:endParaRPr lang="en-GB" dirty="0"/>
+          </a:p>
+        </p:txBody>
+      </p:sp>
+      <p:pic>
+        <p:nvPicPr>
+          <p:cNvPr id="4" name="Grafik 3"/>
+          <p:cNvPicPr>
+            <a:picLocks noChangeAspect="1"/>
+          </p:cNvPicPr>
+          <p:nvPr/>
+        </p:nvPicPr>
+        <p:blipFill>
+          <a:blip r:embed="rId2"/>
+          <a:stretch>
+            <a:fillRect/>
+          </a:stretch>
+        </p:blipFill>
+        <p:spPr>
+          <a:xfrm>
+            <a:off x="431875" y="4172333"/>
+            <a:ext cx="11328250" cy="2767393"/>
+          </a:xfrm>
+          <a:prstGeom prst="rect">
+            <a:avLst/>
+          </a:prstGeom>
+        </p:spPr>
+      </p:pic>
+      <p:pic>
+        <p:nvPicPr>
+          <p:cNvPr id="5" name="Inhaltsplatzhalter 6"/>
+          <p:cNvPicPr>
+            <a:picLocks noChangeAspect="1"/>
+          </p:cNvPicPr>
+          <p:nvPr/>
+        </p:nvPicPr>
+        <p:blipFill>
+          <a:blip r:embed="rId3" cstate="print">
+            <a:extLst>
+              <a:ext uri="{28A0092B-C50C-407E-A947-70E740481C1C}">
+                <a14:useLocalDpi xmlns:a14="http://schemas.microsoft.com/office/drawing/2010/main" val="0"/>
+              </a:ext>
+            </a:extLst>
+          </a:blip>
+          <a:stretch>
+            <a:fillRect/>
+          </a:stretch>
+        </p:blipFill>
+        <p:spPr>
+          <a:xfrm>
+            <a:off x="26019" y="2044807"/>
+            <a:ext cx="2132565" cy="2114644"/>
+          </a:xfrm>
+          <a:prstGeom prst="rect">
+            <a:avLst/>
+          </a:prstGeom>
+        </p:spPr>
+      </p:pic>
+      <p:pic>
+        <p:nvPicPr>
+          <p:cNvPr id="6" name="Grafik 5"/>
+          <p:cNvPicPr>
+            <a:picLocks noChangeAspect="1"/>
+          </p:cNvPicPr>
+          <p:nvPr/>
+        </p:nvPicPr>
+        <p:blipFill rotWithShape="1">
+          <a:blip r:embed="rId4" cstate="print">
+            <a:extLst>
+              <a:ext uri="{28A0092B-C50C-407E-A947-70E740481C1C}">
+                <a14:useLocalDpi xmlns:a14="http://schemas.microsoft.com/office/drawing/2010/main" val="0"/>
+              </a:ext>
+            </a:extLst>
+          </a:blip>
+          <a:srcRect l="13804" t="5129" b="8461"/>
+          <a:stretch/>
+        </p:blipFill>
+        <p:spPr>
+          <a:xfrm>
+            <a:off x="9881966" y="1928130"/>
+            <a:ext cx="2310033" cy="2244203"/>
+          </a:xfrm>
+          <a:prstGeom prst="rect">
+            <a:avLst/>
+          </a:prstGeom>
+        </p:spPr>
+      </p:pic>
+      <p:sp>
+        <p:nvSpPr>
+          <p:cNvPr id="7" name="Textfeld 6"/>
+          <p:cNvSpPr txBox="1"/>
+          <p:nvPr/>
+        </p:nvSpPr>
+        <p:spPr>
+          <a:xfrm>
+            <a:off x="121015" y="1636915"/>
+            <a:ext cx="2147777" cy="461665"/>
+          </a:xfrm>
+          <a:prstGeom prst="rect">
+            <a:avLst/>
+          </a:prstGeom>
+          <a:noFill/>
+        </p:spPr>
+        <p:txBody>
+          <a:bodyPr wrap="square" rtlCol="0">
+            <a:spAutoFit/>
+          </a:bodyPr>
+          <a:lstStyle/>
+          <a:p>
+            <a:r>
+              <a:rPr lang="en-GB" sz="2400" dirty="0" smtClean="0"/>
+              <a:t>Fourier space</a:t>
+            </a:r>
+            <a:endParaRPr lang="en-GB" sz="2400" dirty="0"/>
+          </a:p>
+        </p:txBody>
+      </p:sp>
+      <p:sp>
+        <p:nvSpPr>
+          <p:cNvPr id="8" name="Textfeld 7"/>
+          <p:cNvSpPr txBox="1"/>
+          <p:nvPr/>
+        </p:nvSpPr>
+        <p:spPr>
+          <a:xfrm>
+            <a:off x="10279911" y="1466465"/>
+            <a:ext cx="2147777" cy="461665"/>
+          </a:xfrm>
+          <a:prstGeom prst="rect">
+            <a:avLst/>
+          </a:prstGeom>
+          <a:noFill/>
+        </p:spPr>
+        <p:txBody>
+          <a:bodyPr wrap="square" rtlCol="0">
+            <a:spAutoFit/>
+          </a:bodyPr>
+          <a:lstStyle/>
+          <a:p>
+            <a:r>
+              <a:rPr lang="en-GB" sz="2400" dirty="0" smtClean="0"/>
+              <a:t>Image space</a:t>
+            </a:r>
+            <a:endParaRPr lang="en-GB" sz="2400" dirty="0"/>
+          </a:p>
+        </p:txBody>
+      </p:sp>
+    </p:spTree>
+    <p:extLst>
+      <p:ext uri="{BB962C8B-B14F-4D97-AF65-F5344CB8AC3E}">
+        <p14:creationId xmlns:p14="http://schemas.microsoft.com/office/powerpoint/2010/main" val="3661638364"/>
+      </p:ext>
+    </p:extLst>
+  </p:cSld>
+  <p:clrMapOvr>
+    <a:masterClrMapping/>
+  </p:clrMapOvr>
+</p:sld>
+</file>
+
+<file path=ppt/slides/slide18.xml><?xml version="1.0" encoding="utf-8"?>
 <p:sld xmlns:a="http://schemas.openxmlformats.org/drawingml/2006/main" xmlns:r="http://schemas.openxmlformats.org/officeDocument/2006/relationships" xmlns:p="http://schemas.openxmlformats.org/presentationml/2006/main">
   <p:cSld>
     <p:spTree>
@@ -6611,7 +7345,7 @@
 </p:sld>
 </file>
 
-<file path=ppt/slides/slide16.xml><?xml version="1.0" encoding="utf-8"?>
+<file path=ppt/slides/slide19.xml><?xml version="1.0" encoding="utf-8"?>
 <p:sld xmlns:a="http://schemas.openxmlformats.org/drawingml/2006/main" xmlns:r="http://schemas.openxmlformats.org/officeDocument/2006/relationships" xmlns:p="http://schemas.openxmlformats.org/presentationml/2006/main">
   <p:cSld>
     <p:bg>
@@ -6736,7 +7470,7 @@
         </p:blipFill>
         <p:spPr>
           <a:xfrm>
-            <a:off x="6685572" y="2133956"/>
+            <a:off x="6636145" y="2133956"/>
             <a:ext cx="3452291" cy="3381950"/>
           </a:xfrm>
           <a:prstGeom prst="rect">
@@ -6905,33 +7639,9 @@
         </p:blipFill>
         <p:spPr>
           <a:xfrm>
-            <a:off x="26018" y="1491916"/>
-            <a:ext cx="3540292" cy="3510542"/>
+            <a:off x="26018" y="2044806"/>
+            <a:ext cx="3434176" cy="3405318"/>
           </a:xfrm>
-        </p:spPr>
-      </p:pic>
-      <p:pic>
-        <p:nvPicPr>
-          <p:cNvPr id="8" name="Grafik 7"/>
-          <p:cNvPicPr>
-            <a:picLocks noChangeAspect="1"/>
-          </p:cNvPicPr>
-          <p:nvPr/>
-        </p:nvPicPr>
-        <p:blipFill>
-          <a:blip r:embed="rId3"/>
-          <a:stretch>
-            <a:fillRect/>
-          </a:stretch>
-        </p:blipFill>
-        <p:spPr>
-          <a:xfrm>
-            <a:off x="157902" y="5002458"/>
-            <a:ext cx="12057982" cy="1855542"/>
-          </a:xfrm>
-          <a:prstGeom prst="rect">
-            <a:avLst/>
-          </a:prstGeom>
         </p:spPr>
       </p:pic>
       <p:pic>
@@ -6943,7 +7653,7 @@
           <p:nvPr/>
         </p:nvPicPr>
         <p:blipFill rotWithShape="1">
-          <a:blip r:embed="rId4">
+          <a:blip r:embed="rId3">
             <a:extLst>
               <a:ext uri="{28A0092B-C50C-407E-A947-70E740481C1C}">
                 <a14:useLocalDpi xmlns:a14="http://schemas.microsoft.com/office/drawing/2010/main" val="0"/>
@@ -6955,14 +7665,98 @@
         </p:blipFill>
         <p:spPr>
           <a:xfrm>
-            <a:off x="8502162" y="1417770"/>
-            <a:ext cx="3689838" cy="3584687"/>
+            <a:off x="8686792" y="1928131"/>
+            <a:ext cx="3505208" cy="3405318"/>
           </a:xfrm>
           <a:prstGeom prst="rect">
             <a:avLst/>
           </a:prstGeom>
         </p:spPr>
       </p:pic>
+      <p:pic>
+        <p:nvPicPr>
+          <p:cNvPr id="3" name="Grafik 2"/>
+          <p:cNvPicPr>
+            <a:picLocks noChangeAspect="1"/>
+          </p:cNvPicPr>
+          <p:nvPr/>
+        </p:nvPicPr>
+        <p:blipFill>
+          <a:blip r:embed="rId4"/>
+          <a:stretch>
+            <a:fillRect/>
+          </a:stretch>
+        </p:blipFill>
+        <p:spPr>
+          <a:xfrm>
+            <a:off x="26018" y="5450124"/>
+            <a:ext cx="11827216" cy="1407876"/>
+          </a:xfrm>
+          <a:prstGeom prst="rect">
+            <a:avLst/>
+          </a:prstGeom>
+        </p:spPr>
+      </p:pic>
+      <p:sp>
+        <p:nvSpPr>
+          <p:cNvPr id="5" name="Textfeld 4"/>
+          <p:cNvSpPr txBox="1"/>
+          <p:nvPr/>
+        </p:nvSpPr>
+        <p:spPr>
+          <a:xfrm>
+            <a:off x="987056" y="1657066"/>
+            <a:ext cx="2147777" cy="461665"/>
+          </a:xfrm>
+          <a:prstGeom prst="rect">
+            <a:avLst/>
+          </a:prstGeom>
+          <a:noFill/>
+        </p:spPr>
+        <p:txBody>
+          <a:bodyPr wrap="square" rtlCol="0">
+            <a:spAutoFit/>
+          </a:bodyPr>
+          <a:lstStyle/>
+          <a:p>
+            <a:r>
+              <a:rPr lang="en-GB" sz="2400" dirty="0" smtClean="0"/>
+              <a:t>Fourier space</a:t>
+            </a:r>
+            <a:endParaRPr lang="en-GB" sz="2400" dirty="0"/>
+          </a:p>
+        </p:txBody>
+      </p:sp>
+      <p:sp>
+        <p:nvSpPr>
+          <p:cNvPr id="9" name="Textfeld 8"/>
+          <p:cNvSpPr txBox="1"/>
+          <p:nvPr/>
+        </p:nvSpPr>
+        <p:spPr>
+          <a:xfrm>
+            <a:off x="9421761" y="1466465"/>
+            <a:ext cx="2147777" cy="461665"/>
+          </a:xfrm>
+          <a:prstGeom prst="rect">
+            <a:avLst/>
+          </a:prstGeom>
+          <a:noFill/>
+        </p:spPr>
+        <p:txBody>
+          <a:bodyPr wrap="square" rtlCol="0">
+            <a:spAutoFit/>
+          </a:bodyPr>
+          <a:lstStyle/>
+          <a:p>
+            <a:r>
+              <a:rPr lang="en-GB" sz="2400" dirty="0" smtClean="0"/>
+              <a:t>Image space</a:t>
+            </a:r>
+            <a:endParaRPr lang="en-GB" sz="2400" dirty="0"/>
+          </a:p>
+        </p:txBody>
+      </p:sp>
     </p:spTree>
     <p:extLst>
       <p:ext uri="{BB962C8B-B14F-4D97-AF65-F5344CB8AC3E}">
@@ -6973,6 +7767,13 @@
   <p:clrMapOvr>
     <a:masterClrMapping/>
   </p:clrMapOvr>
+  <p:timing>
+    <p:tnLst>
+      <p:par>
+        <p:cTn id="1" dur="indefinite" restart="never" nodeType="tmRoot"/>
+      </p:par>
+    </p:tnLst>
+  </p:timing>
 </p:sld>
 </file>
 
@@ -7037,21 +7838,21 @@
       </p:sp>
       <p:graphicFrame>
         <p:nvGraphicFramePr>
-          <p:cNvPr id="7" name="Diagramm 6"/>
+          <p:cNvPr id="5" name="Diagramm 4"/>
           <p:cNvGraphicFramePr>
             <a:graphicFrameLocks/>
           </p:cNvGraphicFramePr>
           <p:nvPr>
             <p:extLst>
               <p:ext uri="{D42A27DB-BD31-4B8C-83A1-F6EECF244321}">
-                <p14:modId xmlns:p14="http://schemas.microsoft.com/office/powerpoint/2010/main" val="4240320917"/>
+                <p14:modId xmlns:p14="http://schemas.microsoft.com/office/powerpoint/2010/main" val="3058477682"/>
               </p:ext>
             </p:extLst>
           </p:nvPr>
         </p:nvGraphicFramePr>
         <p:xfrm>
-          <a:off x="1759743" y="1825625"/>
-          <a:ext cx="8008511" cy="4601552"/>
+          <a:off x="1471182" y="1637181"/>
+          <a:ext cx="8572227" cy="4728225"/>
         </p:xfrm>
         <a:graphic>
           <a:graphicData uri="http://schemas.openxmlformats.org/drawingml/2006/chart">
@@ -7069,6 +7870,13 @@
   <p:clrMapOvr>
     <a:masterClrMapping/>
   </p:clrMapOvr>
+  <p:timing>
+    <p:tnLst>
+      <p:par>
+        <p:cTn id="1" dur="indefinite" restart="never" nodeType="tmRoot"/>
+      </p:par>
+    </p:tnLst>
+  </p:timing>
 </p:sld>
 </file>
 
@@ -7106,7 +7914,7 @@
           <a:p>
             <a:r>
               <a:rPr lang="en-GB" dirty="0" smtClean="0"/>
-              <a:t>Distributed Gridding and Deconvolution</a:t>
+              <a:t>Distributed gridding and deconvolution</a:t>
             </a:r>
             <a:endParaRPr lang="en-GB" dirty="0"/>
           </a:p>
@@ -7124,8 +7932,16 @@
         </p:nvSpPr>
         <p:spPr/>
         <p:txBody>
-          <a:bodyPr/>
-          <a:lstStyle/>
+          <a:bodyPr>
+            <a:normAutofit/>
+          </a:bodyPr>
+          <a:lstStyle/>
+          <a:p>
+            <a:r>
+              <a:rPr lang="en-GB" dirty="0" smtClean="0"/>
+              <a:t>Hardware: 4 Linux nodes, 1 CPU each</a:t>
+            </a:r>
+          </a:p>
           <a:p>
             <a:r>
               <a:rPr lang="en-GB" dirty="0" smtClean="0"/>
@@ -7137,28 +7953,35 @@
             </a:r>
             <a:r>
               <a:rPr lang="en-GB" dirty="0" smtClean="0"/>
-              <a:t> (C#) </a:t>
+              <a:t> (C#)</a:t>
             </a:r>
           </a:p>
           <a:p>
             <a:r>
               <a:rPr lang="en-GB" dirty="0" smtClean="0"/>
-              <a:t>MPI for node-communication</a:t>
+              <a:t>MPI for node communication</a:t>
             </a:r>
           </a:p>
           <a:p>
             <a:r>
               <a:rPr lang="en-GB" dirty="0" smtClean="0"/>
-              <a:t>Tested speedup on 1GB real-world </a:t>
-            </a:r>
-            <a:r>
-              <a:rPr lang="en-GB" dirty="0" err="1" smtClean="0"/>
+              <a:t>Tested </a:t>
+            </a:r>
+            <a:r>
+              <a:rPr lang="en-GB" dirty="0"/>
+              <a:t>speedup on 1GB real-world </a:t>
+            </a:r>
+            <a:r>
+              <a:rPr lang="en-GB" dirty="0" err="1"/>
               <a:t>MeerKAT</a:t>
             </a:r>
             <a:r>
-              <a:rPr lang="en-GB" dirty="0" smtClean="0"/>
+              <a:rPr lang="en-GB" dirty="0"/>
               <a:t> observation</a:t>
             </a:r>
+          </a:p>
+          <a:p>
+            <a:endParaRPr lang="en-GB" dirty="0" smtClean="0"/>
           </a:p>
           <a:p>
             <a:endParaRPr lang="en-GB" dirty="0" smtClean="0"/>
@@ -7188,6 +8011,13 @@
   <p:clrMapOvr>
     <a:masterClrMapping/>
   </p:clrMapOvr>
+  <p:timing>
+    <p:tnLst>
+      <p:par>
+        <p:cTn id="1" dur="indefinite" restart="never" nodeType="tmRoot"/>
+      </p:par>
+    </p:tnLst>
+  </p:timing>
 </p:sld>
 </file>
 
@@ -7208,38 +8038,13 @@
           <a:chExt cx="0" cy="0"/>
         </a:xfrm>
       </p:grpSpPr>
-      <p:sp>
-        <p:nvSpPr>
-          <p:cNvPr id="2" name="Titel 1"/>
-          <p:cNvSpPr>
-            <a:spLocks noGrp="1"/>
-          </p:cNvSpPr>
-          <p:nvPr>
-            <p:ph type="title"/>
-          </p:nvPr>
-        </p:nvSpPr>
-        <p:spPr/>
-        <p:txBody>
-          <a:bodyPr/>
-          <a:lstStyle/>
-          <a:p>
-            <a:r>
-              <a:rPr lang="en-GB" dirty="0" smtClean="0"/>
-              <a:t>Image Domain Gridding (IDG)</a:t>
-            </a:r>
-            <a:endParaRPr lang="en-GB" dirty="0"/>
-          </a:p>
-        </p:txBody>
-      </p:sp>
       <p:pic>
         <p:nvPicPr>
-          <p:cNvPr id="6" name="Inhaltsplatzhalter 5"/>
+          <p:cNvPr id="29" name="Grafik 28"/>
           <p:cNvPicPr>
-            <a:picLocks noGrp="1" noChangeAspect="1"/>
+            <a:picLocks noChangeAspect="1"/>
           </p:cNvPicPr>
-          <p:nvPr>
-            <p:ph idx="1"/>
-          </p:nvPr>
+          <p:nvPr/>
         </p:nvPicPr>
         <p:blipFill>
           <a:blip r:embed="rId2">
@@ -7255,11 +8060,379 @@
         </p:blipFill>
         <p:spPr>
           <a:xfrm>
-            <a:off x="1562052" y="1364315"/>
-            <a:ext cx="9067896" cy="5289607"/>
+            <a:off x="5660366" y="1950613"/>
+            <a:ext cx="4907387" cy="4907387"/>
+          </a:xfrm>
+          <a:prstGeom prst="rect">
+            <a:avLst/>
+          </a:prstGeom>
+        </p:spPr>
+      </p:pic>
+      <p:sp>
+        <p:nvSpPr>
+          <p:cNvPr id="2" name="Titel 1"/>
+          <p:cNvSpPr>
+            <a:spLocks noGrp="1"/>
+          </p:cNvSpPr>
+          <p:nvPr>
+            <p:ph type="title"/>
+          </p:nvPr>
+        </p:nvSpPr>
+        <p:spPr/>
+        <p:txBody>
+          <a:bodyPr/>
+          <a:lstStyle/>
+          <a:p>
+            <a:r>
+              <a:rPr lang="en-GB" dirty="0" smtClean="0"/>
+              <a:t>Image Domain Gridding (IDG)</a:t>
+            </a:r>
+            <a:endParaRPr lang="en-GB" dirty="0"/>
+          </a:p>
+        </p:txBody>
+      </p:sp>
+      <p:sp>
+        <p:nvSpPr>
+          <p:cNvPr id="4" name="Inhaltsplatzhalter 3"/>
+          <p:cNvSpPr>
+            <a:spLocks noGrp="1"/>
+          </p:cNvSpPr>
+          <p:nvPr>
+            <p:ph idx="1"/>
+          </p:nvPr>
+        </p:nvSpPr>
+        <p:spPr>
+          <a:xfrm>
+            <a:off x="838201" y="1825625"/>
+            <a:ext cx="4498298" cy="4351338"/>
           </a:xfrm>
         </p:spPr>
-      </p:pic>
+        <p:txBody>
+          <a:bodyPr>
+            <a:normAutofit/>
+          </a:bodyPr>
+          <a:lstStyle/>
+          <a:p>
+            <a:r>
+              <a:rPr lang="en-GB" sz="2000" dirty="0" err="1"/>
+              <a:t>Veenboer</a:t>
+            </a:r>
+            <a:r>
+              <a:rPr lang="en-GB" sz="2000" dirty="0"/>
+              <a:t>, Bram, Matthias </a:t>
+            </a:r>
+            <a:r>
+              <a:rPr lang="en-GB" sz="2000" dirty="0" err="1"/>
+              <a:t>Petschow</a:t>
+            </a:r>
+            <a:r>
+              <a:rPr lang="en-GB" sz="2000" dirty="0"/>
+              <a:t>, and John W. </a:t>
+            </a:r>
+            <a:r>
+              <a:rPr lang="en-GB" sz="2000" dirty="0" err="1"/>
+              <a:t>Romein</a:t>
+            </a:r>
+            <a:r>
+              <a:rPr lang="en-GB" sz="2000" dirty="0"/>
+              <a:t>. "Image-Domain gridding on graphics processors." </a:t>
+            </a:r>
+            <a:r>
+              <a:rPr lang="en-GB" sz="2000" i="1" dirty="0">
+                <a:solidFill>
+                  <a:schemeClr val="bg1">
+                    <a:lumMod val="50000"/>
+                  </a:schemeClr>
+                </a:solidFill>
+              </a:rPr>
+              <a:t>2017 IEEE International Parallel and Distributed Processing Symposium (IPDPS)</a:t>
+            </a:r>
+            <a:r>
+              <a:rPr lang="en-GB" sz="2000" dirty="0">
+                <a:solidFill>
+                  <a:schemeClr val="bg1">
+                    <a:lumMod val="50000"/>
+                  </a:schemeClr>
+                </a:solidFill>
+              </a:rPr>
+              <a:t>. IEEE, 2017</a:t>
+            </a:r>
+            <a:r>
+              <a:rPr lang="en-GB" sz="2000" dirty="0" smtClean="0">
+                <a:solidFill>
+                  <a:schemeClr val="bg1">
+                    <a:lumMod val="50000"/>
+                  </a:schemeClr>
+                </a:solidFill>
+              </a:rPr>
+              <a:t>.</a:t>
+            </a:r>
+          </a:p>
+          <a:p>
+            <a:r>
+              <a:rPr lang="en-GB" sz="2000" dirty="0" smtClean="0"/>
+              <a:t>GPU implementations exist</a:t>
+            </a:r>
+          </a:p>
+          <a:p>
+            <a:r>
+              <a:rPr lang="en-GB" sz="2000" dirty="0" smtClean="0"/>
+              <a:t>.</a:t>
+            </a:r>
+            <a:r>
+              <a:rPr lang="en-GB" sz="2000" dirty="0" err="1" smtClean="0"/>
+              <a:t>netcore</a:t>
+            </a:r>
+            <a:r>
+              <a:rPr lang="en-GB" sz="2000" dirty="0" smtClean="0"/>
+              <a:t> so far uses the CPU</a:t>
+            </a:r>
+            <a:endParaRPr lang="en-GB" sz="2000" dirty="0"/>
+          </a:p>
+        </p:txBody>
+      </p:sp>
+      <p:sp>
+        <p:nvSpPr>
+          <p:cNvPr id="8" name="Textfeld 7"/>
+          <p:cNvSpPr txBox="1"/>
+          <p:nvPr/>
+        </p:nvSpPr>
+        <p:spPr>
+          <a:xfrm>
+            <a:off x="7166714" y="1575742"/>
+            <a:ext cx="1868710" cy="461665"/>
+          </a:xfrm>
+          <a:prstGeom prst="rect">
+            <a:avLst/>
+          </a:prstGeom>
+          <a:noFill/>
+        </p:spPr>
+        <p:txBody>
+          <a:bodyPr wrap="square" rtlCol="0">
+            <a:spAutoFit/>
+          </a:bodyPr>
+          <a:lstStyle/>
+          <a:p>
+            <a:r>
+              <a:rPr lang="en-GB" sz="2400" dirty="0" smtClean="0"/>
+              <a:t>uniform grid</a:t>
+            </a:r>
+            <a:endParaRPr lang="en-GB" sz="2400" dirty="0"/>
+          </a:p>
+        </p:txBody>
+      </p:sp>
+      <p:sp>
+        <p:nvSpPr>
+          <p:cNvPr id="9" name="Textfeld 8"/>
+          <p:cNvSpPr txBox="1"/>
+          <p:nvPr/>
+        </p:nvSpPr>
+        <p:spPr>
+          <a:xfrm>
+            <a:off x="10627497" y="4173244"/>
+            <a:ext cx="1383527" cy="461665"/>
+          </a:xfrm>
+          <a:prstGeom prst="rect">
+            <a:avLst/>
+          </a:prstGeom>
+          <a:noFill/>
+        </p:spPr>
+        <p:txBody>
+          <a:bodyPr wrap="square" rtlCol="0">
+            <a:spAutoFit/>
+          </a:bodyPr>
+          <a:lstStyle/>
+          <a:p>
+            <a:r>
+              <a:rPr lang="en-GB" sz="2400" dirty="0" err="1" smtClean="0"/>
+              <a:t>subgrids</a:t>
+            </a:r>
+            <a:endParaRPr lang="en-GB" sz="2400" dirty="0"/>
+          </a:p>
+        </p:txBody>
+      </p:sp>
+      <p:cxnSp>
+        <p:nvCxnSpPr>
+          <p:cNvPr id="11" name="Gerade Verbindung mit Pfeil 10"/>
+          <p:cNvCxnSpPr>
+            <a:stCxn id="9" idx="1"/>
+          </p:cNvCxnSpPr>
+          <p:nvPr/>
+        </p:nvCxnSpPr>
+        <p:spPr>
+          <a:xfrm flipH="1" flipV="1">
+            <a:off x="9705975" y="4267200"/>
+            <a:ext cx="921522" cy="136877"/>
+          </a:xfrm>
+          <a:prstGeom prst="straightConnector1">
+            <a:avLst/>
+          </a:prstGeom>
+          <a:ln w="63500">
+            <a:solidFill>
+              <a:schemeClr val="accent1"/>
+            </a:solidFill>
+            <a:tailEnd type="triangle"/>
+          </a:ln>
+        </p:spPr>
+        <p:style>
+          <a:lnRef idx="1">
+            <a:schemeClr val="accent1"/>
+          </a:lnRef>
+          <a:fillRef idx="0">
+            <a:schemeClr val="accent1"/>
+          </a:fillRef>
+          <a:effectRef idx="0">
+            <a:schemeClr val="accent1"/>
+          </a:effectRef>
+          <a:fontRef idx="minor">
+            <a:schemeClr val="tx1"/>
+          </a:fontRef>
+        </p:style>
+      </p:cxnSp>
+      <p:cxnSp>
+        <p:nvCxnSpPr>
+          <p:cNvPr id="12" name="Gerade Verbindung mit Pfeil 11"/>
+          <p:cNvCxnSpPr>
+            <a:stCxn id="9" idx="1"/>
+          </p:cNvCxnSpPr>
+          <p:nvPr/>
+        </p:nvCxnSpPr>
+        <p:spPr>
+          <a:xfrm flipH="1">
+            <a:off x="9591675" y="4404077"/>
+            <a:ext cx="1035822" cy="468488"/>
+          </a:xfrm>
+          <a:prstGeom prst="straightConnector1">
+            <a:avLst/>
+          </a:prstGeom>
+          <a:ln w="63500">
+            <a:solidFill>
+              <a:schemeClr val="accent1"/>
+            </a:solidFill>
+            <a:tailEnd type="triangle"/>
+          </a:ln>
+        </p:spPr>
+        <p:style>
+          <a:lnRef idx="1">
+            <a:schemeClr val="accent1"/>
+          </a:lnRef>
+          <a:fillRef idx="0">
+            <a:schemeClr val="accent1"/>
+          </a:fillRef>
+          <a:effectRef idx="0">
+            <a:schemeClr val="accent1"/>
+          </a:effectRef>
+          <a:fontRef idx="minor">
+            <a:schemeClr val="tx1"/>
+          </a:fontRef>
+        </p:style>
+      </p:cxnSp>
+      <p:cxnSp>
+        <p:nvCxnSpPr>
+          <p:cNvPr id="15" name="Gerade Verbindung mit Pfeil 14"/>
+          <p:cNvCxnSpPr>
+            <a:stCxn id="9" idx="1"/>
+          </p:cNvCxnSpPr>
+          <p:nvPr/>
+        </p:nvCxnSpPr>
+        <p:spPr>
+          <a:xfrm flipH="1" flipV="1">
+            <a:off x="9505950" y="3381375"/>
+            <a:ext cx="1121547" cy="1022702"/>
+          </a:xfrm>
+          <a:prstGeom prst="straightConnector1">
+            <a:avLst/>
+          </a:prstGeom>
+          <a:ln w="63500">
+            <a:solidFill>
+              <a:schemeClr val="accent1"/>
+            </a:solidFill>
+            <a:tailEnd type="triangle"/>
+          </a:ln>
+        </p:spPr>
+        <p:style>
+          <a:lnRef idx="1">
+            <a:schemeClr val="accent1"/>
+          </a:lnRef>
+          <a:fillRef idx="0">
+            <a:schemeClr val="accent1"/>
+          </a:fillRef>
+          <a:effectRef idx="0">
+            <a:schemeClr val="accent1"/>
+          </a:effectRef>
+          <a:fontRef idx="minor">
+            <a:schemeClr val="tx1"/>
+          </a:fontRef>
+        </p:style>
+      </p:cxnSp>
+      <p:sp>
+        <p:nvSpPr>
+          <p:cNvPr id="30" name="Textfeld 29"/>
+          <p:cNvSpPr txBox="1"/>
+          <p:nvPr/>
+        </p:nvSpPr>
+        <p:spPr>
+          <a:xfrm>
+            <a:off x="4244015" y="4173244"/>
+            <a:ext cx="1444926" cy="461665"/>
+          </a:xfrm>
+          <a:prstGeom prst="rect">
+            <a:avLst/>
+          </a:prstGeom>
+          <a:noFill/>
+        </p:spPr>
+        <p:txBody>
+          <a:bodyPr wrap="square" rtlCol="0">
+            <a:spAutoFit/>
+          </a:bodyPr>
+          <a:lstStyle/>
+          <a:p>
+            <a:r>
+              <a:rPr lang="en-GB" sz="2400" dirty="0" smtClean="0"/>
+              <a:t>visibilities</a:t>
+            </a:r>
+            <a:endParaRPr lang="en-GB" sz="2400" dirty="0"/>
+          </a:p>
+        </p:txBody>
+      </p:sp>
+      <p:cxnSp>
+        <p:nvCxnSpPr>
+          <p:cNvPr id="31" name="Gerade Verbindung mit Pfeil 30"/>
+          <p:cNvCxnSpPr>
+            <a:stCxn id="29" idx="1"/>
+          </p:cNvCxnSpPr>
+          <p:nvPr/>
+        </p:nvCxnSpPr>
+        <p:spPr>
+          <a:xfrm flipV="1">
+            <a:off x="5660366" y="3620590"/>
+            <a:ext cx="1450903" cy="783717"/>
+          </a:xfrm>
+          <a:prstGeom prst="straightConnector1">
+            <a:avLst/>
+          </a:prstGeom>
+          <a:ln w="63500">
+            <a:solidFill>
+              <a:schemeClr val="accent1"/>
+            </a:solidFill>
+            <a:tailEnd type="triangle"/>
+          </a:ln>
+        </p:spPr>
+        <p:style>
+          <a:lnRef idx="1">
+            <a:schemeClr val="accent1"/>
+          </a:lnRef>
+          <a:fillRef idx="0">
+            <a:schemeClr val="accent1"/>
+          </a:fillRef>
+          <a:effectRef idx="0">
+            <a:schemeClr val="accent1"/>
+          </a:effectRef>
+          <a:fontRef idx="minor">
+            <a:schemeClr val="tx1"/>
+          </a:fontRef>
+        </p:style>
+      </p:cxnSp>
     </p:spTree>
     <p:extLst>
       <p:ext uri="{BB962C8B-B14F-4D97-AF65-F5344CB8AC3E}">
@@ -7270,6 +8443,13 @@
   <p:clrMapOvr>
     <a:masterClrMapping/>
   </p:clrMapOvr>
+  <p:timing>
+    <p:tnLst>
+      <p:par>
+        <p:cTn id="1" dur="indefinite" restart="never" nodeType="tmRoot"/>
+      </p:par>
+    </p:tnLst>
+  </p:timing>
 </p:sld>
 </file>
 
@@ -7290,156 +8470,6 @@
           <a:chExt cx="0" cy="0"/>
         </a:xfrm>
       </p:grpSpPr>
-      <p:sp>
-        <p:nvSpPr>
-          <p:cNvPr id="2" name="Titel 1"/>
-          <p:cNvSpPr>
-            <a:spLocks noGrp="1"/>
-          </p:cNvSpPr>
-          <p:nvPr>
-            <p:ph type="title"/>
-          </p:nvPr>
-        </p:nvSpPr>
-        <p:spPr/>
-        <p:txBody>
-          <a:bodyPr/>
-          <a:lstStyle/>
-          <a:p>
-            <a:r>
-              <a:rPr lang="en-GB" dirty="0" smtClean="0"/>
-              <a:t>Distributed gridding</a:t>
-            </a:r>
-            <a:endParaRPr lang="en-GB" dirty="0"/>
-          </a:p>
-        </p:txBody>
-      </p:sp>
-      <p:sp>
-        <p:nvSpPr>
-          <p:cNvPr id="3" name="Inhaltsplatzhalter 2"/>
-          <p:cNvSpPr>
-            <a:spLocks noGrp="1"/>
-          </p:cNvSpPr>
-          <p:nvPr>
-            <p:ph idx="1"/>
-          </p:nvPr>
-        </p:nvSpPr>
-        <p:spPr/>
-        <p:txBody>
-          <a:bodyPr/>
-          <a:lstStyle/>
-          <a:p>
-            <a:endParaRPr lang="en-GB" dirty="0"/>
-          </a:p>
-        </p:txBody>
-      </p:sp>
-      <p:sp>
-        <p:nvSpPr>
-          <p:cNvPr id="6" name="Textfeld 5"/>
-          <p:cNvSpPr txBox="1"/>
-          <p:nvPr/>
-        </p:nvSpPr>
-        <p:spPr>
-          <a:xfrm>
-            <a:off x="6409130" y="5011771"/>
-            <a:ext cx="1934769" cy="461665"/>
-          </a:xfrm>
-          <a:prstGeom prst="rect">
-            <a:avLst/>
-          </a:prstGeom>
-          <a:noFill/>
-        </p:spPr>
-        <p:txBody>
-          <a:bodyPr wrap="square" rtlCol="0">
-            <a:spAutoFit/>
-          </a:bodyPr>
-          <a:lstStyle/>
-          <a:p>
-            <a:r>
-              <a:rPr lang="en-GB" sz="2400" dirty="0" err="1" smtClean="0"/>
-              <a:t>MPI_Reduce</a:t>
-            </a:r>
-            <a:endParaRPr lang="en-GB" sz="2000" dirty="0"/>
-          </a:p>
-        </p:txBody>
-      </p:sp>
-      <p:sp>
-        <p:nvSpPr>
-          <p:cNvPr id="7" name="Textfeld 6"/>
-          <p:cNvSpPr txBox="1"/>
-          <p:nvPr/>
-        </p:nvSpPr>
-        <p:spPr>
-          <a:xfrm>
-            <a:off x="2922441" y="5692185"/>
-            <a:ext cx="1604210" cy="461665"/>
-          </a:xfrm>
-          <a:prstGeom prst="rect">
-            <a:avLst/>
-          </a:prstGeom>
-          <a:noFill/>
-        </p:spPr>
-        <p:txBody>
-          <a:bodyPr wrap="square" rtlCol="0">
-            <a:spAutoFit/>
-          </a:bodyPr>
-          <a:lstStyle/>
-          <a:p>
-            <a:r>
-              <a:rPr lang="en-GB" sz="2000" dirty="0" smtClean="0"/>
-              <a:t>~</a:t>
-            </a:r>
-            <a:r>
-              <a:rPr lang="en-GB" sz="2400" dirty="0" smtClean="0"/>
-              <a:t>1000</a:t>
-            </a:r>
-            <a:r>
-              <a:rPr lang="en-GB" sz="2000" dirty="0" smtClean="0"/>
-              <a:t> </a:t>
-            </a:r>
-            <a:r>
-              <a:rPr lang="en-GB" sz="2400" dirty="0" smtClean="0"/>
-              <a:t>MB</a:t>
-            </a:r>
-            <a:endParaRPr lang="en-GB" sz="2400" dirty="0"/>
-          </a:p>
-        </p:txBody>
-      </p:sp>
-      <p:sp>
-        <p:nvSpPr>
-          <p:cNvPr id="8" name="Textfeld 7"/>
-          <p:cNvSpPr txBox="1"/>
-          <p:nvPr/>
-        </p:nvSpPr>
-        <p:spPr>
-          <a:xfrm>
-            <a:off x="6409131" y="5692185"/>
-            <a:ext cx="2260084" cy="830997"/>
-          </a:xfrm>
-          <a:prstGeom prst="rect">
-            <a:avLst/>
-          </a:prstGeom>
-          <a:noFill/>
-        </p:spPr>
-        <p:txBody>
-          <a:bodyPr wrap="square" rtlCol="0">
-            <a:spAutoFit/>
-          </a:bodyPr>
-          <a:lstStyle/>
-          <a:p>
-            <a:r>
-              <a:rPr lang="en-GB" sz="2400" dirty="0" smtClean="0"/>
-              <a:t>Grid 1024 *1024</a:t>
-            </a:r>
-          </a:p>
-          <a:p>
-            <a:r>
-              <a:rPr lang="en-GB" sz="2400" dirty="0" smtClean="0"/>
-              <a:t>~8 MB</a:t>
-            </a:r>
-            <a:endParaRPr lang="en-GB" sz="2400" dirty="0"/>
-          </a:p>
-        </p:txBody>
-      </p:sp>
       <p:pic>
         <p:nvPicPr>
           <p:cNvPr id="9" name="Grafik 8"/>
@@ -7455,8 +8485,258 @@
         </p:blipFill>
         <p:spPr>
           <a:xfrm>
-            <a:off x="2523392" y="1577546"/>
-            <a:ext cx="8019102" cy="3389103"/>
+            <a:off x="304662" y="1479405"/>
+            <a:ext cx="11380108" cy="4809561"/>
+          </a:xfrm>
+          <a:prstGeom prst="rect">
+            <a:avLst/>
+          </a:prstGeom>
+        </p:spPr>
+      </p:pic>
+      <p:sp>
+        <p:nvSpPr>
+          <p:cNvPr id="2" name="Titel 1"/>
+          <p:cNvSpPr>
+            <a:spLocks noGrp="1"/>
+          </p:cNvSpPr>
+          <p:nvPr>
+            <p:ph type="title"/>
+          </p:nvPr>
+        </p:nvSpPr>
+        <p:spPr/>
+        <p:txBody>
+          <a:bodyPr/>
+          <a:lstStyle/>
+          <a:p>
+            <a:r>
+              <a:rPr lang="en-GB" dirty="0" smtClean="0"/>
+              <a:t>Distributed gridding</a:t>
+            </a:r>
+            <a:endParaRPr lang="en-GB" dirty="0"/>
+          </a:p>
+        </p:txBody>
+      </p:sp>
+      <p:pic>
+        <p:nvPicPr>
+          <p:cNvPr id="4" name="Inhaltsplatzhalter 3"/>
+          <p:cNvPicPr>
+            <a:picLocks noGrp="1" noChangeAspect="1"/>
+          </p:cNvPicPr>
+          <p:nvPr>
+            <p:ph idx="1"/>
+          </p:nvPr>
+        </p:nvPicPr>
+        <p:blipFill>
+          <a:blip r:embed="rId3" cstate="print">
+            <a:extLst>
+              <a:ext uri="{28A0092B-C50C-407E-A947-70E740481C1C}">
+                <a14:useLocalDpi xmlns:a14="http://schemas.microsoft.com/office/drawing/2010/main" val="0"/>
+              </a:ext>
+            </a:extLst>
+          </a:blip>
+          <a:stretch>
+            <a:fillRect/>
+          </a:stretch>
+        </p:blipFill>
+        <p:spPr>
+          <a:xfrm>
+            <a:off x="5249365" y="1737745"/>
+            <a:ext cx="712993" cy="712993"/>
+          </a:xfrm>
+        </p:spPr>
+      </p:pic>
+      <p:sp>
+        <p:nvSpPr>
+          <p:cNvPr id="6" name="Textfeld 5"/>
+          <p:cNvSpPr txBox="1"/>
+          <p:nvPr/>
+        </p:nvSpPr>
+        <p:spPr>
+          <a:xfrm>
+            <a:off x="6295064" y="5466266"/>
+            <a:ext cx="1934769" cy="461665"/>
+          </a:xfrm>
+          <a:prstGeom prst="rect">
+            <a:avLst/>
+          </a:prstGeom>
+          <a:noFill/>
+        </p:spPr>
+        <p:txBody>
+          <a:bodyPr wrap="square" rtlCol="0">
+            <a:spAutoFit/>
+          </a:bodyPr>
+          <a:lstStyle/>
+          <a:p>
+            <a:r>
+              <a:rPr lang="en-GB" sz="2400" dirty="0" err="1" smtClean="0"/>
+              <a:t>MPI_Reduce</a:t>
+            </a:r>
+            <a:endParaRPr lang="en-GB" sz="2000" dirty="0"/>
+          </a:p>
+        </p:txBody>
+      </p:sp>
+      <p:sp>
+        <p:nvSpPr>
+          <p:cNvPr id="7" name="Textfeld 6"/>
+          <p:cNvSpPr txBox="1"/>
+          <p:nvPr/>
+        </p:nvSpPr>
+        <p:spPr>
+          <a:xfrm>
+            <a:off x="1000783" y="6021279"/>
+            <a:ext cx="1604210" cy="461665"/>
+          </a:xfrm>
+          <a:prstGeom prst="rect">
+            <a:avLst/>
+          </a:prstGeom>
+          <a:noFill/>
+        </p:spPr>
+        <p:txBody>
+          <a:bodyPr wrap="square" rtlCol="0">
+            <a:spAutoFit/>
+          </a:bodyPr>
+          <a:lstStyle/>
+          <a:p>
+            <a:r>
+              <a:rPr lang="en-GB" sz="2000" dirty="0" smtClean="0"/>
+              <a:t>~</a:t>
+            </a:r>
+            <a:r>
+              <a:rPr lang="en-GB" sz="2400" dirty="0" smtClean="0"/>
+              <a:t>1000</a:t>
+            </a:r>
+            <a:r>
+              <a:rPr lang="en-GB" sz="2000" dirty="0" smtClean="0"/>
+              <a:t> </a:t>
+            </a:r>
+            <a:r>
+              <a:rPr lang="en-GB" sz="2400" dirty="0" smtClean="0"/>
+              <a:t>MB</a:t>
+            </a:r>
+            <a:endParaRPr lang="en-GB" sz="2400" dirty="0"/>
+          </a:p>
+        </p:txBody>
+      </p:sp>
+      <p:sp>
+        <p:nvSpPr>
+          <p:cNvPr id="8" name="Textfeld 7"/>
+          <p:cNvSpPr txBox="1"/>
+          <p:nvPr/>
+        </p:nvSpPr>
+        <p:spPr>
+          <a:xfrm>
+            <a:off x="6246472" y="5848019"/>
+            <a:ext cx="2260084" cy="830997"/>
+          </a:xfrm>
+          <a:prstGeom prst="rect">
+            <a:avLst/>
+          </a:prstGeom>
+          <a:noFill/>
+        </p:spPr>
+        <p:txBody>
+          <a:bodyPr wrap="square" rtlCol="0">
+            <a:spAutoFit/>
+          </a:bodyPr>
+          <a:lstStyle/>
+          <a:p>
+            <a:r>
+              <a:rPr lang="en-GB" sz="2400" dirty="0" smtClean="0"/>
+              <a:t>Grid 1024 *1024</a:t>
+            </a:r>
+          </a:p>
+          <a:p>
+            <a:r>
+              <a:rPr lang="en-GB" sz="2400" dirty="0" smtClean="0"/>
+              <a:t>~8 MB</a:t>
+            </a:r>
+            <a:endParaRPr lang="en-GB" sz="2400" dirty="0"/>
+          </a:p>
+        </p:txBody>
+      </p:sp>
+      <p:pic>
+        <p:nvPicPr>
+          <p:cNvPr id="11" name="Inhaltsplatzhalter 3"/>
+          <p:cNvPicPr>
+            <a:picLocks noChangeAspect="1"/>
+          </p:cNvPicPr>
+          <p:nvPr/>
+        </p:nvPicPr>
+        <p:blipFill>
+          <a:blip r:embed="rId3" cstate="print">
+            <a:extLst>
+              <a:ext uri="{28A0092B-C50C-407E-A947-70E740481C1C}">
+                <a14:useLocalDpi xmlns:a14="http://schemas.microsoft.com/office/drawing/2010/main" val="0"/>
+              </a:ext>
+            </a:extLst>
+          </a:blip>
+          <a:stretch>
+            <a:fillRect/>
+          </a:stretch>
+        </p:blipFill>
+        <p:spPr>
+          <a:xfrm rot="5400000">
+            <a:off x="5249364" y="2920337"/>
+            <a:ext cx="712993" cy="712993"/>
+          </a:xfrm>
+          <a:prstGeom prst="rect">
+            <a:avLst/>
+          </a:prstGeom>
+        </p:spPr>
+      </p:pic>
+      <p:pic>
+        <p:nvPicPr>
+          <p:cNvPr id="13" name="Inhaltsplatzhalter 3"/>
+          <p:cNvPicPr>
+            <a:picLocks noChangeAspect="1"/>
+          </p:cNvPicPr>
+          <p:nvPr/>
+        </p:nvPicPr>
+        <p:blipFill>
+          <a:blip r:embed="rId3" cstate="print">
+            <a:extLst>
+              <a:ext uri="{28A0092B-C50C-407E-A947-70E740481C1C}">
+                <a14:useLocalDpi xmlns:a14="http://schemas.microsoft.com/office/drawing/2010/main" val="0"/>
+              </a:ext>
+            </a:extLst>
+          </a:blip>
+          <a:stretch>
+            <a:fillRect/>
+          </a:stretch>
+        </p:blipFill>
+        <p:spPr>
+          <a:xfrm rot="16200000" flipH="1">
+            <a:off x="5249364" y="4034617"/>
+            <a:ext cx="712993" cy="712993"/>
+          </a:xfrm>
+          <a:prstGeom prst="rect">
+            <a:avLst/>
+          </a:prstGeom>
+        </p:spPr>
+      </p:pic>
+      <p:pic>
+        <p:nvPicPr>
+          <p:cNvPr id="14" name="Inhaltsplatzhalter 3"/>
+          <p:cNvPicPr>
+            <a:picLocks noChangeAspect="1"/>
+          </p:cNvPicPr>
+          <p:nvPr/>
+        </p:nvPicPr>
+        <p:blipFill>
+          <a:blip r:embed="rId3" cstate="print">
+            <a:extLst>
+              <a:ext uri="{28A0092B-C50C-407E-A947-70E740481C1C}">
+                <a14:useLocalDpi xmlns:a14="http://schemas.microsoft.com/office/drawing/2010/main" val="0"/>
+              </a:ext>
+            </a:extLst>
+          </a:blip>
+          <a:stretch>
+            <a:fillRect/>
+          </a:stretch>
+        </p:blipFill>
+        <p:spPr>
+          <a:xfrm flipV="1">
+            <a:off x="5281723" y="5218971"/>
+            <a:ext cx="712993" cy="712993"/>
           </a:xfrm>
           <a:prstGeom prst="rect">
             <a:avLst/>
@@ -7473,6 +8753,13 @@
   <p:clrMapOvr>
     <a:masterClrMapping/>
   </p:clrMapOvr>
+  <p:timing>
+    <p:tnLst>
+      <p:par>
+        <p:cTn id="1" dur="indefinite" restart="never" nodeType="tmRoot"/>
+      </p:par>
+    </p:tnLst>
+  </p:timing>
 </p:sld>
 </file>
 
@@ -7569,6 +8856,13 @@
   <p:clrMapOvr>
     <a:masterClrMapping/>
   </p:clrMapOvr>
+  <p:timing>
+    <p:tnLst>
+      <p:par>
+        <p:cTn id="1" dur="indefinite" restart="never" nodeType="tmRoot"/>
+      </p:par>
+    </p:tnLst>
+  </p:timing>
 </p:sld>
 </file>
 
@@ -7732,72 +9026,237 @@
             <p:ph type="title"/>
           </p:nvPr>
         </p:nvSpPr>
+        <p:spPr>
+          <a:xfrm>
+            <a:off x="561753" y="500062"/>
+            <a:ext cx="10515600" cy="1325563"/>
+          </a:xfrm>
+        </p:spPr>
+        <p:txBody>
+          <a:bodyPr/>
+          <a:lstStyle/>
+          <a:p>
+            <a:r>
+              <a:rPr lang="en-GB" dirty="0" smtClean="0"/>
+              <a:t>Distributed algorithms</a:t>
+            </a:r>
+            <a:endParaRPr lang="en-GB" dirty="0"/>
+          </a:p>
+        </p:txBody>
+      </p:sp>
+      <p:sp>
+        <p:nvSpPr>
+          <p:cNvPr id="3" name="Inhaltsplatzhalter 2"/>
+          <p:cNvSpPr>
+            <a:spLocks noGrp="1"/>
+          </p:cNvSpPr>
+          <p:nvPr>
+            <p:ph idx="1"/>
+          </p:nvPr>
+        </p:nvSpPr>
         <p:spPr/>
         <p:txBody>
-          <a:bodyPr/>
-          <a:lstStyle/>
-          <a:p>
+          <a:bodyPr>
+            <a:normAutofit fontScale="85000" lnSpcReduction="20000"/>
+          </a:bodyPr>
+          <a:lstStyle/>
+          <a:p>
+            <a:r>
+              <a:rPr lang="en-GB" dirty="0"/>
+              <a:t>ADMM </a:t>
+            </a:r>
             <a:r>
               <a:rPr lang="en-GB" dirty="0" smtClean="0"/>
-              <a:t>Coordinate Descent deconvolution</a:t>
+              <a:t>variants in Radio Astronomy</a:t>
             </a:r>
             <a:endParaRPr lang="en-GB" dirty="0"/>
           </a:p>
-        </p:txBody>
-      </p:sp>
-      <p:sp>
-        <p:nvSpPr>
-          <p:cNvPr id="3" name="Inhaltsplatzhalter 2"/>
-          <p:cNvSpPr>
-            <a:spLocks noGrp="1"/>
-          </p:cNvSpPr>
-          <p:nvPr>
-            <p:ph idx="1"/>
-          </p:nvPr>
-        </p:nvSpPr>
-        <p:spPr/>
-        <p:txBody>
-          <a:bodyPr>
-            <a:normAutofit/>
-          </a:bodyPr>
-          <a:lstStyle/>
+          <a:p>
+            <a:pPr lvl="1"/>
+            <a:r>
+              <a:rPr lang="en-GB" dirty="0"/>
+              <a:t>Ferrari, André, et al. "Distributed image reconstruction for very large arrays in radio astronomy." </a:t>
+            </a:r>
+            <a:r>
+              <a:rPr lang="en-GB" i="1" dirty="0">
+                <a:solidFill>
+                  <a:schemeClr val="bg1">
+                    <a:lumMod val="50000"/>
+                  </a:schemeClr>
+                </a:solidFill>
+              </a:rPr>
+              <a:t>2014 IEEE 8th Sensor Array and Multichannel Signal Processing Workshop (SAM)</a:t>
+            </a:r>
+            <a:r>
+              <a:rPr lang="en-GB" dirty="0">
+                <a:solidFill>
+                  <a:schemeClr val="bg1">
+                    <a:lumMod val="50000"/>
+                  </a:schemeClr>
+                </a:solidFill>
+              </a:rPr>
+              <a:t>. IEEE, 2014.</a:t>
+            </a:r>
+          </a:p>
+          <a:p>
+            <a:pPr lvl="1"/>
+            <a:r>
+              <a:rPr lang="en-GB" dirty="0"/>
+              <a:t>Carrillo, Rafael E., Jason D. McEwen, and Yves </a:t>
+            </a:r>
+            <a:r>
+              <a:rPr lang="en-GB" dirty="0" err="1"/>
+              <a:t>Wiaux</a:t>
+            </a:r>
+            <a:r>
+              <a:rPr lang="en-GB" dirty="0"/>
+              <a:t>. "PURIFY: a new approach to radio-interferometric imaging." </a:t>
+            </a:r>
+            <a:r>
+              <a:rPr lang="en-GB" i="1" dirty="0">
+                <a:solidFill>
+                  <a:schemeClr val="bg1">
+                    <a:lumMod val="50000"/>
+                  </a:schemeClr>
+                </a:solidFill>
+              </a:rPr>
+              <a:t>Monthly Notices of the Royal Astronomical Society</a:t>
+            </a:r>
+            <a:r>
+              <a:rPr lang="en-GB" dirty="0">
+                <a:solidFill>
+                  <a:schemeClr val="bg1">
+                    <a:lumMod val="50000"/>
+                  </a:schemeClr>
+                </a:solidFill>
+              </a:rPr>
+              <a:t> 439.4 (2014): 3591-3604.</a:t>
+            </a:r>
+          </a:p>
+          <a:p>
+            <a:pPr lvl="1"/>
+            <a:r>
+              <a:rPr lang="en-GB" dirty="0"/>
+              <a:t>…</a:t>
+            </a:r>
+          </a:p>
+          <a:p>
+            <a:pPr marL="0" indent="0">
+              <a:buNone/>
+            </a:pPr>
+            <a:endParaRPr lang="en-GB" dirty="0" smtClean="0"/>
+          </a:p>
           <a:p>
             <a:r>
               <a:rPr lang="en-GB" dirty="0" smtClean="0"/>
-              <a:t>Search the best pixel to </a:t>
-            </a:r>
-            <a:r>
-              <a:rPr lang="en-GB" dirty="0" err="1" smtClean="0"/>
-              <a:t>deconvolve</a:t>
-            </a:r>
-            <a:endParaRPr lang="en-GB" dirty="0" smtClean="0"/>
-          </a:p>
-          <a:p>
+              <a:t>Coordinate Descent variants</a:t>
+            </a:r>
+          </a:p>
+          <a:p>
+            <a:pPr lvl="1"/>
+            <a:r>
+              <a:rPr lang="en-GB" dirty="0"/>
+              <a:t>Bradley, Joseph K., et al. "Parallel coordinate descent for l1-regularized loss minimization."</a:t>
+            </a:r>
+            <a:r>
+              <a:rPr lang="en-GB" dirty="0">
+                <a:solidFill>
+                  <a:schemeClr val="bg1">
+                    <a:lumMod val="50000"/>
+                  </a:schemeClr>
+                </a:solidFill>
+              </a:rPr>
+              <a:t> </a:t>
+            </a:r>
+            <a:r>
+              <a:rPr lang="en-GB" i="1" dirty="0" err="1">
+                <a:solidFill>
+                  <a:schemeClr val="bg1">
+                    <a:lumMod val="50000"/>
+                  </a:schemeClr>
+                </a:solidFill>
+              </a:rPr>
+              <a:t>arXiv</a:t>
+            </a:r>
+            <a:r>
+              <a:rPr lang="en-GB" i="1" dirty="0">
+                <a:solidFill>
+                  <a:schemeClr val="bg1">
+                    <a:lumMod val="50000"/>
+                  </a:schemeClr>
+                </a:solidFill>
+              </a:rPr>
+              <a:t> preprint arXiv:1105.5379</a:t>
+            </a:r>
+            <a:r>
+              <a:rPr lang="en-GB" dirty="0">
+                <a:solidFill>
+                  <a:schemeClr val="bg1">
+                    <a:lumMod val="50000"/>
+                  </a:schemeClr>
+                </a:solidFill>
+              </a:rPr>
+              <a:t>(2011</a:t>
+            </a:r>
+            <a:r>
+              <a:rPr lang="en-GB" dirty="0" smtClean="0">
+                <a:solidFill>
+                  <a:schemeClr val="bg1">
+                    <a:lumMod val="50000"/>
+                  </a:schemeClr>
+                </a:solidFill>
+              </a:rPr>
+              <a:t>).</a:t>
+            </a:r>
+          </a:p>
+          <a:p>
+            <a:pPr lvl="1"/>
+            <a:r>
+              <a:rPr lang="en-GB" dirty="0" err="1"/>
+              <a:t>Fercoq</a:t>
+            </a:r>
+            <a:r>
+              <a:rPr lang="en-GB" dirty="0"/>
+              <a:t>, Olivier, et al. "Fast distributed coordinate descent for non-strongly convex losses." </a:t>
+            </a:r>
+            <a:r>
+              <a:rPr lang="en-GB" i="1" dirty="0">
+                <a:solidFill>
+                  <a:schemeClr val="bg1">
+                    <a:lumMod val="50000"/>
+                  </a:schemeClr>
+                </a:solidFill>
+              </a:rPr>
+              <a:t>2014 IEEE International Workshop on Machine Learning for Signal Processing (MLSP)</a:t>
+            </a:r>
+            <a:r>
+              <a:rPr lang="en-GB" dirty="0">
+                <a:solidFill>
+                  <a:schemeClr val="bg1">
+                    <a:lumMod val="50000"/>
+                  </a:schemeClr>
+                </a:solidFill>
+              </a:rPr>
+              <a:t>. IEEE, 2014</a:t>
+            </a:r>
             <a:r>
               <a:rPr lang="en-GB" dirty="0" smtClean="0"/>
-              <a:t>Calculate the optimum for the pixel(reduces to parabola fitting –b/2a)</a:t>
-            </a:r>
-          </a:p>
-          <a:p>
+              <a:t>.</a:t>
+            </a:r>
+          </a:p>
+          <a:p>
+            <a:pPr lvl="1"/>
             <a:r>
               <a:rPr lang="en-GB" dirty="0" smtClean="0"/>
-              <a:t>Repeat until </a:t>
-            </a:r>
-            <a:r>
-              <a:rPr lang="en-GB" dirty="0" smtClean="0"/>
-              <a:t>converged</a:t>
-            </a:r>
-            <a:endParaRPr lang="en-GB" dirty="0"/>
-          </a:p>
-          <a:p>
-            <a:endParaRPr lang="en-GB" dirty="0"/>
+              <a:t>…</a:t>
+            </a:r>
           </a:p>
         </p:txBody>
       </p:sp>
     </p:spTree>
     <p:extLst>
       <p:ext uri="{BB962C8B-B14F-4D97-AF65-F5344CB8AC3E}">
-        <p14:creationId xmlns:p14="http://schemas.microsoft.com/office/powerpoint/2010/main" val="4268362493"/>
+        <p14:creationId xmlns:p14="http://schemas.microsoft.com/office/powerpoint/2010/main" val="1604455053"/>
       </p:ext>
     </p:extLst>
   </p:cSld>

--- a/SKA-Days/pp.pptx
+++ b/SKA-Days/pp.pptx
@@ -17,13 +17,10 @@
     <p:sldId id="266" r:id="rId11"/>
     <p:sldId id="272" r:id="rId12"/>
     <p:sldId id="263" r:id="rId13"/>
-    <p:sldId id="267" r:id="rId14"/>
+    <p:sldId id="276" r:id="rId14"/>
     <p:sldId id="271" r:id="rId15"/>
-    <p:sldId id="277" r:id="rId16"/>
-    <p:sldId id="276" r:id="rId17"/>
-    <p:sldId id="275" r:id="rId18"/>
-    <p:sldId id="270" r:id="rId19"/>
-    <p:sldId id="269" r:id="rId20"/>
+    <p:sldId id="270" r:id="rId16"/>
+    <p:sldId id="269" r:id="rId17"/>
   </p:sldIdLst>
   <p:sldSz cx="12192000" cy="6858000"/>
   <p:notesSz cx="6858000" cy="9144000"/>
@@ -139,11 +136,8 @@
             <p14:sldId id="266"/>
             <p14:sldId id="272"/>
             <p14:sldId id="263"/>
-            <p14:sldId id="267"/>
+            <p14:sldId id="276"/>
             <p14:sldId id="271"/>
-            <p14:sldId id="277"/>
-            <p14:sldId id="276"/>
-            <p14:sldId id="275"/>
             <p14:sldId id="270"/>
             <p14:sldId id="269"/>
           </p14:sldIdLst>
@@ -499,7 +493,7 @@
               <c:strCache>
                 <c:ptCount val="1"/>
                 <c:pt idx="0">
-                  <c:v>IDG</c:v>
+                  <c:v>IDG (.netcore)</c:v>
                 </c:pt>
               </c:strCache>
             </c:strRef>
@@ -518,7 +512,7 @@
           </c:val>
           <c:extLst>
             <c:ext xmlns:c16="http://schemas.microsoft.com/office/drawing/2014/chart" uri="{C3380CC4-5D6E-409C-BE32-E72D297353CC}">
-              <c16:uniqueId val="{00000000-48F6-41DC-8C90-FC2FFE1AEBDA}"/>
+              <c16:uniqueId val="{00000000-E0B5-41A3-A4C0-0574AA6B5B5B}"/>
             </c:ext>
           </c:extLst>
         </c:ser>
@@ -552,7 +546,7 @@
               <c:strCache>
                 <c:ptCount val="1"/>
                 <c:pt idx="0">
-                  <c:v>IDG</c:v>
+                  <c:v>IDG (.netcore)</c:v>
                 </c:pt>
               </c:strCache>
             </c:strRef>
@@ -571,7 +565,7 @@
           </c:val>
           <c:extLst>
             <c:ext xmlns:c16="http://schemas.microsoft.com/office/drawing/2014/chart" uri="{C3380CC4-5D6E-409C-BE32-E72D297353CC}">
-              <c16:uniqueId val="{00000001-48F6-41DC-8C90-FC2FFE1AEBDA}"/>
+              <c16:uniqueId val="{00000001-E0B5-41A3-A4C0-0574AA6B5B5B}"/>
             </c:ext>
           </c:extLst>
         </c:ser>
@@ -686,6 +680,7 @@
               </a:p>
             </c:rich>
           </c:tx>
+          <c:layout/>
           <c:overlay val="0"/>
           <c:spPr>
             <a:noFill/>
@@ -760,6 +755,7 @@
     </c:plotArea>
     <c:legend>
       <c:legendPos val="b"/>
+      <c:layout/>
       <c:overlay val="0"/>
       <c:spPr>
         <a:noFill/>
@@ -867,7 +863,7 @@
               <c:strCache>
                 <c:ptCount val="2"/>
                 <c:pt idx="0">
-                  <c:v>IDG</c:v>
+                  <c:v>IDG (.netcore)</c:v>
                 </c:pt>
                 <c:pt idx="1">
                   <c:v>CD Deconvolution</c:v>
@@ -892,7 +888,7 @@
           </c:val>
           <c:extLst>
             <c:ext xmlns:c16="http://schemas.microsoft.com/office/drawing/2014/chart" uri="{C3380CC4-5D6E-409C-BE32-E72D297353CC}">
-              <c16:uniqueId val="{00000000-4CD0-4E4F-9922-14A533F91855}"/>
+              <c16:uniqueId val="{00000000-8515-4F22-8226-96010FAB00DC}"/>
             </c:ext>
           </c:extLst>
         </c:ser>
@@ -926,7 +922,7 @@
               <c:strCache>
                 <c:ptCount val="2"/>
                 <c:pt idx="0">
-                  <c:v>IDG</c:v>
+                  <c:v>IDG (.netcore)</c:v>
                 </c:pt>
                 <c:pt idx="1">
                   <c:v>CD Deconvolution</c:v>
@@ -951,7 +947,7 @@
           </c:val>
           <c:extLst>
             <c:ext xmlns:c16="http://schemas.microsoft.com/office/drawing/2014/chart" uri="{C3380CC4-5D6E-409C-BE32-E72D297353CC}">
-              <c16:uniqueId val="{00000001-4CD0-4E4F-9922-14A533F91855}"/>
+              <c16:uniqueId val="{00000001-8515-4F22-8226-96010FAB00DC}"/>
             </c:ext>
           </c:extLst>
         </c:ser>
@@ -1066,6 +1062,7 @@
               </a:p>
             </c:rich>
           </c:tx>
+          <c:layout/>
           <c:overlay val="0"/>
           <c:spPr>
             <a:noFill/>
@@ -1140,6 +1137,7 @@
     </c:plotArea>
     <c:legend>
       <c:legendPos val="b"/>
+      <c:layout/>
       <c:overlay val="0"/>
       <c:spPr>
         <a:noFill/>
@@ -2956,7 +2954,7 @@
           <a:p>
             <a:fld id="{9D44239A-C583-499D-A70F-E9EF0D5B777A}" type="datetimeFigureOut">
               <a:rPr lang="en-GB" smtClean="0"/>
-              <a:t>17/06/2019</a:t>
+              <a:t>19/06/2019</a:t>
             </a:fld>
             <a:endParaRPr lang="en-GB"/>
           </a:p>
@@ -3126,7 +3124,7 @@
           <a:p>
             <a:fld id="{9D44239A-C583-499D-A70F-E9EF0D5B777A}" type="datetimeFigureOut">
               <a:rPr lang="en-GB" smtClean="0"/>
-              <a:t>17/06/2019</a:t>
+              <a:t>19/06/2019</a:t>
             </a:fld>
             <a:endParaRPr lang="en-GB"/>
           </a:p>
@@ -3306,7 +3304,7 @@
           <a:p>
             <a:fld id="{9D44239A-C583-499D-A70F-E9EF0D5B777A}" type="datetimeFigureOut">
               <a:rPr lang="en-GB" smtClean="0"/>
-              <a:t>17/06/2019</a:t>
+              <a:t>19/06/2019</a:t>
             </a:fld>
             <a:endParaRPr lang="en-GB"/>
           </a:p>
@@ -3476,7 +3474,7 @@
           <a:p>
             <a:fld id="{9D44239A-C583-499D-A70F-E9EF0D5B777A}" type="datetimeFigureOut">
               <a:rPr lang="en-GB" smtClean="0"/>
-              <a:t>17/06/2019</a:t>
+              <a:t>19/06/2019</a:t>
             </a:fld>
             <a:endParaRPr lang="en-GB"/>
           </a:p>
@@ -3722,7 +3720,7 @@
           <a:p>
             <a:fld id="{9D44239A-C583-499D-A70F-E9EF0D5B777A}" type="datetimeFigureOut">
               <a:rPr lang="en-GB" smtClean="0"/>
-              <a:t>17/06/2019</a:t>
+              <a:t>19/06/2019</a:t>
             </a:fld>
             <a:endParaRPr lang="en-GB"/>
           </a:p>
@@ -3954,7 +3952,7 @@
           <a:p>
             <a:fld id="{9D44239A-C583-499D-A70F-E9EF0D5B777A}" type="datetimeFigureOut">
               <a:rPr lang="en-GB" smtClean="0"/>
-              <a:t>17/06/2019</a:t>
+              <a:t>19/06/2019</a:t>
             </a:fld>
             <a:endParaRPr lang="en-GB"/>
           </a:p>
@@ -4321,7 +4319,7 @@
           <a:p>
             <a:fld id="{9D44239A-C583-499D-A70F-E9EF0D5B777A}" type="datetimeFigureOut">
               <a:rPr lang="en-GB" smtClean="0"/>
-              <a:t>17/06/2019</a:t>
+              <a:t>19/06/2019</a:t>
             </a:fld>
             <a:endParaRPr lang="en-GB"/>
           </a:p>
@@ -4439,7 +4437,7 @@
           <a:p>
             <a:fld id="{9D44239A-C583-499D-A70F-E9EF0D5B777A}" type="datetimeFigureOut">
               <a:rPr lang="en-GB" smtClean="0"/>
-              <a:t>17/06/2019</a:t>
+              <a:t>19/06/2019</a:t>
             </a:fld>
             <a:endParaRPr lang="en-GB"/>
           </a:p>
@@ -4534,7 +4532,7 @@
           <a:p>
             <a:fld id="{9D44239A-C583-499D-A70F-E9EF0D5B777A}" type="datetimeFigureOut">
               <a:rPr lang="en-GB" smtClean="0"/>
-              <a:t>17/06/2019</a:t>
+              <a:t>19/06/2019</a:t>
             </a:fld>
             <a:endParaRPr lang="en-GB"/>
           </a:p>
@@ -4811,7 +4809,7 @@
           <a:p>
             <a:fld id="{9D44239A-C583-499D-A70F-E9EF0D5B777A}" type="datetimeFigureOut">
               <a:rPr lang="en-GB" smtClean="0"/>
-              <a:t>17/06/2019</a:t>
+              <a:t>19/06/2019</a:t>
             </a:fld>
             <a:endParaRPr lang="en-GB"/>
           </a:p>
@@ -5064,7 +5062,7 @@
           <a:p>
             <a:fld id="{9D44239A-C583-499D-A70F-E9EF0D5B777A}" type="datetimeFigureOut">
               <a:rPr lang="en-GB" smtClean="0"/>
-              <a:t>17/06/2019</a:t>
+              <a:t>19/06/2019</a:t>
             </a:fld>
             <a:endParaRPr lang="en-GB"/>
           </a:p>
@@ -5277,7 +5275,7 @@
           <a:p>
             <a:fld id="{9D44239A-C583-499D-A70F-E9EF0D5B777A}" type="datetimeFigureOut">
               <a:rPr lang="en-GB" smtClean="0"/>
-              <a:t>17/06/2019</a:t>
+              <a:t>19/06/2019</a:t>
             </a:fld>
             <a:endParaRPr lang="en-GB"/>
           </a:p>
@@ -5806,202 +5804,130 @@
           </a:p>
         </p:txBody>
       </p:sp>
-      <mc:AlternateContent xmlns:mc="http://schemas.openxmlformats.org/markup-compatibility/2006" xmlns:a14="http://schemas.microsoft.com/office/drawing/2010/main">
-        <mc:Choice Requires="a14">
-          <p:sp>
-            <p:nvSpPr>
-              <p:cNvPr id="3" name="Inhaltsplatzhalter 2"/>
-              <p:cNvSpPr>
-                <a:spLocks noGrp="1"/>
-              </p:cNvSpPr>
-              <p:nvPr>
-                <p:ph idx="1"/>
-              </p:nvPr>
-            </p:nvSpPr>
-            <p:spPr/>
-            <p:txBody>
-              <a:bodyPr>
-                <a:normAutofit/>
-              </a:bodyPr>
-              <a:lstStyle/>
-              <a:p>
-                <a:pPr marL="0" indent="0">
-                  <a:buNone/>
-                </a:pPr>
-                <a:r>
-                  <a:rPr lang="en-GB" i="1" dirty="0" smtClean="0">
-                    <a:latin typeface="Bell MT" panose="02020503060305020303" pitchFamily="18" charset="0"/>
-                  </a:rPr>
-                  <a:t>residuals </a:t>
-                </a:r>
-                <a:r>
-                  <a:rPr lang="en-GB" i="1" dirty="0">
-                    <a:latin typeface="Bell MT" panose="02020503060305020303" pitchFamily="18" charset="0"/>
-                  </a:rPr>
-                  <a:t>= dirty image</a:t>
-                </a:r>
-              </a:p>
-              <a:p>
-                <a:pPr marL="514350" indent="-514350">
-                  <a:buFont typeface="+mj-lt"/>
-                  <a:buAutoNum type="arabicPeriod"/>
-                </a:pPr>
-                <a:r>
-                  <a:rPr lang="en-GB" dirty="0" smtClean="0"/>
-                  <a:t>Find </a:t>
-                </a:r>
-                <a:r>
-                  <a:rPr lang="en-GB" dirty="0"/>
-                  <a:t>the maximum pixel of </a:t>
-                </a:r>
-                <a:r>
-                  <a:rPr lang="en-GB" dirty="0" smtClean="0"/>
-                  <a:t>[</a:t>
-                </a:r>
-                <a:r>
-                  <a:rPr lang="en-GB" i="1" dirty="0">
-                    <a:latin typeface="Bell MT" panose="02020503060305020303" pitchFamily="18" charset="0"/>
-                  </a:rPr>
-                  <a:t>residuals</a:t>
-                </a:r>
-                <a:r>
-                  <a:rPr lang="en-GB" dirty="0" smtClean="0"/>
-                  <a:t> </a:t>
-                </a:r>
-                <a14:m>
-                  <m:oMath xmlns:m="http://schemas.openxmlformats.org/officeDocument/2006/math">
-                    <m:r>
-                      <a:rPr lang="en-GB" i="1" smtClean="0">
-                        <a:latin typeface="Cambria Math" panose="02040503050406030204" pitchFamily="18" charset="0"/>
-                      </a:rPr>
-                      <m:t>⋆</m:t>
-                    </m:r>
-                  </m:oMath>
-                </a14:m>
-                <a:r>
-                  <a:rPr lang="en-GB" dirty="0" smtClean="0"/>
-                  <a:t> </a:t>
-                </a:r>
-                <a:r>
-                  <a:rPr lang="en-GB" i="1" dirty="0" smtClean="0">
-                    <a:latin typeface="Bell MT" panose="02020503060305020303" pitchFamily="18" charset="0"/>
-                  </a:rPr>
-                  <a:t>PSF</a:t>
-                </a:r>
-                <a:r>
-                  <a:rPr lang="en-GB" dirty="0" smtClean="0"/>
-                  <a:t>]</a:t>
-                </a:r>
-                <a:endParaRPr lang="en-GB" dirty="0"/>
-              </a:p>
-              <a:p>
-                <a:pPr marL="514350" lvl="0" indent="-514350">
-                  <a:buFont typeface="+mj-lt"/>
-                  <a:buAutoNum type="arabicPeriod"/>
-                </a:pPr>
-                <a:r>
-                  <a:rPr lang="en-GB" dirty="0" smtClean="0"/>
-                  <a:t>Fix all other pixels, calculate </a:t>
-                </a:r>
-                <a:r>
-                  <a:rPr lang="en-GB" dirty="0"/>
-                  <a:t>the optimum value for this pixel (optimum of a parabola)</a:t>
-                </a:r>
-              </a:p>
-              <a:p>
-                <a:pPr marL="514350" lvl="0" indent="-514350">
-                  <a:buFont typeface="+mj-lt"/>
-                  <a:buAutoNum type="arabicPeriod"/>
-                </a:pPr>
-                <a:r>
-                  <a:rPr lang="en-GB" dirty="0"/>
-                  <a:t>Update </a:t>
-                </a:r>
-                <a:r>
-                  <a:rPr lang="en-GB" i="1" dirty="0" smtClean="0">
-                    <a:latin typeface="Bell MT" panose="02020503060305020303" pitchFamily="18" charset="0"/>
-                  </a:rPr>
-                  <a:t>residuals</a:t>
-                </a:r>
-                <a:endParaRPr lang="en-GB" i="1" dirty="0" smtClean="0"/>
-              </a:p>
-              <a:p>
-                <a:pPr marL="514350" indent="-514350">
-                  <a:buFont typeface="+mj-lt"/>
-                  <a:buAutoNum type="arabicPeriod"/>
-                </a:pPr>
-                <a:r>
-                  <a:rPr lang="en-GB" dirty="0" smtClean="0"/>
-                  <a:t>Repeat until </a:t>
-                </a:r>
-                <a:r>
-                  <a:rPr lang="en-GB" i="1" dirty="0" smtClean="0">
-                    <a:latin typeface="Bell MT" panose="02020503060305020303" pitchFamily="18" charset="0"/>
-                  </a:rPr>
-                  <a:t>residuals</a:t>
-                </a:r>
-                <a:r>
-                  <a:rPr lang="en-GB" dirty="0" smtClean="0"/>
-                  <a:t> are </a:t>
-                </a:r>
-                <a:r>
-                  <a:rPr lang="en-GB" dirty="0"/>
-                  <a:t>small</a:t>
-                </a:r>
-              </a:p>
-              <a:p>
-                <a:pPr marL="0" indent="0">
-                  <a:buNone/>
-                </a:pPr>
-                <a:endParaRPr lang="en-GB" dirty="0"/>
-              </a:p>
-              <a:p>
-                <a:pPr marL="0" indent="0">
-                  <a:buNone/>
-                </a:pPr>
-                <a:r>
-                  <a:rPr lang="en-GB" dirty="0" smtClean="0"/>
-                  <a:t>More sophisticated CD variants, but that is the core algorithm</a:t>
-                </a:r>
-                <a:endParaRPr lang="en-GB" dirty="0"/>
-              </a:p>
-            </p:txBody>
-          </p:sp>
-        </mc:Choice>
-        <mc:Fallback xmlns="">
-          <p:sp>
-            <p:nvSpPr>
-              <p:cNvPr id="3" name="Inhaltsplatzhalter 2"/>
-              <p:cNvSpPr>
-                <a:spLocks noGrp="1" noRot="1" noChangeAspect="1" noMove="1" noResize="1" noEditPoints="1" noAdjustHandles="1" noChangeArrowheads="1" noChangeShapeType="1" noTextEdit="1"/>
-              </p:cNvSpPr>
-              <p:nvPr>
-                <p:ph idx="1"/>
-              </p:nvPr>
-            </p:nvSpPr>
-            <p:spPr>
-              <a:blipFill>
-                <a:blip r:embed="rId2"/>
-                <a:stretch>
-                  <a:fillRect l="-1217" t="-2241"/>
-                </a:stretch>
-              </a:blipFill>
-            </p:spPr>
-            <p:txBody>
-              <a:bodyPr/>
-              <a:lstStyle/>
-              <a:p>
-                <a:r>
-                  <a:rPr lang="en-GB">
-                    <a:noFill/>
-                  </a:rPr>
-                  <a:t> </a:t>
-                </a:r>
-              </a:p>
-            </p:txBody>
-          </p:sp>
-        </mc:Fallback>
-      </mc:AlternateContent>
+      <p:sp>
+        <p:nvSpPr>
+          <p:cNvPr id="3" name="Inhaltsplatzhalter 2"/>
+          <p:cNvSpPr>
+            <a:spLocks noGrp="1"/>
+          </p:cNvSpPr>
+          <p:nvPr>
+            <p:ph idx="1"/>
+          </p:nvPr>
+        </p:nvSpPr>
+        <p:spPr/>
+        <p:txBody>
+          <a:bodyPr>
+            <a:normAutofit/>
+          </a:bodyPr>
+          <a:lstStyle/>
+          <a:p>
+            <a:pPr marL="0" indent="0">
+              <a:buNone/>
+            </a:pPr>
+            <a:r>
+              <a:rPr lang="en-GB" i="1" dirty="0" smtClean="0">
+                <a:latin typeface="Bell MT" panose="02020503060305020303" pitchFamily="18" charset="0"/>
+              </a:rPr>
+              <a:t>residuals </a:t>
+            </a:r>
+            <a:r>
+              <a:rPr lang="en-GB" i="1" dirty="0">
+                <a:latin typeface="Bell MT" panose="02020503060305020303" pitchFamily="18" charset="0"/>
+              </a:rPr>
+              <a:t>= dirty image</a:t>
+            </a:r>
+          </a:p>
+          <a:p>
+            <a:pPr marL="514350" indent="-514350">
+              <a:buFont typeface="+mj-lt"/>
+              <a:buAutoNum type="arabicPeriod"/>
+            </a:pPr>
+            <a:r>
+              <a:rPr lang="en-GB" dirty="0" smtClean="0"/>
+              <a:t>Search pixel with the value that can be modified the most </a:t>
+            </a:r>
+          </a:p>
+          <a:p>
+            <a:pPr marL="514350" indent="-514350">
+              <a:buFont typeface="+mj-lt"/>
+              <a:buAutoNum type="arabicPeriod"/>
+            </a:pPr>
+            <a:r>
+              <a:rPr lang="en-GB" dirty="0" smtClean="0"/>
+              <a:t>Calculate </a:t>
+            </a:r>
+            <a:r>
+              <a:rPr lang="en-GB" dirty="0"/>
+              <a:t>the optimum value for this </a:t>
+            </a:r>
+            <a:r>
+              <a:rPr lang="en-GB" dirty="0" smtClean="0"/>
+              <a:t>pixel independently of all other pixels (optimum </a:t>
+            </a:r>
+            <a:r>
+              <a:rPr lang="en-GB" dirty="0"/>
+              <a:t>of a parabola)</a:t>
+            </a:r>
+          </a:p>
+          <a:p>
+            <a:pPr marL="514350" lvl="0" indent="-514350">
+              <a:buFont typeface="+mj-lt"/>
+              <a:buAutoNum type="arabicPeriod"/>
+            </a:pPr>
+            <a:r>
+              <a:rPr lang="en-GB" dirty="0"/>
+              <a:t>Update </a:t>
+            </a:r>
+            <a:r>
+              <a:rPr lang="en-GB" i="1" dirty="0" smtClean="0">
+                <a:latin typeface="Bell MT" panose="02020503060305020303" pitchFamily="18" charset="0"/>
+              </a:rPr>
+              <a:t>residuals</a:t>
+            </a:r>
+            <a:endParaRPr lang="en-GB" i="1" dirty="0" smtClean="0"/>
+          </a:p>
+          <a:p>
+            <a:pPr marL="514350" indent="-514350">
+              <a:buFont typeface="+mj-lt"/>
+              <a:buAutoNum type="arabicPeriod"/>
+            </a:pPr>
+            <a:r>
+              <a:rPr lang="en-GB" dirty="0" smtClean="0"/>
+              <a:t>Repeat until </a:t>
+            </a:r>
+            <a:r>
+              <a:rPr lang="en-GB" i="1" dirty="0" smtClean="0">
+                <a:latin typeface="Bell MT" panose="02020503060305020303" pitchFamily="18" charset="0"/>
+              </a:rPr>
+              <a:t>residuals</a:t>
+            </a:r>
+            <a:r>
+              <a:rPr lang="en-GB" dirty="0"/>
+              <a:t> </a:t>
+            </a:r>
+            <a:r>
+              <a:rPr lang="en-GB" dirty="0" smtClean="0"/>
+              <a:t>are small</a:t>
+            </a:r>
+          </a:p>
+          <a:p>
+            <a:pPr marL="0" indent="0">
+              <a:buNone/>
+            </a:pPr>
+            <a:endParaRPr lang="en-GB" dirty="0"/>
+          </a:p>
+          <a:p>
+            <a:pPr marL="0" indent="0">
+              <a:buNone/>
+            </a:pPr>
+            <a:r>
+              <a:rPr lang="en-GB" dirty="0" smtClean="0"/>
+              <a:t>More sophisticated CD methods, but that is the core algorithm</a:t>
+            </a:r>
+            <a:endParaRPr lang="en-GB" dirty="0"/>
+          </a:p>
+        </p:txBody>
+      </p:sp>
     </p:spTree>
     <p:extLst>
       <p:ext uri="{BB962C8B-B14F-4D97-AF65-F5344CB8AC3E}">
@@ -6136,16 +6062,13 @@
                   <a:schemeClr val="bg1"/>
                 </a:solidFill>
               </a:rPr>
-              <a:t>Find maximum </a:t>
-            </a:r>
-            <a:r>
-              <a:rPr lang="en-GB" dirty="0">
-                <a:solidFill>
-                  <a:schemeClr val="bg1"/>
-                </a:solidFill>
-              </a:rPr>
-              <a:t>local pixel</a:t>
-            </a:r>
+              <a:t>Search local pixel with the value that can be modified the most</a:t>
+            </a:r>
+            <a:endParaRPr lang="en-GB" dirty="0">
+              <a:solidFill>
+                <a:schemeClr val="bg1"/>
+              </a:solidFill>
+            </a:endParaRPr>
           </a:p>
           <a:p>
             <a:pPr marL="514350" indent="-514350">
@@ -6158,7 +6081,7 @@
                   <a:schemeClr val="bg1"/>
                 </a:solidFill>
               </a:rPr>
-              <a:t>Find maximum global </a:t>
+              <a:t>Find best global </a:t>
             </a:r>
             <a:r>
               <a:rPr lang="en-GB" dirty="0">
@@ -6209,7 +6132,7 @@
                   <a:schemeClr val="bg1"/>
                 </a:solidFill>
               </a:rPr>
-              <a:t>Update dirty image patch</a:t>
+              <a:t>Update local residuals</a:t>
             </a:r>
           </a:p>
           <a:p>
@@ -6350,21 +6273,21 @@
       </p:sp>
       <p:graphicFrame>
         <p:nvGraphicFramePr>
-          <p:cNvPr id="5" name="Diagramm 4"/>
+          <p:cNvPr id="7" name="Diagramm 6"/>
           <p:cNvGraphicFramePr>
             <a:graphicFrameLocks/>
           </p:cNvGraphicFramePr>
           <p:nvPr>
             <p:extLst>
               <p:ext uri="{D42A27DB-BD31-4B8C-83A1-F6EECF244321}">
-                <p14:modId xmlns:p14="http://schemas.microsoft.com/office/powerpoint/2010/main" val="1598798415"/>
+                <p14:modId xmlns:p14="http://schemas.microsoft.com/office/powerpoint/2010/main" val="3206787467"/>
               </p:ext>
             </p:extLst>
           </p:nvPr>
         </p:nvGraphicFramePr>
         <p:xfrm>
-          <a:off x="1513186" y="1416264"/>
-          <a:ext cx="8501965" cy="4916574"/>
+          <a:off x="2249365" y="1911960"/>
+          <a:ext cx="8336573" cy="4567971"/>
         </p:xfrm>
         <a:graphic>
           <a:graphicData uri="http://schemas.openxmlformats.org/drawingml/2006/chart">
@@ -6426,7 +6349,18 @@
           <a:p>
             <a:r>
               <a:rPr lang="en-GB" dirty="0" smtClean="0"/>
-              <a:t>Distributed gridding + deconvolution</a:t>
+              <a:t/>
+            </a:r>
+            <a:br>
+              <a:rPr lang="en-GB" dirty="0" smtClean="0"/>
+            </a:br>
+            <a:r>
+              <a:rPr lang="en-GB" dirty="0" smtClean="0"/>
+              <a:t>Baseline distributed gridding </a:t>
+            </a:r>
+            <a:r>
+              <a:rPr lang="en-GB" dirty="0" smtClean="0"/>
+              <a:t>+ deconvolution</a:t>
             </a:r>
             <a:endParaRPr lang="en-GB" dirty="0"/>
           </a:p>
@@ -6444,27 +6378,44 @@
         </p:nvSpPr>
         <p:spPr/>
         <p:txBody>
-          <a:bodyPr/>
+          <a:bodyPr>
+            <a:normAutofit/>
+          </a:bodyPr>
           <a:lstStyle/>
           <a:p>
             <a:r>
               <a:rPr lang="en-GB" dirty="0" smtClean="0"/>
-              <a:t>Distributed gridding: More effective with more input data</a:t>
-            </a:r>
-          </a:p>
-          <a:p>
+              <a:t>Distributed </a:t>
+            </a:r>
             <a:r>
               <a:rPr lang="en-GB" dirty="0" smtClean="0"/>
-              <a:t>Distributed deconvolution: Communication is difficult </a:t>
+              <a:t>gridding: More effective with a lot of input data</a:t>
+            </a:r>
+          </a:p>
+          <a:p>
+            <a:r>
+              <a:rPr lang="en-GB" dirty="0" smtClean="0"/>
+              <a:t>Distributed deconvolution: </a:t>
             </a:r>
           </a:p>
           <a:p>
             <a:pPr lvl="1"/>
             <a:r>
               <a:rPr lang="en-GB" dirty="0" smtClean="0"/>
-              <a:t>But we have more communication efficient CD algorithms to explore:</a:t>
-            </a:r>
-            <a:endParaRPr lang="en-GB" dirty="0"/>
+              <a:t>We </a:t>
+            </a:r>
+            <a:r>
+              <a:rPr lang="en-GB" dirty="0"/>
+              <a:t>have more communication efficient CD </a:t>
+            </a:r>
+            <a:r>
+              <a:rPr lang="en-GB" dirty="0" smtClean="0"/>
+              <a:t>methods </a:t>
+            </a:r>
+            <a:r>
+              <a:rPr lang="en-GB" dirty="0"/>
+              <a:t>to explore:</a:t>
+            </a:r>
           </a:p>
           <a:p>
             <a:pPr lvl="2"/>
@@ -6472,18 +6423,19 @@
               <a:rPr lang="en-GB" dirty="0" smtClean="0"/>
               <a:t>Shotgun</a:t>
             </a:r>
+            <a:endParaRPr lang="en-GB" dirty="0"/>
           </a:p>
           <a:p>
             <a:pPr lvl="2"/>
             <a:r>
-              <a:rPr lang="en-GB" dirty="0" smtClean="0"/>
+              <a:rPr lang="en-GB" dirty="0"/>
               <a:t>PCDM</a:t>
             </a:r>
           </a:p>
           <a:p>
             <a:pPr lvl="2"/>
             <a:r>
-              <a:rPr lang="en-GB" dirty="0" smtClean="0"/>
+              <a:rPr lang="en-GB" dirty="0"/>
               <a:t>Hydra</a:t>
             </a:r>
           </a:p>
@@ -6495,19 +6447,70 @@
             </a:r>
           </a:p>
           <a:p>
+            <a:pPr lvl="1"/>
             <a:r>
               <a:rPr lang="en-GB" dirty="0" smtClean="0"/>
-              <a:t>GPU accelerated IDG </a:t>
+              <a:t>CD on the GPU: </a:t>
+            </a:r>
+            <a:r>
+              <a:rPr lang="en-GB" dirty="0" err="1"/>
+              <a:t>McGaffin</a:t>
             </a:r>
             <a:r>
               <a:rPr lang="en-GB" dirty="0"/>
-              <a:t>and </a:t>
-            </a:r>
-            <a:r>
-              <a:rPr lang="en-GB" dirty="0" smtClean="0"/>
-              <a:t>CD exist</a:t>
-            </a:r>
-            <a:endParaRPr lang="en-GB" dirty="0"/>
+              <a:t>, Madison </a:t>
+            </a:r>
+            <a:r>
+              <a:rPr lang="en-GB" dirty="0" err="1"/>
+              <a:t>Gray</a:t>
+            </a:r>
+            <a:r>
+              <a:rPr lang="en-GB" dirty="0"/>
+              <a:t>, and Jeffrey A. </a:t>
+            </a:r>
+            <a:r>
+              <a:rPr lang="en-GB" dirty="0" err="1"/>
+              <a:t>Fessler</a:t>
+            </a:r>
+            <a:r>
+              <a:rPr lang="en-GB" dirty="0"/>
+              <a:t>. "Edge-preserving image </a:t>
+            </a:r>
+            <a:r>
+              <a:rPr lang="en-GB" dirty="0" err="1"/>
+              <a:t>denoising</a:t>
+            </a:r>
+            <a:r>
+              <a:rPr lang="en-GB" dirty="0"/>
+              <a:t> via group coordinate descent on the GPU." </a:t>
+            </a:r>
+            <a:r>
+              <a:rPr lang="en-GB" i="1" dirty="0">
+                <a:solidFill>
+                  <a:schemeClr val="bg1">
+                    <a:lumMod val="50000"/>
+                  </a:schemeClr>
+                </a:solidFill>
+              </a:rPr>
+              <a:t>IEEE Transactions on Image Processing</a:t>
+            </a:r>
+            <a:r>
+              <a:rPr lang="en-GB" dirty="0">
+                <a:solidFill>
+                  <a:schemeClr val="bg1">
+                    <a:lumMod val="50000"/>
+                  </a:schemeClr>
+                </a:solidFill>
+              </a:rPr>
+              <a:t> 24.4 (2015): 1273-1281.</a:t>
+            </a:r>
+            <a:endParaRPr lang="en-GB" dirty="0" smtClean="0">
+              <a:solidFill>
+                <a:schemeClr val="bg1">
+                  <a:lumMod val="50000"/>
+                </a:schemeClr>
+              </a:solidFill>
+            </a:endParaRPr>
           </a:p>
           <a:p>
             <a:endParaRPr lang="en-GB" dirty="0"/>
@@ -6517,13 +6520,20 @@
     </p:spTree>
     <p:extLst>
       <p:ext uri="{BB962C8B-B14F-4D97-AF65-F5344CB8AC3E}">
-        <p14:creationId xmlns:p14="http://schemas.microsoft.com/office/powerpoint/2010/main" val="1075553389"/>
+        <p14:creationId xmlns:p14="http://schemas.microsoft.com/office/powerpoint/2010/main" val="1876525649"/>
       </p:ext>
     </p:extLst>
   </p:cSld>
   <p:clrMapOvr>
     <a:masterClrMapping/>
   </p:clrMapOvr>
+  <p:timing>
+    <p:tnLst>
+      <p:par>
+        <p:cTn id="1" dur="indefinite" restart="never" nodeType="tmRoot"/>
+      </p:par>
+    </p:tnLst>
+  </p:timing>
 </p:sld>
 </file>
 
@@ -6596,6 +6606,13 @@
   <p:clrMapOvr>
     <a:masterClrMapping/>
   </p:clrMapOvr>
+  <p:timing>
+    <p:tnLst>
+      <p:par>
+        <p:cTn id="1" dur="indefinite" restart="never" nodeType="tmRoot"/>
+      </p:par>
+    </p:tnLst>
+  </p:timing>
 </p:sld>
 </file>
 
@@ -6631,7 +6648,15 @@
           <a:bodyPr/>
           <a:lstStyle/>
           <a:p>
-            <a:endParaRPr lang="en-GB"/>
+            <a:r>
+              <a:rPr lang="en-GB" dirty="0" smtClean="0"/>
+              <a:t>Comparison CLEAN with </a:t>
+            </a:r>
+            <a:r>
+              <a:rPr lang="en-GB" dirty="0" err="1" smtClean="0"/>
+              <a:t>CD+ElasticNet</a:t>
+            </a:r>
+            <a:endParaRPr lang="en-GB" dirty="0"/>
           </a:p>
         </p:txBody>
       </p:sp>
@@ -6650,533 +6675,13 @@
           <a:bodyPr/>
           <a:lstStyle/>
           <a:p>
-            <a:endParaRPr lang="en-GB"/>
-          </a:p>
-        </p:txBody>
-      </p:sp>
-    </p:spTree>
-    <p:extLst>
-      <p:ext uri="{BB962C8B-B14F-4D97-AF65-F5344CB8AC3E}">
-        <p14:creationId xmlns:p14="http://schemas.microsoft.com/office/powerpoint/2010/main" val="616443316"/>
-      </p:ext>
-    </p:extLst>
-  </p:cSld>
-  <p:clrMapOvr>
-    <a:masterClrMapping/>
-  </p:clrMapOvr>
-</p:sld>
-</file>
-
-<file path=ppt/slides/slide16.xml><?xml version="1.0" encoding="utf-8"?>
-<p:sld xmlns:a="http://schemas.openxmlformats.org/drawingml/2006/main" xmlns:r="http://schemas.openxmlformats.org/officeDocument/2006/relationships" xmlns:p="http://schemas.openxmlformats.org/presentationml/2006/main">
-  <p:cSld>
-    <p:spTree>
-      <p:nvGrpSpPr>
-        <p:cNvPr id="1" name=""/>
-        <p:cNvGrpSpPr/>
-        <p:nvPr/>
-      </p:nvGrpSpPr>
-      <p:grpSpPr>
-        <a:xfrm>
-          <a:off x="0" y="0"/>
-          <a:ext cx="0" cy="0"/>
-          <a:chOff x="0" y="0"/>
-          <a:chExt cx="0" cy="0"/>
-        </a:xfrm>
-      </p:grpSpPr>
-      <p:sp>
-        <p:nvSpPr>
-          <p:cNvPr id="2" name="Titel 1"/>
-          <p:cNvSpPr>
-            <a:spLocks noGrp="1"/>
-          </p:cNvSpPr>
-          <p:nvPr>
-            <p:ph type="title"/>
-          </p:nvPr>
-        </p:nvSpPr>
-        <p:spPr/>
-        <p:txBody>
-          <a:bodyPr/>
-          <a:lstStyle/>
-          <a:p>
             <a:r>
               <a:rPr lang="en-GB" dirty="0" smtClean="0"/>
-              <a:t>(Alternative </a:t>
+              <a:t>Noise Regularization: </a:t>
             </a:r>
             <a:r>
               <a:rPr lang="en-GB" dirty="0" err="1" smtClean="0"/>
-              <a:t>zu</a:t>
-            </a:r>
-            <a:r>
-              <a:rPr lang="en-GB" dirty="0" smtClean="0"/>
-              <a:t> </a:t>
-            </a:r>
-            <a:r>
-              <a:rPr lang="en-GB" dirty="0" err="1" smtClean="0"/>
-              <a:t>Folie</a:t>
-            </a:r>
-            <a:r>
-              <a:rPr lang="en-GB" dirty="0" smtClean="0"/>
-              <a:t> 13)</a:t>
-            </a:r>
-            <a:br>
-              <a:rPr lang="en-GB" dirty="0" smtClean="0"/>
-            </a:br>
-            <a:r>
-              <a:rPr lang="en-GB" dirty="0" smtClean="0"/>
-              <a:t>Distributed gridding + deconvolution</a:t>
-            </a:r>
-            <a:endParaRPr lang="en-GB" dirty="0"/>
-          </a:p>
-        </p:txBody>
-      </p:sp>
-      <p:sp>
-        <p:nvSpPr>
-          <p:cNvPr id="3" name="Inhaltsplatzhalter 2"/>
-          <p:cNvSpPr>
-            <a:spLocks noGrp="1"/>
-          </p:cNvSpPr>
-          <p:nvPr>
-            <p:ph idx="1"/>
-          </p:nvPr>
-        </p:nvSpPr>
-        <p:spPr/>
-        <p:txBody>
-          <a:bodyPr>
-            <a:normAutofit/>
-          </a:bodyPr>
-          <a:lstStyle/>
-          <a:p>
-            <a:r>
-              <a:rPr lang="en-GB" dirty="0" smtClean="0"/>
-              <a:t>Distributed gridding: </a:t>
-            </a:r>
-          </a:p>
-          <a:p>
-            <a:pPr lvl="1"/>
-            <a:r>
-              <a:rPr lang="en-GB" dirty="0" smtClean="0"/>
-              <a:t>More effective with more input data</a:t>
-            </a:r>
-          </a:p>
-          <a:p>
-            <a:pPr lvl="1"/>
-            <a:r>
-              <a:rPr lang="en-GB" dirty="0" smtClean="0"/>
-              <a:t>Bandwidth limited, well-suited for super computers</a:t>
-            </a:r>
-          </a:p>
-          <a:p>
-            <a:r>
-              <a:rPr lang="en-GB" dirty="0" smtClean="0"/>
-              <a:t>Distributed deconvolution: </a:t>
-            </a:r>
-          </a:p>
-          <a:p>
-            <a:pPr lvl="1"/>
-            <a:r>
-              <a:rPr lang="en-GB" dirty="0" smtClean="0"/>
-              <a:t>Latency limited, not well-suited for super computers</a:t>
-            </a:r>
-          </a:p>
-          <a:p>
-            <a:pPr lvl="1"/>
-            <a:r>
-              <a:rPr lang="en-GB" dirty="0"/>
-              <a:t>W</a:t>
-            </a:r>
-            <a:r>
-              <a:rPr lang="en-GB" dirty="0" smtClean="0"/>
-              <a:t>e </a:t>
-            </a:r>
-            <a:r>
-              <a:rPr lang="en-GB" dirty="0"/>
-              <a:t>have more communication efficient CD algorithms to explore:</a:t>
-            </a:r>
-          </a:p>
-          <a:p>
-            <a:pPr lvl="2"/>
-            <a:r>
-              <a:rPr lang="en-GB" dirty="0" smtClean="0"/>
-              <a:t>Shotgun</a:t>
-            </a:r>
-            <a:endParaRPr lang="en-GB" dirty="0"/>
-          </a:p>
-          <a:p>
-            <a:pPr lvl="2"/>
-            <a:r>
-              <a:rPr lang="en-GB" dirty="0"/>
-              <a:t>PCDM</a:t>
-            </a:r>
-          </a:p>
-          <a:p>
-            <a:pPr lvl="2"/>
-            <a:r>
-              <a:rPr lang="en-GB" dirty="0"/>
-              <a:t>Hydra</a:t>
-            </a:r>
-          </a:p>
-          <a:p>
-            <a:pPr lvl="2"/>
-            <a:r>
-              <a:rPr lang="en-GB" dirty="0" smtClean="0"/>
-              <a:t>…</a:t>
-            </a:r>
-          </a:p>
-          <a:p>
-            <a:pPr lvl="1"/>
-            <a:r>
-              <a:rPr lang="en-GB" dirty="0" smtClean="0"/>
-              <a:t>GPU accelerated CD variants exist</a:t>
-            </a:r>
-          </a:p>
-          <a:p>
-            <a:endParaRPr lang="en-GB" dirty="0"/>
-          </a:p>
-        </p:txBody>
-      </p:sp>
-    </p:spTree>
-    <p:extLst>
-      <p:ext uri="{BB962C8B-B14F-4D97-AF65-F5344CB8AC3E}">
-        <p14:creationId xmlns:p14="http://schemas.microsoft.com/office/powerpoint/2010/main" val="1876525649"/>
-      </p:ext>
-    </p:extLst>
-  </p:cSld>
-  <p:clrMapOvr>
-    <a:masterClrMapping/>
-  </p:clrMapOvr>
-</p:sld>
-</file>
-
-<file path=ppt/slides/slide17.xml><?xml version="1.0" encoding="utf-8"?>
-<p:sld xmlns:a="http://schemas.openxmlformats.org/drawingml/2006/main" xmlns:r="http://schemas.openxmlformats.org/officeDocument/2006/relationships" xmlns:p="http://schemas.openxmlformats.org/presentationml/2006/main">
-  <p:cSld>
-    <p:spTree>
-      <p:nvGrpSpPr>
-        <p:cNvPr id="1" name=""/>
-        <p:cNvGrpSpPr/>
-        <p:nvPr/>
-      </p:nvGrpSpPr>
-      <p:grpSpPr>
-        <a:xfrm>
-          <a:off x="0" y="0"/>
-          <a:ext cx="0" cy="0"/>
-          <a:chOff x="0" y="0"/>
-          <a:chExt cx="0" cy="0"/>
-        </a:xfrm>
-      </p:grpSpPr>
-      <p:sp>
-        <p:nvSpPr>
-          <p:cNvPr id="2" name="Titel 1"/>
-          <p:cNvSpPr>
-            <a:spLocks noGrp="1"/>
-          </p:cNvSpPr>
-          <p:nvPr>
-            <p:ph type="title"/>
-          </p:nvPr>
-        </p:nvSpPr>
-        <p:spPr/>
-        <p:txBody>
-          <a:bodyPr/>
-          <a:lstStyle/>
-          <a:p>
-            <a:r>
-              <a:rPr lang="en-GB" dirty="0" smtClean="0"/>
-              <a:t>(Alternative </a:t>
-            </a:r>
-            <a:r>
-              <a:rPr lang="en-GB" dirty="0" err="1" smtClean="0"/>
-              <a:t>zu</a:t>
-            </a:r>
-            <a:r>
-              <a:rPr lang="en-GB" dirty="0" smtClean="0"/>
-              <a:t> </a:t>
-            </a:r>
-            <a:r>
-              <a:rPr lang="en-GB" dirty="0" err="1" smtClean="0"/>
-              <a:t>Folie</a:t>
-            </a:r>
-            <a:r>
-              <a:rPr lang="en-GB" dirty="0" smtClean="0"/>
-              <a:t> 2)</a:t>
-            </a:r>
-            <a:br>
-              <a:rPr lang="en-GB" dirty="0" smtClean="0"/>
-            </a:br>
-            <a:r>
-              <a:rPr lang="en-GB" dirty="0" smtClean="0"/>
-              <a:t>Image </a:t>
-            </a:r>
-            <a:r>
-              <a:rPr lang="en-GB" dirty="0"/>
-              <a:t>reconstruction </a:t>
-            </a:r>
-            <a:r>
-              <a:rPr lang="en-GB" dirty="0" smtClean="0"/>
-              <a:t>problem</a:t>
-            </a:r>
-            <a:endParaRPr lang="en-GB" dirty="0"/>
-          </a:p>
-        </p:txBody>
-      </p:sp>
-      <p:sp>
-        <p:nvSpPr>
-          <p:cNvPr id="3" name="Inhaltsplatzhalter 2"/>
-          <p:cNvSpPr>
-            <a:spLocks noGrp="1"/>
-          </p:cNvSpPr>
-          <p:nvPr>
-            <p:ph idx="1"/>
-          </p:nvPr>
-        </p:nvSpPr>
-        <p:spPr/>
-        <p:txBody>
-          <a:bodyPr/>
-          <a:lstStyle/>
-          <a:p>
-            <a:endParaRPr lang="en-GB" dirty="0"/>
-          </a:p>
-        </p:txBody>
-      </p:sp>
-      <p:pic>
-        <p:nvPicPr>
-          <p:cNvPr id="4" name="Grafik 3"/>
-          <p:cNvPicPr>
-            <a:picLocks noChangeAspect="1"/>
-          </p:cNvPicPr>
-          <p:nvPr/>
-        </p:nvPicPr>
-        <p:blipFill>
-          <a:blip r:embed="rId2"/>
-          <a:stretch>
-            <a:fillRect/>
-          </a:stretch>
-        </p:blipFill>
-        <p:spPr>
-          <a:xfrm>
-            <a:off x="431875" y="4172333"/>
-            <a:ext cx="11328250" cy="2767393"/>
-          </a:xfrm>
-          <a:prstGeom prst="rect">
-            <a:avLst/>
-          </a:prstGeom>
-        </p:spPr>
-      </p:pic>
-      <p:pic>
-        <p:nvPicPr>
-          <p:cNvPr id="5" name="Inhaltsplatzhalter 6"/>
-          <p:cNvPicPr>
-            <a:picLocks noChangeAspect="1"/>
-          </p:cNvPicPr>
-          <p:nvPr/>
-        </p:nvPicPr>
-        <p:blipFill>
-          <a:blip r:embed="rId3" cstate="print">
-            <a:extLst>
-              <a:ext uri="{28A0092B-C50C-407E-A947-70E740481C1C}">
-                <a14:useLocalDpi xmlns:a14="http://schemas.microsoft.com/office/drawing/2010/main" val="0"/>
-              </a:ext>
-            </a:extLst>
-          </a:blip>
-          <a:stretch>
-            <a:fillRect/>
-          </a:stretch>
-        </p:blipFill>
-        <p:spPr>
-          <a:xfrm>
-            <a:off x="26019" y="2044807"/>
-            <a:ext cx="2132565" cy="2114644"/>
-          </a:xfrm>
-          <a:prstGeom prst="rect">
-            <a:avLst/>
-          </a:prstGeom>
-        </p:spPr>
-      </p:pic>
-      <p:pic>
-        <p:nvPicPr>
-          <p:cNvPr id="6" name="Grafik 5"/>
-          <p:cNvPicPr>
-            <a:picLocks noChangeAspect="1"/>
-          </p:cNvPicPr>
-          <p:nvPr/>
-        </p:nvPicPr>
-        <p:blipFill rotWithShape="1">
-          <a:blip r:embed="rId4" cstate="print">
-            <a:extLst>
-              <a:ext uri="{28A0092B-C50C-407E-A947-70E740481C1C}">
-                <a14:useLocalDpi xmlns:a14="http://schemas.microsoft.com/office/drawing/2010/main" val="0"/>
-              </a:ext>
-            </a:extLst>
-          </a:blip>
-          <a:srcRect l="13804" t="5129" b="8461"/>
-          <a:stretch/>
-        </p:blipFill>
-        <p:spPr>
-          <a:xfrm>
-            <a:off x="9881966" y="1928130"/>
-            <a:ext cx="2310033" cy="2244203"/>
-          </a:xfrm>
-          <a:prstGeom prst="rect">
-            <a:avLst/>
-          </a:prstGeom>
-        </p:spPr>
-      </p:pic>
-      <p:sp>
-        <p:nvSpPr>
-          <p:cNvPr id="7" name="Textfeld 6"/>
-          <p:cNvSpPr txBox="1"/>
-          <p:nvPr/>
-        </p:nvSpPr>
-        <p:spPr>
-          <a:xfrm>
-            <a:off x="121015" y="1636915"/>
-            <a:ext cx="2147777" cy="461665"/>
-          </a:xfrm>
-          <a:prstGeom prst="rect">
-            <a:avLst/>
-          </a:prstGeom>
-          <a:noFill/>
-        </p:spPr>
-        <p:txBody>
-          <a:bodyPr wrap="square" rtlCol="0">
-            <a:spAutoFit/>
-          </a:bodyPr>
-          <a:lstStyle/>
-          <a:p>
-            <a:r>
-              <a:rPr lang="en-GB" sz="2400" dirty="0" smtClean="0"/>
-              <a:t>Fourier space</a:t>
-            </a:r>
-            <a:endParaRPr lang="en-GB" sz="2400" dirty="0"/>
-          </a:p>
-        </p:txBody>
-      </p:sp>
-      <p:sp>
-        <p:nvSpPr>
-          <p:cNvPr id="8" name="Textfeld 7"/>
-          <p:cNvSpPr txBox="1"/>
-          <p:nvPr/>
-        </p:nvSpPr>
-        <p:spPr>
-          <a:xfrm>
-            <a:off x="10279911" y="1466465"/>
-            <a:ext cx="2147777" cy="461665"/>
-          </a:xfrm>
-          <a:prstGeom prst="rect">
-            <a:avLst/>
-          </a:prstGeom>
-          <a:noFill/>
-        </p:spPr>
-        <p:txBody>
-          <a:bodyPr wrap="square" rtlCol="0">
-            <a:spAutoFit/>
-          </a:bodyPr>
-          <a:lstStyle/>
-          <a:p>
-            <a:r>
-              <a:rPr lang="en-GB" sz="2400" dirty="0" smtClean="0"/>
-              <a:t>Image space</a:t>
-            </a:r>
-            <a:endParaRPr lang="en-GB" sz="2400" dirty="0"/>
-          </a:p>
-        </p:txBody>
-      </p:sp>
-    </p:spTree>
-    <p:extLst>
-      <p:ext uri="{BB962C8B-B14F-4D97-AF65-F5344CB8AC3E}">
-        <p14:creationId xmlns:p14="http://schemas.microsoft.com/office/powerpoint/2010/main" val="3661638364"/>
-      </p:ext>
-    </p:extLst>
-  </p:cSld>
-  <p:clrMapOvr>
-    <a:masterClrMapping/>
-  </p:clrMapOvr>
-</p:sld>
-</file>
-
-<file path=ppt/slides/slide18.xml><?xml version="1.0" encoding="utf-8"?>
-<p:sld xmlns:a="http://schemas.openxmlformats.org/drawingml/2006/main" xmlns:r="http://schemas.openxmlformats.org/officeDocument/2006/relationships" xmlns:p="http://schemas.openxmlformats.org/presentationml/2006/main">
-  <p:cSld>
-    <p:spTree>
-      <p:nvGrpSpPr>
-        <p:cNvPr id="1" name=""/>
-        <p:cNvGrpSpPr/>
-        <p:nvPr/>
-      </p:nvGrpSpPr>
-      <p:grpSpPr>
-        <a:xfrm>
-          <a:off x="0" y="0"/>
-          <a:ext cx="0" cy="0"/>
-          <a:chOff x="0" y="0"/>
-          <a:chExt cx="0" cy="0"/>
-        </a:xfrm>
-      </p:grpSpPr>
-      <p:sp>
-        <p:nvSpPr>
-          <p:cNvPr id="2" name="Titel 1"/>
-          <p:cNvSpPr>
-            <a:spLocks noGrp="1"/>
-          </p:cNvSpPr>
-          <p:nvPr>
-            <p:ph type="title"/>
-          </p:nvPr>
-        </p:nvSpPr>
-        <p:spPr/>
-        <p:txBody>
-          <a:bodyPr/>
-          <a:lstStyle/>
-          <a:p>
-            <a:r>
-              <a:rPr lang="en-GB" dirty="0" smtClean="0"/>
-              <a:t>Comparison CLEAN with </a:t>
-            </a:r>
-            <a:r>
-              <a:rPr lang="en-GB" dirty="0" err="1" smtClean="0"/>
-              <a:t>CD+ElasticNet</a:t>
-            </a:r>
-            <a:endParaRPr lang="en-GB" dirty="0"/>
-          </a:p>
-        </p:txBody>
-      </p:sp>
-      <p:sp>
-        <p:nvSpPr>
-          <p:cNvPr id="3" name="Inhaltsplatzhalter 2"/>
-          <p:cNvSpPr>
-            <a:spLocks noGrp="1"/>
-          </p:cNvSpPr>
-          <p:nvPr>
-            <p:ph idx="1"/>
-          </p:nvPr>
-        </p:nvSpPr>
-        <p:spPr/>
-        <p:txBody>
-          <a:bodyPr/>
-          <a:lstStyle/>
-          <a:p>
-            <a:endParaRPr lang="en-GB" dirty="0" smtClean="0"/>
-          </a:p>
-          <a:p>
-            <a:endParaRPr lang="en-GB" dirty="0"/>
-          </a:p>
-          <a:p>
-            <a:endParaRPr lang="en-GB" dirty="0" smtClean="0"/>
-          </a:p>
-          <a:p>
-            <a:endParaRPr lang="en-GB" dirty="0"/>
-          </a:p>
-          <a:p>
-            <a:r>
-              <a:rPr lang="en-GB" dirty="0" smtClean="0"/>
-              <a:t>Noise Regularization:</a:t>
-            </a:r>
-          </a:p>
-          <a:p>
-            <a:pPr marL="0" indent="0">
-              <a:buNone/>
-            </a:pPr>
-            <a:r>
-              <a:rPr lang="en-GB" dirty="0" err="1" smtClean="0"/>
-              <a:t>ElasticNet</a:t>
+              <a:t>ElasticNET</a:t>
             </a:r>
             <a:endParaRPr lang="en-GB" dirty="0"/>
           </a:p>
@@ -7204,7 +6709,7 @@
         </p:blipFill>
         <p:spPr>
           <a:xfrm>
-            <a:off x="9012387" y="3850414"/>
+            <a:off x="6638464" y="3183346"/>
             <a:ext cx="2993617" cy="2993617"/>
           </a:xfrm>
           <a:prstGeom prst="rect">
@@ -7234,7 +6739,7 @@
         </p:blipFill>
         <p:spPr>
           <a:xfrm>
-            <a:off x="4753965" y="3850414"/>
+            <a:off x="2380042" y="3183346"/>
             <a:ext cx="2993199" cy="2993199"/>
           </a:xfrm>
           <a:prstGeom prst="rect">
@@ -7250,7 +6755,7 @@
         </p:nvSpPr>
         <p:spPr>
           <a:xfrm>
-            <a:off x="5815371" y="3481082"/>
+            <a:off x="3441448" y="2814014"/>
             <a:ext cx="1004599" cy="369332"/>
           </a:xfrm>
           <a:prstGeom prst="rect">
@@ -7280,7 +6785,7 @@
         </p:nvSpPr>
         <p:spPr>
           <a:xfrm>
-            <a:off x="10013823" y="3481082"/>
+            <a:off x="7639900" y="2814014"/>
             <a:ext cx="990744" cy="369332"/>
           </a:xfrm>
           <a:prstGeom prst="rect">
@@ -7310,7 +6815,7 @@
         </p:nvSpPr>
         <p:spPr>
           <a:xfrm>
-            <a:off x="7980467" y="4488031"/>
+            <a:off x="5696691" y="3705515"/>
             <a:ext cx="798617" cy="1569660"/>
           </a:xfrm>
           <a:prstGeom prst="rect">
@@ -7342,10 +6847,17 @@
   <p:clrMapOvr>
     <a:masterClrMapping/>
   </p:clrMapOvr>
+  <p:timing>
+    <p:tnLst>
+      <p:par>
+        <p:cTn id="1" dur="indefinite" restart="never" nodeType="tmRoot"/>
+      </p:par>
+    </p:tnLst>
+  </p:timing>
 </p:sld>
 </file>
 
-<file path=ppt/slides/slide19.xml><?xml version="1.0" encoding="utf-8"?>
+<file path=ppt/slides/slide16.xml><?xml version="1.0" encoding="utf-8"?>
 <p:sld xmlns:a="http://schemas.openxmlformats.org/drawingml/2006/main" xmlns:r="http://schemas.openxmlformats.org/officeDocument/2006/relationships" xmlns:p="http://schemas.openxmlformats.org/presentationml/2006/main">
   <p:cSld>
     <p:bg>
@@ -7401,57 +6913,121 @@
           </a:p>
         </p:txBody>
       </p:sp>
-      <p:sp>
-        <p:nvSpPr>
-          <p:cNvPr id="3" name="Inhaltsplatzhalter 2"/>
-          <p:cNvSpPr>
-            <a:spLocks noGrp="1"/>
-          </p:cNvSpPr>
-          <p:nvPr>
-            <p:ph idx="1"/>
-          </p:nvPr>
-        </p:nvSpPr>
-        <p:spPr/>
-        <p:txBody>
-          <a:bodyPr/>
-          <a:lstStyle/>
-          <a:p>
-            <a:endParaRPr lang="en-GB" dirty="0"/>
-          </a:p>
-        </p:txBody>
-      </p:sp>
       <p:pic>
         <p:nvPicPr>
-          <p:cNvPr id="9" name="Grafik 8"/>
+          <p:cNvPr id="5" name="Inhaltsplatzhalter 4"/>
           <p:cNvPicPr>
-            <a:picLocks noChangeAspect="1"/>
+            <a:picLocks noGrp="1" noChangeAspect="1"/>
           </p:cNvPicPr>
-          <p:nvPr/>
+          <p:nvPr>
+            <p:ph idx="1"/>
+          </p:nvPr>
         </p:nvPicPr>
         <p:blipFill rotWithShape="1">
-          <a:blip r:embed="rId2">
+          <a:blip r:embed="rId2" cstate="print">
             <a:extLst>
               <a:ext uri="{28A0092B-C50C-407E-A947-70E740481C1C}">
                 <a14:useLocalDpi xmlns:a14="http://schemas.microsoft.com/office/drawing/2010/main" val="0"/>
               </a:ext>
             </a:extLst>
           </a:blip>
-          <a:srcRect l="5849" t="7514" r="37960" b="40839"/>
+          <a:srcRect t="8351" r="4079" b="10655"/>
           <a:stretch/>
         </p:blipFill>
         <p:spPr>
           <a:xfrm>
-            <a:off x="1311038" y="2075202"/>
-            <a:ext cx="3743422" cy="3440704"/>
+            <a:off x="297812" y="2245074"/>
+            <a:ext cx="5482713" cy="4595526"/>
+          </a:xfrm>
+        </p:spPr>
+      </p:pic>
+      <p:sp>
+        <p:nvSpPr>
+          <p:cNvPr id="4" name="Textfeld 3"/>
+          <p:cNvSpPr txBox="1"/>
+          <p:nvPr/>
+        </p:nvSpPr>
+        <p:spPr>
+          <a:xfrm>
+            <a:off x="2706985" y="1809723"/>
+            <a:ext cx="797719" cy="369332"/>
           </a:xfrm>
           <a:prstGeom prst="rect">
             <a:avLst/>
           </a:prstGeom>
+          <a:noFill/>
         </p:spPr>
-      </p:pic>
+        <p:txBody>
+          <a:bodyPr wrap="none" rtlCol="0">
+            <a:spAutoFit/>
+          </a:bodyPr>
+          <a:lstStyle/>
+          <a:p>
+            <a:r>
+              <a:rPr lang="en-GB" dirty="0" smtClean="0">
+                <a:solidFill>
+                  <a:schemeClr val="bg1"/>
+                </a:solidFill>
+              </a:rPr>
+              <a:t>CLEAN</a:t>
+            </a:r>
+            <a:endParaRPr lang="en-GB" dirty="0">
+              <a:solidFill>
+                <a:schemeClr val="bg1"/>
+              </a:solidFill>
+            </a:endParaRPr>
+          </a:p>
+        </p:txBody>
+      </p:sp>
+      <p:sp>
+        <p:nvSpPr>
+          <p:cNvPr id="11" name="Textfeld 10"/>
+          <p:cNvSpPr txBox="1"/>
+          <p:nvPr/>
+        </p:nvSpPr>
+        <p:spPr>
+          <a:xfrm>
+            <a:off x="8185546" y="1809723"/>
+            <a:ext cx="1636025" cy="369332"/>
+          </a:xfrm>
+          <a:prstGeom prst="rect">
+            <a:avLst/>
+          </a:prstGeom>
+          <a:noFill/>
+        </p:spPr>
+        <p:txBody>
+          <a:bodyPr wrap="none" rtlCol="0">
+            <a:spAutoFit/>
+          </a:bodyPr>
+          <a:lstStyle/>
+          <a:p>
+            <a:r>
+              <a:rPr lang="en-GB" dirty="0" smtClean="0">
+                <a:solidFill>
+                  <a:schemeClr val="bg1"/>
+                </a:solidFill>
+              </a:rPr>
+              <a:t>CD + </a:t>
+            </a:r>
+            <a:r>
+              <a:rPr lang="en-GB" dirty="0" err="1" smtClean="0">
+                <a:solidFill>
+                  <a:schemeClr val="bg1"/>
+                </a:solidFill>
+              </a:rPr>
+              <a:t>ElasticNET</a:t>
+            </a:r>
+            <a:endParaRPr lang="en-GB" dirty="0">
+              <a:solidFill>
+                <a:schemeClr val="bg1"/>
+              </a:solidFill>
+            </a:endParaRPr>
+          </a:p>
+        </p:txBody>
+      </p:sp>
       <p:pic>
         <p:nvPicPr>
-          <p:cNvPr id="10" name="Inhaltsplatzhalter 3"/>
+          <p:cNvPr id="6" name="Grafik 5"/>
           <p:cNvPicPr>
             <a:picLocks noChangeAspect="1"/>
           </p:cNvPicPr>
@@ -7465,103 +7041,19 @@
               </a:ext>
             </a:extLst>
           </a:blip>
-          <a:srcRect l="9589" t="8669" r="41896" b="43804"/>
+          <a:srcRect l="9741" t="8750" r="4503" b="12638"/>
           <a:stretch/>
         </p:blipFill>
         <p:spPr>
           <a:xfrm>
-            <a:off x="6636145" y="2133956"/>
-            <a:ext cx="3452291" cy="3381950"/>
+            <a:off x="6144107" y="2245074"/>
+            <a:ext cx="4933957" cy="4489742"/>
           </a:xfrm>
           <a:prstGeom prst="rect">
             <a:avLst/>
           </a:prstGeom>
         </p:spPr>
       </p:pic>
-      <p:sp>
-        <p:nvSpPr>
-          <p:cNvPr id="4" name="Textfeld 3"/>
-          <p:cNvSpPr txBox="1"/>
-          <p:nvPr/>
-        </p:nvSpPr>
-        <p:spPr>
-          <a:xfrm>
-            <a:off x="2783889" y="1993872"/>
-            <a:ext cx="797719" cy="369332"/>
-          </a:xfrm>
-          <a:prstGeom prst="rect">
-            <a:avLst/>
-          </a:prstGeom>
-          <a:noFill/>
-        </p:spPr>
-        <p:txBody>
-          <a:bodyPr wrap="none" rtlCol="0">
-            <a:spAutoFit/>
-          </a:bodyPr>
-          <a:lstStyle/>
-          <a:p>
-            <a:r>
-              <a:rPr lang="en-GB" dirty="0" smtClean="0">
-                <a:solidFill>
-                  <a:schemeClr val="bg1"/>
-                </a:solidFill>
-              </a:rPr>
-              <a:t>CLEAN</a:t>
-            </a:r>
-            <a:endParaRPr lang="en-GB" dirty="0">
-              <a:solidFill>
-                <a:schemeClr val="bg1"/>
-              </a:solidFill>
-            </a:endParaRPr>
-          </a:p>
-        </p:txBody>
-      </p:sp>
-      <p:sp>
-        <p:nvSpPr>
-          <p:cNvPr id="11" name="Textfeld 10"/>
-          <p:cNvSpPr txBox="1"/>
-          <p:nvPr/>
-        </p:nvSpPr>
-        <p:spPr>
-          <a:xfrm>
-            <a:off x="7242571" y="1823068"/>
-            <a:ext cx="2737031" cy="369332"/>
-          </a:xfrm>
-          <a:prstGeom prst="rect">
-            <a:avLst/>
-          </a:prstGeom>
-          <a:noFill/>
-        </p:spPr>
-        <p:txBody>
-          <a:bodyPr wrap="none" rtlCol="0">
-            <a:spAutoFit/>
-          </a:bodyPr>
-          <a:lstStyle/>
-          <a:p>
-            <a:r>
-              <a:rPr lang="en-GB" dirty="0" smtClean="0">
-                <a:solidFill>
-                  <a:schemeClr val="bg1"/>
-                </a:solidFill>
-              </a:rPr>
-              <a:t>Distributed CD + </a:t>
-            </a:r>
-            <a:r>
-              <a:rPr lang="en-GB" dirty="0" err="1" smtClean="0">
-                <a:solidFill>
-                  <a:schemeClr val="bg1"/>
-                </a:solidFill>
-              </a:rPr>
-              <a:t>ElasticNET</a:t>
-            </a:r>
-            <a:endParaRPr lang="en-GB" dirty="0">
-              <a:solidFill>
-                <a:schemeClr val="bg1"/>
-              </a:solidFill>
-            </a:endParaRPr>
-          </a:p>
-        </p:txBody>
-      </p:sp>
     </p:spTree>
     <p:extLst>
       <p:ext uri="{BB962C8B-B14F-4D97-AF65-F5344CB8AC3E}">
@@ -7939,12 +7431,6 @@
           <a:p>
             <a:r>
               <a:rPr lang="en-GB" dirty="0" smtClean="0"/>
-              <a:t>Hardware: 4 Linux nodes, 1 CPU each</a:t>
-            </a:r>
-          </a:p>
-          <a:p>
-            <a:r>
-              <a:rPr lang="en-GB" dirty="0" smtClean="0"/>
               <a:t>Implementation: .</a:t>
             </a:r>
             <a:r>
@@ -7964,12 +7450,30 @@
           </a:p>
           <a:p>
             <a:r>
+              <a:rPr lang="en-GB" dirty="0"/>
+              <a:t>Hardware: 4 Linux nodes, 1 CPU </a:t>
+            </a:r>
+            <a:r>
               <a:rPr lang="en-GB" dirty="0" smtClean="0"/>
-              <a:t>Tested </a:t>
-            </a:r>
+              <a:t>each</a:t>
+            </a:r>
+          </a:p>
+          <a:p>
             <a:r>
               <a:rPr lang="en-GB" dirty="0"/>
-              <a:t>speedup on 1GB real-world </a:t>
+              <a:t>S</a:t>
+            </a:r>
+            <a:r>
+              <a:rPr lang="en-GB" dirty="0" smtClean="0"/>
+              <a:t>peedup </a:t>
+            </a:r>
+            <a:r>
+              <a:rPr lang="en-GB" dirty="0"/>
+              <a:t>on 1GB </a:t>
+            </a:r>
+            <a:r>
+              <a:rPr lang="en-GB" dirty="0" smtClean="0"/>
+              <a:t>LMC </a:t>
             </a:r>
             <a:r>
               <a:rPr lang="en-GB" dirty="0" err="1"/>
@@ -7984,9 +7488,9 @@
             <a:endParaRPr lang="en-GB" dirty="0" smtClean="0"/>
           </a:p>
           <a:p>
-            <a:endParaRPr lang="en-GB" dirty="0" smtClean="0"/>
-          </a:p>
-          <a:p>
+            <a:pPr marL="0" indent="0">
+              <a:buNone/>
+            </a:pPr>
             <a:endParaRPr lang="en-GB" dirty="0"/>
           </a:p>
           <a:p>
@@ -8113,6 +7617,9 @@
           </a:bodyPr>
           <a:lstStyle/>
           <a:p>
+            <a:pPr marL="0" indent="0">
+              <a:buNone/>
+            </a:pPr>
             <a:r>
               <a:rPr lang="en-GB" sz="2000" dirty="0" err="1"/>
               <a:t>Veenboer</a:t>
@@ -8167,27 +7674,6 @@
               </a:rPr>
               <a:t>.</a:t>
             </a:r>
-          </a:p>
-          <a:p>
-            <a:r>
-              <a:rPr lang="en-GB" sz="2000" dirty="0" smtClean="0"/>
-              <a:t>GPU implementations exist</a:t>
-            </a:r>
-          </a:p>
-          <a:p>
-            <a:r>
-              <a:rPr lang="en-GB" sz="2000" dirty="0" smtClean="0"/>
-              <a:t>.</a:t>
-            </a:r>
-            <a:r>
-              <a:rPr lang="en-GB" sz="2000" dirty="0" err="1" smtClean="0"/>
-              <a:t>netcore</a:t>
-            </a:r>
-            <a:r>
-              <a:rPr lang="en-GB" sz="2000" dirty="0" smtClean="0"/>
-              <a:t> so far uses the CPU</a:t>
-            </a:r>
-            <a:endParaRPr lang="en-GB" sz="2000" dirty="0"/>
           </a:p>
         </p:txBody>
       </p:sp>
@@ -8540,7 +8026,7 @@
         </p:blipFill>
         <p:spPr>
           <a:xfrm>
-            <a:off x="5249365" y="1737745"/>
+            <a:off x="5249365" y="1755329"/>
             <a:ext cx="712993" cy="712993"/>
           </a:xfrm>
         </p:spPr>
@@ -8824,21 +8310,21 @@
       </p:sp>
       <p:graphicFrame>
         <p:nvGraphicFramePr>
-          <p:cNvPr id="6" name="Diagramm 5"/>
+          <p:cNvPr id="5" name="Diagramm 4"/>
           <p:cNvGraphicFramePr>
             <a:graphicFrameLocks/>
           </p:cNvGraphicFramePr>
           <p:nvPr>
             <p:extLst>
               <p:ext uri="{D42A27DB-BD31-4B8C-83A1-F6EECF244321}">
-                <p14:modId xmlns:p14="http://schemas.microsoft.com/office/powerpoint/2010/main" val="2241446028"/>
+                <p14:modId xmlns:p14="http://schemas.microsoft.com/office/powerpoint/2010/main" val="1065447057"/>
               </p:ext>
             </p:extLst>
           </p:nvPr>
         </p:nvGraphicFramePr>
         <p:xfrm>
-          <a:off x="1784968" y="1690688"/>
-          <a:ext cx="8273432" cy="4760048"/>
+          <a:off x="2092461" y="1554255"/>
+          <a:ext cx="8220916" cy="4688283"/>
         </p:xfrm>
         <a:graphic>
           <a:graphicData uri="http://schemas.openxmlformats.org/drawingml/2006/chart">
@@ -9038,7 +8524,7 @@
           <a:p>
             <a:r>
               <a:rPr lang="en-GB" dirty="0" smtClean="0"/>
-              <a:t>Distributed algorithms</a:t>
+              <a:t>Methods for distributed deconvolution</a:t>
             </a:r>
             <a:endParaRPr lang="en-GB" dirty="0"/>
           </a:p>
@@ -9057,7 +8543,7 @@
         <p:spPr/>
         <p:txBody>
           <a:bodyPr>
-            <a:normAutofit fontScale="85000" lnSpcReduction="20000"/>
+            <a:normAutofit fontScale="77500" lnSpcReduction="20000"/>
           </a:bodyPr>
           <a:lstStyle/>
           <a:p>
@@ -9067,7 +8553,7 @@
             </a:r>
             <a:r>
               <a:rPr lang="en-GB" dirty="0" smtClean="0"/>
-              <a:t>variants in Radio Astronomy</a:t>
+              <a:t>methods in Radio Astronomy</a:t>
             </a:r>
             <a:endParaRPr lang="en-GB" dirty="0"/>
           </a:p>
@@ -9149,70 +8635,13 @@
           <a:p>
             <a:r>
               <a:rPr lang="en-GB" dirty="0" smtClean="0"/>
-              <a:t>Coordinate Descent variants</a:t>
+              <a:t>Coordinate Descent methods in Signal Processing</a:t>
             </a:r>
           </a:p>
           <a:p>
             <a:pPr lvl="1"/>
             <a:r>
-              <a:rPr lang="en-GB" dirty="0"/>
-              <a:t>Bradley, Joseph K., et al. "Parallel coordinate descent for l1-regularized loss minimization."</a:t>
-            </a:r>
-            <a:r>
-              <a:rPr lang="en-GB" dirty="0">
-                <a:solidFill>
-                  <a:schemeClr val="bg1">
-                    <a:lumMod val="50000"/>
-                  </a:schemeClr>
-                </a:solidFill>
-              </a:rPr>
-              <a:t> </a:t>
-            </a:r>
-            <a:r>
-              <a:rPr lang="en-GB" i="1" dirty="0" err="1">
-                <a:solidFill>
-                  <a:schemeClr val="bg1">
-                    <a:lumMod val="50000"/>
-                  </a:schemeClr>
-                </a:solidFill>
-              </a:rPr>
-              <a:t>arXiv</a:t>
-            </a:r>
-            <a:r>
-              <a:rPr lang="en-GB" i="1" dirty="0">
-                <a:solidFill>
-                  <a:schemeClr val="bg1">
-                    <a:lumMod val="50000"/>
-                  </a:schemeClr>
-                </a:solidFill>
-              </a:rPr>
-              <a:t> preprint arXiv:1105.5379</a:t>
-            </a:r>
-            <a:r>
-              <a:rPr lang="en-GB" dirty="0">
-                <a:solidFill>
-                  <a:schemeClr val="bg1">
-                    <a:lumMod val="50000"/>
-                  </a:schemeClr>
-                </a:solidFill>
-              </a:rPr>
-              <a:t>(2011</a:t>
-            </a:r>
-            <a:r>
-              <a:rPr lang="en-GB" dirty="0" smtClean="0">
-                <a:solidFill>
-                  <a:schemeClr val="bg1">
-                    <a:lumMod val="50000"/>
-                  </a:schemeClr>
-                </a:solidFill>
-              </a:rPr>
-              <a:t>).</a:t>
-            </a:r>
-          </a:p>
-          <a:p>
-            <a:pPr lvl="1"/>
-            <a:r>
-              <a:rPr lang="en-GB" dirty="0" err="1"/>
+              <a:rPr lang="en-GB" dirty="0" err="1" smtClean="0"/>
               <a:t>Fercoq</a:t>
             </a:r>
             <a:r>
@@ -9247,9 +8676,65 @@
           <a:p>
             <a:pPr lvl="1"/>
             <a:r>
+              <a:rPr lang="en-GB" dirty="0"/>
+              <a:t>Felix, Simon, Roman </a:t>
+            </a:r>
+            <a:r>
+              <a:rPr lang="en-GB" dirty="0" err="1"/>
+              <a:t>Bolzern</a:t>
+            </a:r>
+            <a:r>
+              <a:rPr lang="en-GB" dirty="0"/>
+              <a:t>, and Marina </a:t>
+            </a:r>
+            <a:r>
+              <a:rPr lang="en-GB" dirty="0" err="1"/>
+              <a:t>Battaglia</a:t>
+            </a:r>
+            <a:r>
+              <a:rPr lang="en-GB" dirty="0"/>
+              <a:t>. "A compressed sensing-based image reconstruction algorithm for solar flare X-ray observations." </a:t>
+            </a:r>
+            <a:r>
+              <a:rPr lang="en-GB" i="1" dirty="0">
+                <a:solidFill>
+                  <a:schemeClr val="bg1">
+                    <a:lumMod val="50000"/>
+                  </a:schemeClr>
+                </a:solidFill>
+              </a:rPr>
+              <a:t>The Astrophysical Journal</a:t>
+            </a:r>
+            <a:r>
+              <a:rPr lang="en-GB" dirty="0">
+                <a:solidFill>
+                  <a:schemeClr val="bg1">
+                    <a:lumMod val="50000"/>
+                  </a:schemeClr>
+                </a:solidFill>
+              </a:rPr>
+              <a:t>849.1 (2017): 10.</a:t>
+            </a:r>
+            <a:endParaRPr lang="en-GB" dirty="0" smtClean="0">
+              <a:solidFill>
+                <a:schemeClr val="bg1">
+                  <a:lumMod val="50000"/>
+                </a:schemeClr>
+              </a:solidFill>
+            </a:endParaRPr>
+          </a:p>
+          <a:p>
+            <a:pPr lvl="1"/>
+            <a:r>
               <a:rPr lang="en-GB" dirty="0" smtClean="0"/>
               <a:t>…</a:t>
             </a:r>
+          </a:p>
+          <a:p>
+            <a:pPr marL="457200" lvl="1" indent="0">
+              <a:buNone/>
+            </a:pPr>
+            <a:endParaRPr lang="en-GB" dirty="0" smtClean="0"/>
           </a:p>
         </p:txBody>
       </p:sp>

--- a/SKA-Days/pp.pptx
+++ b/SKA-Days/pp.pptx
@@ -2954,7 +2954,7 @@
           <a:p>
             <a:fld id="{9D44239A-C583-499D-A70F-E9EF0D5B777A}" type="datetimeFigureOut">
               <a:rPr lang="en-GB" smtClean="0"/>
-              <a:t>19/06/2019</a:t>
+              <a:t>20/06/2019</a:t>
             </a:fld>
             <a:endParaRPr lang="en-GB"/>
           </a:p>
@@ -3124,7 +3124,7 @@
           <a:p>
             <a:fld id="{9D44239A-C583-499D-A70F-E9EF0D5B777A}" type="datetimeFigureOut">
               <a:rPr lang="en-GB" smtClean="0"/>
-              <a:t>19/06/2019</a:t>
+              <a:t>20/06/2019</a:t>
             </a:fld>
             <a:endParaRPr lang="en-GB"/>
           </a:p>
@@ -3304,7 +3304,7 @@
           <a:p>
             <a:fld id="{9D44239A-C583-499D-A70F-E9EF0D5B777A}" type="datetimeFigureOut">
               <a:rPr lang="en-GB" smtClean="0"/>
-              <a:t>19/06/2019</a:t>
+              <a:t>20/06/2019</a:t>
             </a:fld>
             <a:endParaRPr lang="en-GB"/>
           </a:p>
@@ -3474,7 +3474,7 @@
           <a:p>
             <a:fld id="{9D44239A-C583-499D-A70F-E9EF0D5B777A}" type="datetimeFigureOut">
               <a:rPr lang="en-GB" smtClean="0"/>
-              <a:t>19/06/2019</a:t>
+              <a:t>20/06/2019</a:t>
             </a:fld>
             <a:endParaRPr lang="en-GB"/>
           </a:p>
@@ -3720,7 +3720,7 @@
           <a:p>
             <a:fld id="{9D44239A-C583-499D-A70F-E9EF0D5B777A}" type="datetimeFigureOut">
               <a:rPr lang="en-GB" smtClean="0"/>
-              <a:t>19/06/2019</a:t>
+              <a:t>20/06/2019</a:t>
             </a:fld>
             <a:endParaRPr lang="en-GB"/>
           </a:p>
@@ -3952,7 +3952,7 @@
           <a:p>
             <a:fld id="{9D44239A-C583-499D-A70F-E9EF0D5B777A}" type="datetimeFigureOut">
               <a:rPr lang="en-GB" smtClean="0"/>
-              <a:t>19/06/2019</a:t>
+              <a:t>20/06/2019</a:t>
             </a:fld>
             <a:endParaRPr lang="en-GB"/>
           </a:p>
@@ -4319,7 +4319,7 @@
           <a:p>
             <a:fld id="{9D44239A-C583-499D-A70F-E9EF0D5B777A}" type="datetimeFigureOut">
               <a:rPr lang="en-GB" smtClean="0"/>
-              <a:t>19/06/2019</a:t>
+              <a:t>20/06/2019</a:t>
             </a:fld>
             <a:endParaRPr lang="en-GB"/>
           </a:p>
@@ -4437,7 +4437,7 @@
           <a:p>
             <a:fld id="{9D44239A-C583-499D-A70F-E9EF0D5B777A}" type="datetimeFigureOut">
               <a:rPr lang="en-GB" smtClean="0"/>
-              <a:t>19/06/2019</a:t>
+              <a:t>20/06/2019</a:t>
             </a:fld>
             <a:endParaRPr lang="en-GB"/>
           </a:p>
@@ -4532,7 +4532,7 @@
           <a:p>
             <a:fld id="{9D44239A-C583-499D-A70F-E9EF0D5B777A}" type="datetimeFigureOut">
               <a:rPr lang="en-GB" smtClean="0"/>
-              <a:t>19/06/2019</a:t>
+              <a:t>20/06/2019</a:t>
             </a:fld>
             <a:endParaRPr lang="en-GB"/>
           </a:p>
@@ -4809,7 +4809,7 @@
           <a:p>
             <a:fld id="{9D44239A-C583-499D-A70F-E9EF0D5B777A}" type="datetimeFigureOut">
               <a:rPr lang="en-GB" smtClean="0"/>
-              <a:t>19/06/2019</a:t>
+              <a:t>20/06/2019</a:t>
             </a:fld>
             <a:endParaRPr lang="en-GB"/>
           </a:p>
@@ -5062,7 +5062,7 @@
           <a:p>
             <a:fld id="{9D44239A-C583-499D-A70F-E9EF0D5B777A}" type="datetimeFigureOut">
               <a:rPr lang="en-GB" smtClean="0"/>
-              <a:t>19/06/2019</a:t>
+              <a:t>20/06/2019</a:t>
             </a:fld>
             <a:endParaRPr lang="en-GB"/>
           </a:p>
@@ -5275,7 +5275,7 @@
           <a:p>
             <a:fld id="{9D44239A-C583-499D-A70F-E9EF0D5B777A}" type="datetimeFigureOut">
               <a:rPr lang="en-GB" smtClean="0"/>
-              <a:t>19/06/2019</a:t>
+              <a:t>20/06/2019</a:t>
             </a:fld>
             <a:endParaRPr lang="en-GB"/>
           </a:p>
@@ -5846,6 +5846,15 @@
               <a:rPr lang="en-GB" dirty="0" smtClean="0"/>
               <a:t>Search pixel with the value that can be modified the most </a:t>
             </a:r>
+            <a:r>
+              <a:rPr lang="en-GB" dirty="0"/>
+              <a:t>(optimum of a parabola</a:t>
+            </a:r>
+            <a:r>
+              <a:rPr lang="en-GB" dirty="0" smtClean="0"/>
+              <a:t>)</a:t>
+            </a:r>
+            <a:endParaRPr lang="en-GB" dirty="0" smtClean="0"/>
           </a:p>
           <a:p>
             <a:pPr marL="514350" indent="-514350">
@@ -5854,28 +5863,19 @@
             </a:pPr>
             <a:r>
               <a:rPr lang="en-GB" dirty="0" smtClean="0"/>
-              <a:t>Calculate </a:t>
-            </a:r>
-            <a:r>
-              <a:rPr lang="en-GB" dirty="0"/>
-              <a:t>the optimum value for this </a:t>
-            </a:r>
-            <a:r>
-              <a:rPr lang="en-GB" dirty="0" smtClean="0"/>
-              <a:t>pixel independently of all other pixels (optimum </a:t>
-            </a:r>
-            <a:r>
-              <a:rPr lang="en-GB" dirty="0"/>
-              <a:t>of a parabola)</a:t>
-            </a:r>
-          </a:p>
-          <a:p>
-            <a:pPr marL="514350" lvl="0" indent="-514350">
+              <a:t>Optimize maximum pixel</a:t>
+            </a:r>
+            <a:endParaRPr lang="en-GB" i="1" dirty="0">
+              <a:latin typeface="Bell MT" panose="02020503060305020303" pitchFamily="18" charset="0"/>
+            </a:endParaRPr>
+          </a:p>
+          <a:p>
+            <a:pPr marL="514350" indent="-514350">
               <a:buFont typeface="+mj-lt"/>
               <a:buAutoNum type="arabicPeriod"/>
             </a:pPr>
             <a:r>
-              <a:rPr lang="en-GB" dirty="0"/>
+              <a:rPr lang="en-GB" dirty="0" smtClean="0"/>
               <a:t>Update </a:t>
             </a:r>
             <a:r>
@@ -6356,11 +6356,7 @@
             </a:br>
             <a:r>
               <a:rPr lang="en-GB" dirty="0" smtClean="0"/>
-              <a:t>Baseline distributed gridding </a:t>
-            </a:r>
-            <a:r>
-              <a:rPr lang="en-GB" dirty="0" smtClean="0"/>
-              <a:t>+ deconvolution</a:t>
+              <a:t>Baseline distributed gridding + deconvolution</a:t>
             </a:r>
             <a:endParaRPr lang="en-GB" dirty="0"/>
           </a:p>
@@ -6385,11 +6381,7 @@
           <a:p>
             <a:r>
               <a:rPr lang="en-GB" dirty="0" smtClean="0"/>
-              <a:t>Distributed </a:t>
-            </a:r>
-            <a:r>
-              <a:rPr lang="en-GB" dirty="0" smtClean="0"/>
-              <a:t>gridding: More effective with a lot of input data</a:t>
+              <a:t>Distributed gridding: More effective with a lot of input data</a:t>
             </a:r>
           </a:p>
           <a:p>
@@ -6402,11 +6394,11 @@
             <a:pPr lvl="1"/>
             <a:r>
               <a:rPr lang="en-GB" dirty="0" smtClean="0"/>
-              <a:t>We </a:t>
+              <a:t>We have more communication </a:t>
             </a:r>
             <a:r>
               <a:rPr lang="en-GB" dirty="0"/>
-              <a:t>have more communication efficient CD </a:t>
+              <a:t>efficient CD </a:t>
             </a:r>
             <a:r>
               <a:rPr lang="en-GB" dirty="0" smtClean="0"/>
